--- a/提案書/別紙1_サイト利用者の業務概要図.pptx
+++ b/提案書/別紙1_サイト利用者の業務概要図.pptx
@@ -210,7 +210,7 @@
           <a:p>
             <a:fld id="{B78A6BF9-15A3-449C-A41A-F00F283642E9}" type="datetimeFigureOut">
               <a:rPr kumimoji="1" lang="ja-JP" altLang="en-US" smtClean="0"/>
-              <a:t>2025/8/13</a:t>
+              <a:t>2025/8/15</a:t>
             </a:fld>
             <a:endParaRPr kumimoji="1" lang="ja-JP" altLang="en-US"/>
           </a:p>
@@ -727,6 +727,70 @@
               <a:rPr lang="ja-JP" altLang="en-US" dirty="0"/>
               <a:t>カスタマーサービス部のメンバーがお客様からの問い合わせをもとにキャンセルを行う</a:t>
             </a:r>
+            <a:endParaRPr lang="en-US" altLang="ja-JP" dirty="0"/>
+          </a:p>
+          <a:p>
+            <a:endParaRPr kumimoji="1" lang="en-US" altLang="ja-JP" dirty="0">
+              <a:solidFill>
+                <a:srgbClr val="0070C0"/>
+              </a:solidFill>
+            </a:endParaRPr>
+          </a:p>
+          <a:p>
+            <a:r>
+              <a:rPr kumimoji="1" lang="en-US" altLang="ja-JP" dirty="0">
+                <a:solidFill>
+                  <a:srgbClr val="0070C0"/>
+                </a:solidFill>
+              </a:rPr>
+              <a:t>8/15</a:t>
+            </a:r>
+            <a:r>
+              <a:rPr kumimoji="1" lang="ja-JP" altLang="en-US" dirty="0">
+                <a:solidFill>
+                  <a:srgbClr val="0070C0"/>
+                </a:solidFill>
+              </a:rPr>
+              <a:t>安藤さんコメント：</a:t>
+            </a:r>
+            <a:endParaRPr kumimoji="1" lang="en-US" altLang="ja-JP" dirty="0">
+              <a:solidFill>
+                <a:srgbClr val="0070C0"/>
+              </a:solidFill>
+            </a:endParaRPr>
+          </a:p>
+          <a:p>
+            <a:r>
+              <a:rPr kumimoji="1" lang="ja-JP" altLang="en-US" dirty="0">
+                <a:solidFill>
+                  <a:srgbClr val="0070C0"/>
+                </a:solidFill>
+              </a:rPr>
+              <a:t>商品注文とキャンセルは別の業務フローとしていただけますでしょうか</a:t>
+            </a:r>
+          </a:p>
+          <a:p>
+            <a:pPr marL="0" lvl="0" indent="0" algn="l" rtl="0">
+              <a:spcBef>
+                <a:spcPts val="0"/>
+              </a:spcBef>
+              <a:spcAft>
+                <a:spcPts val="0"/>
+              </a:spcAft>
+              <a:buNone/>
+            </a:pPr>
+            <a:endParaRPr lang="en-US" dirty="0"/>
+          </a:p>
+          <a:p>
+            <a:pPr marL="0" lvl="0" indent="0" algn="l" rtl="0">
+              <a:spcBef>
+                <a:spcPts val="0"/>
+              </a:spcBef>
+              <a:spcAft>
+                <a:spcPts val="0"/>
+              </a:spcAft>
+              <a:buNone/>
+            </a:pPr>
             <a:endParaRPr dirty="0"/>
           </a:p>
         </p:txBody>
@@ -1089,6 +1153,212 @@
               <a:rPr lang="ja-JP" altLang="en-US" dirty="0"/>
               <a:t>販売管理システムのバッチは日次での運用になる</a:t>
             </a:r>
+            <a:endParaRPr lang="en-US" altLang="ja-JP" dirty="0"/>
+          </a:p>
+          <a:p>
+            <a:pPr marL="0" lvl="0" indent="0" algn="l" rtl="0">
+              <a:spcBef>
+                <a:spcPts val="0"/>
+              </a:spcBef>
+              <a:spcAft>
+                <a:spcPts val="0"/>
+              </a:spcAft>
+              <a:buNone/>
+            </a:pPr>
+            <a:endParaRPr lang="en-US" dirty="0"/>
+          </a:p>
+          <a:p>
+            <a:pPr marL="0" lvl="0" indent="0" algn="l" rtl="0">
+              <a:spcBef>
+                <a:spcPts val="0"/>
+              </a:spcBef>
+              <a:spcAft>
+                <a:spcPts val="0"/>
+              </a:spcAft>
+              <a:buNone/>
+            </a:pPr>
+            <a:r>
+              <a:rPr lang="en-US" dirty="0"/>
+              <a:t>8/15</a:t>
+            </a:r>
+            <a:r>
+              <a:rPr lang="ja-JP" altLang="en-US" dirty="0"/>
+              <a:t>安藤さんコメント：</a:t>
+            </a:r>
+            <a:endParaRPr lang="en-US" altLang="ja-JP" dirty="0"/>
+          </a:p>
+          <a:p>
+            <a:r>
+              <a:rPr kumimoji="1" lang="en-US" altLang="ja-JP" sz="1200" dirty="0">
+                <a:solidFill>
+                  <a:srgbClr val="0070C0"/>
+                </a:solidFill>
+              </a:rPr>
+              <a:t>P.7</a:t>
+            </a:r>
+            <a:r>
+              <a:rPr kumimoji="1" lang="ja-JP" altLang="en-US" sz="1200" dirty="0">
+                <a:solidFill>
+                  <a:srgbClr val="0070C0"/>
+                </a:solidFill>
+              </a:rPr>
+              <a:t>で記載の通り、商品情報登録時、商品情報中の在庫情報は、基盤システムを参照して確認できますが、</a:t>
+            </a:r>
+            <a:endParaRPr kumimoji="1" lang="en-US" altLang="ja-JP" sz="1200" dirty="0">
+              <a:solidFill>
+                <a:srgbClr val="0070C0"/>
+              </a:solidFill>
+            </a:endParaRPr>
+          </a:p>
+          <a:p>
+            <a:r>
+              <a:rPr lang="ja-JP" altLang="en-US" sz="1200" dirty="0">
+                <a:solidFill>
+                  <a:srgbClr val="0070C0"/>
+                </a:solidFill>
+              </a:rPr>
+              <a:t>販売管理システムより日次連携される</a:t>
+            </a:r>
+            <a:r>
+              <a:rPr lang="en-US" altLang="ja-JP" sz="1200" dirty="0">
+                <a:solidFill>
+                  <a:srgbClr val="0070C0"/>
+                </a:solidFill>
+              </a:rPr>
+              <a:t>EC</a:t>
+            </a:r>
+            <a:r>
+              <a:rPr lang="ja-JP" altLang="en-US" sz="1200" dirty="0">
+                <a:solidFill>
+                  <a:srgbClr val="0070C0"/>
+                </a:solidFill>
+              </a:rPr>
+              <a:t>在庫情報の方が精度がよく最新で、</a:t>
+            </a:r>
+            <a:endParaRPr lang="en-US" altLang="ja-JP" sz="1200" dirty="0">
+              <a:solidFill>
+                <a:srgbClr val="0070C0"/>
+              </a:solidFill>
+            </a:endParaRPr>
+          </a:p>
+          <a:p>
+            <a:r>
+              <a:rPr lang="ja-JP" altLang="en-US" sz="1200" dirty="0">
+                <a:solidFill>
+                  <a:srgbClr val="0070C0"/>
+                </a:solidFill>
+              </a:rPr>
+              <a:t>顧客が</a:t>
+            </a:r>
+            <a:r>
+              <a:rPr lang="en-US" altLang="ja-JP" sz="1200" dirty="0">
+                <a:solidFill>
+                  <a:srgbClr val="0070C0"/>
+                </a:solidFill>
+              </a:rPr>
+              <a:t>(</a:t>
+            </a:r>
+            <a:r>
+              <a:rPr lang="ja-JP" altLang="en-US" sz="1200" dirty="0">
+                <a:solidFill>
+                  <a:srgbClr val="0070C0"/>
+                </a:solidFill>
+              </a:rPr>
+              <a:t>注文確定時ではなく</a:t>
+            </a:r>
+            <a:r>
+              <a:rPr lang="en-US" altLang="ja-JP" sz="1200" dirty="0">
+                <a:solidFill>
+                  <a:srgbClr val="0070C0"/>
+                </a:solidFill>
+              </a:rPr>
+              <a:t>)</a:t>
+            </a:r>
+            <a:r>
+              <a:rPr lang="ja-JP" altLang="en-US" sz="1200" dirty="0">
+                <a:solidFill>
+                  <a:srgbClr val="0070C0"/>
+                </a:solidFill>
+              </a:rPr>
+              <a:t>商品閲覧時に、〇</a:t>
+            </a:r>
+            <a:r>
+              <a:rPr lang="en-US" altLang="ja-JP" sz="1200" dirty="0">
+                <a:solidFill>
+                  <a:srgbClr val="0070C0"/>
+                </a:solidFill>
+              </a:rPr>
+              <a:t>×△</a:t>
+            </a:r>
+            <a:r>
+              <a:rPr lang="ja-JP" altLang="en-US" sz="1200" dirty="0">
+                <a:solidFill>
+                  <a:srgbClr val="0070C0"/>
+                </a:solidFill>
+              </a:rPr>
+              <a:t>で表示される元となる在庫情報です。</a:t>
+            </a:r>
+            <a:endParaRPr lang="en-US" altLang="ja-JP" sz="1200" dirty="0">
+              <a:solidFill>
+                <a:srgbClr val="0070C0"/>
+              </a:solidFill>
+            </a:endParaRPr>
+          </a:p>
+          <a:p>
+            <a:endParaRPr lang="en-US" altLang="ja-JP" sz="1200" dirty="0">
+              <a:solidFill>
+                <a:srgbClr val="0070C0"/>
+              </a:solidFill>
+            </a:endParaRPr>
+          </a:p>
+          <a:p>
+            <a:r>
+              <a:rPr kumimoji="1" lang="ja-JP" altLang="en-US" sz="1200" dirty="0">
+                <a:solidFill>
+                  <a:srgbClr val="0070C0"/>
+                </a:solidFill>
+              </a:rPr>
+              <a:t>在庫取得のバッチと</a:t>
+            </a:r>
+            <a:r>
+              <a:rPr kumimoji="1" lang="en-US" altLang="ja-JP" sz="1200" dirty="0">
+                <a:solidFill>
+                  <a:srgbClr val="0070C0"/>
+                </a:solidFill>
+              </a:rPr>
+              <a:t>API</a:t>
+            </a:r>
+            <a:r>
+              <a:rPr kumimoji="1" lang="ja-JP" altLang="en-US" sz="1200" dirty="0">
+                <a:solidFill>
+                  <a:srgbClr val="0070C0"/>
+                </a:solidFill>
+              </a:rPr>
+              <a:t>が混じってわかりづらくなっているので、分けていただけますでしょうか。</a:t>
+            </a:r>
+            <a:endParaRPr lang="en-US" altLang="ja-JP" sz="1200" dirty="0">
+              <a:solidFill>
+                <a:srgbClr val="0070C0"/>
+              </a:solidFill>
+            </a:endParaRPr>
+          </a:p>
+          <a:p>
+            <a:endParaRPr lang="en-US" altLang="ja-JP" sz="1200" dirty="0">
+              <a:solidFill>
+                <a:srgbClr val="0070C0"/>
+              </a:solidFill>
+            </a:endParaRPr>
+          </a:p>
+          <a:p>
+            <a:pPr marL="0" lvl="0" indent="0" algn="l" rtl="0">
+              <a:spcBef>
+                <a:spcPts val="0"/>
+              </a:spcBef>
+              <a:spcAft>
+                <a:spcPts val="0"/>
+              </a:spcAft>
+              <a:buNone/>
+            </a:pPr>
             <a:endParaRPr dirty="0"/>
           </a:p>
         </p:txBody>
@@ -1498,7 +1768,31 @@
               </a:spcAft>
               <a:buNone/>
             </a:pPr>
-            <a:endParaRPr/>
+            <a:r>
+              <a:rPr lang="en-US" dirty="0"/>
+              <a:t>8/15</a:t>
+            </a:r>
+            <a:r>
+              <a:rPr lang="ja-JP" altLang="en-US" dirty="0"/>
+              <a:t>安藤さんコメント：</a:t>
+            </a:r>
+            <a:endParaRPr lang="en-US" altLang="ja-JP" dirty="0"/>
+          </a:p>
+          <a:p>
+            <a:pPr marL="0" lvl="0" indent="0" algn="l" rtl="0">
+              <a:spcBef>
+                <a:spcPts val="0"/>
+              </a:spcBef>
+              <a:spcAft>
+                <a:spcPts val="0"/>
+              </a:spcAft>
+              <a:buNone/>
+            </a:pPr>
+            <a:r>
+              <a:rPr lang="ja-JP" altLang="en-US" dirty="0"/>
+              <a:t>ハイパーユーザを追加していただけますでしょうか</a:t>
+            </a:r>
+            <a:endParaRPr dirty="0"/>
           </a:p>
         </p:txBody>
       </p:sp>
@@ -2564,7 +2858,7 @@
           <a:p>
             <a:fld id="{DB3CAC94-1EB8-4832-9DAA-FF99BFEB6A5A}" type="datetime1">
               <a:rPr kumimoji="1" lang="ja-JP" altLang="en-US" smtClean="0"/>
-              <a:t>2025/8/13</a:t>
+              <a:t>2025/8/15</a:t>
             </a:fld>
             <a:endParaRPr kumimoji="1" lang="ja-JP" altLang="en-US"/>
           </a:p>
@@ -2794,7 +3088,7 @@
           <a:p>
             <a:fld id="{A292A096-2BC8-45B1-97DF-4946EA87EC7E}" type="datetime1">
               <a:rPr kumimoji="1" lang="ja-JP" altLang="en-US" smtClean="0"/>
-              <a:t>2025/8/13</a:t>
+              <a:t>2025/8/15</a:t>
             </a:fld>
             <a:endParaRPr kumimoji="1" lang="ja-JP" altLang="en-US"/>
           </a:p>
@@ -3034,7 +3328,7 @@
           <a:p>
             <a:fld id="{07359060-838C-4FF8-91C9-179C2A9F4660}" type="datetime1">
               <a:rPr kumimoji="1" lang="ja-JP" altLang="en-US" smtClean="0"/>
-              <a:t>2025/8/13</a:t>
+              <a:t>2025/8/15</a:t>
             </a:fld>
             <a:endParaRPr kumimoji="1" lang="ja-JP" altLang="en-US"/>
           </a:p>
@@ -3623,7 +3917,7 @@
           <a:p>
             <a:fld id="{7074688A-D71F-444A-B206-3891B1749085}" type="datetime1">
               <a:rPr kumimoji="1" lang="ja-JP" altLang="en-US" smtClean="0"/>
-              <a:t>2025/8/13</a:t>
+              <a:t>2025/8/15</a:t>
             </a:fld>
             <a:endParaRPr kumimoji="1" lang="ja-JP" altLang="en-US"/>
           </a:p>
@@ -3898,7 +4192,7 @@
           <a:p>
             <a:fld id="{B87A608D-9524-4860-83E7-B7A5A5C0851A}" type="datetime1">
               <a:rPr kumimoji="1" lang="ja-JP" altLang="en-US" smtClean="0"/>
-              <a:t>2025/8/13</a:t>
+              <a:t>2025/8/15</a:t>
             </a:fld>
             <a:endParaRPr kumimoji="1" lang="ja-JP" altLang="en-US"/>
           </a:p>
@@ -4227,7 +4521,7 @@
           <a:p>
             <a:fld id="{3F77DCAA-3795-4533-9668-1BAD648B4EE0}" type="datetime1">
               <a:rPr kumimoji="1" lang="ja-JP" altLang="en-US" smtClean="0"/>
-              <a:t>2025/8/13</a:t>
+              <a:t>2025/8/15</a:t>
             </a:fld>
             <a:endParaRPr kumimoji="1" lang="ja-JP" altLang="en-US"/>
           </a:p>
@@ -4703,7 +4997,7 @@
           <a:p>
             <a:fld id="{FD25E9F3-D79C-4567-9340-37ABF4CEE46E}" type="datetime1">
               <a:rPr kumimoji="1" lang="ja-JP" altLang="en-US" smtClean="0"/>
-              <a:t>2025/8/13</a:t>
+              <a:t>2025/8/15</a:t>
             </a:fld>
             <a:endParaRPr kumimoji="1" lang="ja-JP" altLang="en-US"/>
           </a:p>
@@ -4844,7 +5138,7 @@
           <a:p>
             <a:fld id="{A8580C29-5371-40B3-8CA9-9F8C8590908C}" type="datetime1">
               <a:rPr kumimoji="1" lang="ja-JP" altLang="en-US" smtClean="0"/>
-              <a:t>2025/8/13</a:t>
+              <a:t>2025/8/15</a:t>
             </a:fld>
             <a:endParaRPr kumimoji="1" lang="ja-JP" altLang="en-US"/>
           </a:p>
@@ -4957,7 +5251,7 @@
           <a:p>
             <a:fld id="{9FCF4369-F6CF-4224-B0D3-0294AC4509D3}" type="datetime1">
               <a:rPr kumimoji="1" lang="ja-JP" altLang="en-US" smtClean="0"/>
-              <a:t>2025/8/13</a:t>
+              <a:t>2025/8/15</a:t>
             </a:fld>
             <a:endParaRPr kumimoji="1" lang="ja-JP" altLang="en-US"/>
           </a:p>
@@ -5300,7 +5594,7 @@
           <a:p>
             <a:fld id="{9300ACCC-9F6F-4046-907E-9F3C240EF2C7}" type="datetime1">
               <a:rPr kumimoji="1" lang="ja-JP" altLang="en-US" smtClean="0"/>
-              <a:t>2025/8/13</a:t>
+              <a:t>2025/8/15</a:t>
             </a:fld>
             <a:endParaRPr kumimoji="1" lang="ja-JP" altLang="en-US"/>
           </a:p>
@@ -5588,7 +5882,7 @@
           <a:p>
             <a:fld id="{B32287E4-D116-4AEF-95E3-62709895B2C5}" type="datetime1">
               <a:rPr kumimoji="1" lang="ja-JP" altLang="en-US" smtClean="0"/>
-              <a:t>2025/8/13</a:t>
+              <a:t>2025/8/15</a:t>
             </a:fld>
             <a:endParaRPr kumimoji="1" lang="ja-JP" altLang="en-US"/>
           </a:p>
@@ -5861,7 +6155,7 @@
           <a:p>
             <a:fld id="{6C422995-662A-44F6-8C1F-8544F236AEC9}" type="datetime1">
               <a:rPr kumimoji="1" lang="ja-JP" altLang="en-US" smtClean="0"/>
-              <a:t>2025/8/13</a:t>
+              <a:t>2025/8/15</a:t>
             </a:fld>
             <a:endParaRPr kumimoji="1" lang="ja-JP" altLang="en-US"/>
           </a:p>
@@ -6461,7 +6755,7 @@
         </p:blipFill>
         <p:spPr>
           <a:xfrm>
-            <a:off x="4343864" y="4945438"/>
+            <a:off x="3399707" y="4945438"/>
             <a:ext cx="914400" cy="914400"/>
           </a:xfrm>
           <a:prstGeom prst="rect">
@@ -6497,7 +6791,7 @@
         </p:blipFill>
         <p:spPr>
           <a:xfrm>
-            <a:off x="8188236" y="4675855"/>
+            <a:off x="6946610" y="4673002"/>
             <a:ext cx="2068944" cy="2068944"/>
           </a:xfrm>
           <a:prstGeom prst="rect">
@@ -6521,7 +6815,7 @@
         </p:nvSpPr>
         <p:spPr>
           <a:xfrm>
-            <a:off x="8437745" y="4645390"/>
+            <a:off x="7075871" y="4645390"/>
             <a:ext cx="1431510" cy="501717"/>
           </a:xfrm>
           <a:prstGeom prst="rect">
@@ -6824,8 +7118,8 @@
         </p:nvSpPr>
         <p:spPr>
           <a:xfrm>
-            <a:off x="464568" y="4614176"/>
-            <a:ext cx="1323845" cy="501717"/>
+            <a:off x="227103" y="4423403"/>
+            <a:ext cx="1783094" cy="585843"/>
           </a:xfrm>
           <a:prstGeom prst="rect">
             <a:avLst/>
@@ -6842,7 +7136,7 @@
             </a:pPr>
             <a:r>
               <a:rPr lang="ja-JP" altLang="en-US" sz="1700" dirty="0"/>
-              <a:t>商品注文ユーザー</a:t>
+              <a:t>商品キャンセルユーザー</a:t>
             </a:r>
             <a:endParaRPr sz="1700" dirty="0"/>
           </a:p>
@@ -6876,7 +7170,7 @@
         </p:blipFill>
         <p:spPr>
           <a:xfrm>
-            <a:off x="598367" y="5115893"/>
+            <a:off x="619532" y="5062612"/>
             <a:ext cx="914400" cy="914400"/>
           </a:xfrm>
           <a:prstGeom prst="rect">
@@ -6898,8 +7192,8 @@
         </p:nvSpPr>
         <p:spPr>
           <a:xfrm>
-            <a:off x="5956787" y="5533144"/>
-            <a:ext cx="2476805" cy="615553"/>
+            <a:off x="4594913" y="5533144"/>
+            <a:ext cx="2476805" cy="877163"/>
           </a:xfrm>
           <a:prstGeom prst="rect">
             <a:avLst/>
@@ -6934,7 +7228,17 @@
               <a:rPr lang="ja-JP" altLang="en-US" sz="1700" dirty="0"/>
               <a:t>・キャンセル実行</a:t>
             </a:r>
-            <a:endParaRPr kumimoji="1" lang="ja-JP" altLang="en-US" sz="1700" dirty="0"/>
+            <a:endParaRPr lang="en-US" altLang="ja-JP" sz="1700" dirty="0"/>
+          </a:p>
+          <a:p>
+            <a:r>
+              <a:rPr kumimoji="1" lang="ja-JP" altLang="en-US" sz="1700" dirty="0">
+                <a:solidFill>
+                  <a:srgbClr val="FF0000"/>
+                </a:solidFill>
+              </a:rPr>
+              <a:t>・受注情報を確認</a:t>
+            </a:r>
           </a:p>
         </p:txBody>
       </p:sp>
@@ -6952,7 +7256,7 @@
         </p:nvSpPr>
         <p:spPr>
           <a:xfrm>
-            <a:off x="9333094" y="3851929"/>
+            <a:off x="7971220" y="3851929"/>
             <a:ext cx="3311699" cy="615553"/>
           </a:xfrm>
           <a:prstGeom prst="rect">
@@ -7005,8 +7309,8 @@
         </p:nvSpPr>
         <p:spPr>
           <a:xfrm>
-            <a:off x="1788413" y="5533326"/>
-            <a:ext cx="2654326" cy="615553"/>
+            <a:off x="1466828" y="5533326"/>
+            <a:ext cx="1554265" cy="615553"/>
           </a:xfrm>
           <a:prstGeom prst="rect">
             <a:avLst/>
@@ -7023,15 +7327,15 @@
           <a:lstStyle/>
           <a:p>
             <a:r>
-              <a:rPr kumimoji="1" lang="ja-JP" altLang="en-US" sz="1700" dirty="0"/>
-              <a:t>・商品を注文</a:t>
-            </a:r>
-            <a:endParaRPr kumimoji="1" lang="en-US" altLang="ja-JP" sz="1700" dirty="0"/>
-          </a:p>
-          <a:p>
-            <a:r>
               <a:rPr lang="ja-JP" altLang="en-US" sz="1700" dirty="0"/>
-              <a:t>・キャンセル問い合わせ</a:t>
+              <a:t>・キャンセル</a:t>
+            </a:r>
+            <a:endParaRPr lang="en-US" altLang="ja-JP" sz="1700" dirty="0"/>
+          </a:p>
+          <a:p>
+            <a:r>
+              <a:rPr lang="ja-JP" altLang="en-US" sz="1700" dirty="0"/>
+              <a:t>　問い合わせ</a:t>
             </a:r>
             <a:endParaRPr lang="en-US" altLang="ja-JP" sz="1700" dirty="0"/>
           </a:p>
@@ -7065,7 +7369,7 @@
         </p:blipFill>
         <p:spPr>
           <a:xfrm>
-            <a:off x="8204512" y="1994465"/>
+            <a:off x="6842638" y="1994465"/>
             <a:ext cx="1981948" cy="1981948"/>
           </a:xfrm>
           <a:prstGeom prst="rect">
@@ -7089,7 +7393,7 @@
         </p:nvSpPr>
         <p:spPr>
           <a:xfrm>
-            <a:off x="8218362" y="1946630"/>
+            <a:off x="6856488" y="1946630"/>
             <a:ext cx="2280839" cy="631313"/>
           </a:xfrm>
           <a:prstGeom prst="rect">
@@ -7326,7 +7630,7 @@
         </p:nvSpPr>
         <p:spPr>
           <a:xfrm>
-            <a:off x="1933478" y="5158732"/>
+            <a:off x="1611893" y="5158732"/>
             <a:ext cx="1554265" cy="321228"/>
           </a:xfrm>
           <a:prstGeom prst="rightArrow">
@@ -7372,7 +7676,7 @@
         </p:nvSpPr>
         <p:spPr>
           <a:xfrm>
-            <a:off x="6156605" y="5158732"/>
+            <a:off x="4794731" y="5158732"/>
             <a:ext cx="1554265" cy="321228"/>
           </a:xfrm>
           <a:prstGeom prst="rightArrow">
@@ -7418,7 +7722,7 @@
         </p:nvSpPr>
         <p:spPr>
           <a:xfrm>
-            <a:off x="8687005" y="3833250"/>
+            <a:off x="7325131" y="3833250"/>
             <a:ext cx="397164" cy="631313"/>
           </a:xfrm>
           <a:prstGeom prst="upDownArrow">
@@ -7466,7 +7770,7 @@
         </p:nvSpPr>
         <p:spPr>
           <a:xfrm>
-            <a:off x="3573704" y="4359595"/>
+            <a:off x="2629547" y="4359595"/>
             <a:ext cx="2454719" cy="585843"/>
           </a:xfrm>
           <a:prstGeom prst="rect">
@@ -7715,6 +8019,378 @@
               <a:t>10</a:t>
             </a:fld>
             <a:endParaRPr lang="ja" altLang="en-US"/>
+          </a:p>
+        </p:txBody>
+      </p:sp>
+      <p:sp>
+        <p:nvSpPr>
+          <p:cNvPr id="10" name="Google Shape;61;p14">
+            <a:extLst>
+              <a:ext uri="{FF2B5EF4-FFF2-40B4-BE49-F238E27FC236}">
+                <a16:creationId xmlns:a16="http://schemas.microsoft.com/office/drawing/2014/main" id="{04ADF043-2A68-3DD7-734E-8F089872CCD9}"/>
+              </a:ext>
+            </a:extLst>
+          </p:cNvPr>
+          <p:cNvSpPr txBox="1">
+            <a:spLocks/>
+          </p:cNvSpPr>
+          <p:nvPr/>
+        </p:nvSpPr>
+        <p:spPr>
+          <a:xfrm>
+            <a:off x="10837894" y="4740020"/>
+            <a:ext cx="1323845" cy="501717"/>
+          </a:xfrm>
+          <a:prstGeom prst="rect">
+            <a:avLst/>
+          </a:prstGeom>
+        </p:spPr>
+        <p:txBody>
+          <a:bodyPr spcFirstLastPara="1" vert="horz" wrap="square" lIns="121900" tIns="121900" rIns="121900" bIns="121900" rtlCol="0" anchor="t" anchorCtr="0">
+            <a:noAutofit/>
+          </a:bodyPr>
+          <a:lstStyle>
+            <a:lvl1pPr marL="609585" lvl="0" indent="-457189" algn="l" defTabSz="914400" rtl="0" eaLnBrk="1" latinLnBrk="0" hangingPunct="1">
+              <a:lnSpc>
+                <a:spcPct val="90000"/>
+              </a:lnSpc>
+              <a:spcBef>
+                <a:spcPts val="0"/>
+              </a:spcBef>
+              <a:spcAft>
+                <a:spcPts val="0"/>
+              </a:spcAft>
+              <a:buSzPts val="1800"/>
+              <a:buFont typeface="Arial" panose="020B0604020202020204" pitchFamily="34" charset="0"/>
+              <a:buChar char="●"/>
+              <a:defRPr kumimoji="1" sz="2800" kern="1200">
+                <a:solidFill>
+                  <a:schemeClr val="tx1"/>
+                </a:solidFill>
+                <a:latin typeface="+mn-lt"/>
+                <a:ea typeface="+mn-ea"/>
+                <a:cs typeface="+mn-cs"/>
+              </a:defRPr>
+            </a:lvl1pPr>
+            <a:lvl2pPr marL="1219170" lvl="1" indent="-423323" algn="l" defTabSz="914400" rtl="0" eaLnBrk="1" latinLnBrk="0" hangingPunct="1">
+              <a:lnSpc>
+                <a:spcPct val="90000"/>
+              </a:lnSpc>
+              <a:spcBef>
+                <a:spcPts val="0"/>
+              </a:spcBef>
+              <a:spcAft>
+                <a:spcPts val="0"/>
+              </a:spcAft>
+              <a:buSzPts val="1400"/>
+              <a:buFont typeface="Arial" panose="020B0604020202020204" pitchFamily="34" charset="0"/>
+              <a:buChar char="○"/>
+              <a:defRPr kumimoji="1" sz="2400" kern="1200">
+                <a:solidFill>
+                  <a:schemeClr val="tx1"/>
+                </a:solidFill>
+                <a:latin typeface="+mn-lt"/>
+                <a:ea typeface="+mn-ea"/>
+                <a:cs typeface="+mn-cs"/>
+              </a:defRPr>
+            </a:lvl2pPr>
+            <a:lvl3pPr marL="1828754" lvl="2" indent="-423323" algn="l" defTabSz="914400" rtl="0" eaLnBrk="1" latinLnBrk="0" hangingPunct="1">
+              <a:lnSpc>
+                <a:spcPct val="90000"/>
+              </a:lnSpc>
+              <a:spcBef>
+                <a:spcPts val="0"/>
+              </a:spcBef>
+              <a:spcAft>
+                <a:spcPts val="0"/>
+              </a:spcAft>
+              <a:buSzPts val="1400"/>
+              <a:buFont typeface="Arial" panose="020B0604020202020204" pitchFamily="34" charset="0"/>
+              <a:buChar char="■"/>
+              <a:defRPr kumimoji="1" sz="2000" kern="1200">
+                <a:solidFill>
+                  <a:schemeClr val="tx1"/>
+                </a:solidFill>
+                <a:latin typeface="+mn-lt"/>
+                <a:ea typeface="+mn-ea"/>
+                <a:cs typeface="+mn-cs"/>
+              </a:defRPr>
+            </a:lvl3pPr>
+            <a:lvl4pPr marL="2438339" lvl="3" indent="-423323" algn="l" defTabSz="914400" rtl="0" eaLnBrk="1" latinLnBrk="0" hangingPunct="1">
+              <a:lnSpc>
+                <a:spcPct val="90000"/>
+              </a:lnSpc>
+              <a:spcBef>
+                <a:spcPts val="0"/>
+              </a:spcBef>
+              <a:spcAft>
+                <a:spcPts val="0"/>
+              </a:spcAft>
+              <a:buSzPts val="1400"/>
+              <a:buFont typeface="Arial" panose="020B0604020202020204" pitchFamily="34" charset="0"/>
+              <a:buChar char="●"/>
+              <a:defRPr kumimoji="1" sz="1800" kern="1200">
+                <a:solidFill>
+                  <a:schemeClr val="tx1"/>
+                </a:solidFill>
+                <a:latin typeface="+mn-lt"/>
+                <a:ea typeface="+mn-ea"/>
+                <a:cs typeface="+mn-cs"/>
+              </a:defRPr>
+            </a:lvl4pPr>
+            <a:lvl5pPr marL="3047924" lvl="4" indent="-423323" algn="l" defTabSz="914400" rtl="0" eaLnBrk="1" latinLnBrk="0" hangingPunct="1">
+              <a:lnSpc>
+                <a:spcPct val="90000"/>
+              </a:lnSpc>
+              <a:spcBef>
+                <a:spcPts val="0"/>
+              </a:spcBef>
+              <a:spcAft>
+                <a:spcPts val="0"/>
+              </a:spcAft>
+              <a:buSzPts val="1400"/>
+              <a:buFont typeface="Arial" panose="020B0604020202020204" pitchFamily="34" charset="0"/>
+              <a:buChar char="○"/>
+              <a:defRPr kumimoji="1" sz="1800" kern="1200">
+                <a:solidFill>
+                  <a:schemeClr val="tx1"/>
+                </a:solidFill>
+                <a:latin typeface="+mn-lt"/>
+                <a:ea typeface="+mn-ea"/>
+                <a:cs typeface="+mn-cs"/>
+              </a:defRPr>
+            </a:lvl5pPr>
+            <a:lvl6pPr marL="3657509" lvl="5" indent="-423323" algn="l" defTabSz="914400" rtl="0" eaLnBrk="1" latinLnBrk="0" hangingPunct="1">
+              <a:lnSpc>
+                <a:spcPct val="90000"/>
+              </a:lnSpc>
+              <a:spcBef>
+                <a:spcPts val="0"/>
+              </a:spcBef>
+              <a:spcAft>
+                <a:spcPts val="0"/>
+              </a:spcAft>
+              <a:buSzPts val="1400"/>
+              <a:buFont typeface="Arial" panose="020B0604020202020204" pitchFamily="34" charset="0"/>
+              <a:buChar char="■"/>
+              <a:defRPr kumimoji="1" sz="1800" kern="1200">
+                <a:solidFill>
+                  <a:schemeClr val="tx1"/>
+                </a:solidFill>
+                <a:latin typeface="+mn-lt"/>
+                <a:ea typeface="+mn-ea"/>
+                <a:cs typeface="+mn-cs"/>
+              </a:defRPr>
+            </a:lvl6pPr>
+            <a:lvl7pPr marL="4267093" lvl="6" indent="-423323" algn="l" defTabSz="914400" rtl="0" eaLnBrk="1" latinLnBrk="0" hangingPunct="1">
+              <a:lnSpc>
+                <a:spcPct val="90000"/>
+              </a:lnSpc>
+              <a:spcBef>
+                <a:spcPts val="0"/>
+              </a:spcBef>
+              <a:spcAft>
+                <a:spcPts val="0"/>
+              </a:spcAft>
+              <a:buSzPts val="1400"/>
+              <a:buFont typeface="Arial" panose="020B0604020202020204" pitchFamily="34" charset="0"/>
+              <a:buChar char="●"/>
+              <a:defRPr kumimoji="1" sz="1800" kern="1200">
+                <a:solidFill>
+                  <a:schemeClr val="tx1"/>
+                </a:solidFill>
+                <a:latin typeface="+mn-lt"/>
+                <a:ea typeface="+mn-ea"/>
+                <a:cs typeface="+mn-cs"/>
+              </a:defRPr>
+            </a:lvl7pPr>
+            <a:lvl8pPr marL="4876678" lvl="7" indent="-423323" algn="l" defTabSz="914400" rtl="0" eaLnBrk="1" latinLnBrk="0" hangingPunct="1">
+              <a:lnSpc>
+                <a:spcPct val="90000"/>
+              </a:lnSpc>
+              <a:spcBef>
+                <a:spcPts val="0"/>
+              </a:spcBef>
+              <a:spcAft>
+                <a:spcPts val="0"/>
+              </a:spcAft>
+              <a:buSzPts val="1400"/>
+              <a:buFont typeface="Arial" panose="020B0604020202020204" pitchFamily="34" charset="0"/>
+              <a:buChar char="○"/>
+              <a:defRPr kumimoji="1" sz="1800" kern="1200">
+                <a:solidFill>
+                  <a:schemeClr val="tx1"/>
+                </a:solidFill>
+                <a:latin typeface="+mn-lt"/>
+                <a:ea typeface="+mn-ea"/>
+                <a:cs typeface="+mn-cs"/>
+              </a:defRPr>
+            </a:lvl8pPr>
+            <a:lvl9pPr marL="5486263" lvl="8" indent="-423323" algn="l" defTabSz="914400" rtl="0" eaLnBrk="1" latinLnBrk="0" hangingPunct="1">
+              <a:lnSpc>
+                <a:spcPct val="90000"/>
+              </a:lnSpc>
+              <a:spcBef>
+                <a:spcPts val="0"/>
+              </a:spcBef>
+              <a:spcAft>
+                <a:spcPts val="0"/>
+              </a:spcAft>
+              <a:buSzPts val="1400"/>
+              <a:buFont typeface="Arial" panose="020B0604020202020204" pitchFamily="34" charset="0"/>
+              <a:buChar char="■"/>
+              <a:defRPr kumimoji="1" sz="1800" kern="1200">
+                <a:solidFill>
+                  <a:schemeClr val="tx1"/>
+                </a:solidFill>
+                <a:latin typeface="+mn-lt"/>
+                <a:ea typeface="+mn-ea"/>
+                <a:cs typeface="+mn-cs"/>
+              </a:defRPr>
+            </a:lvl9pPr>
+          </a:lstStyle>
+          <a:p>
+            <a:pPr marL="0" indent="0">
+              <a:buFont typeface="Arial" panose="020B0604020202020204" pitchFamily="34" charset="0"/>
+              <a:buNone/>
+            </a:pPr>
+            <a:r>
+              <a:rPr lang="ja-JP" altLang="en-US" sz="1700" dirty="0">
+                <a:solidFill>
+                  <a:srgbClr val="FF0000"/>
+                </a:solidFill>
+              </a:rPr>
+              <a:t>商品注文ユーザー</a:t>
+            </a:r>
+          </a:p>
+        </p:txBody>
+      </p:sp>
+      <p:pic>
+        <p:nvPicPr>
+          <p:cNvPr id="12" name="グラフィックス 11" descr="男性のプロフィール 枠線">
+            <a:extLst>
+              <a:ext uri="{FF2B5EF4-FFF2-40B4-BE49-F238E27FC236}">
+                <a16:creationId xmlns:a16="http://schemas.microsoft.com/office/drawing/2014/main" id="{321609E4-2705-2A9C-CCE8-0A8C0EBA43BC}"/>
+              </a:ext>
+            </a:extLst>
+          </p:cNvPr>
+          <p:cNvPicPr>
+            <a:picLocks noChangeAspect="1"/>
+          </p:cNvPicPr>
+          <p:nvPr/>
+        </p:nvPicPr>
+        <p:blipFill>
+          <a:blip r:embed="rId7">
+            <a:extLst>
+              <a:ext uri="{96DAC541-7B7A-43D3-8B79-37D633B846F1}">
+                <asvg:svgBlip xmlns:asvg="http://schemas.microsoft.com/office/drawing/2016/SVG/main" r:embed="rId8"/>
+              </a:ext>
+            </a:extLst>
+          </a:blip>
+          <a:stretch>
+            <a:fillRect/>
+          </a:stretch>
+        </p:blipFill>
+        <p:spPr>
+          <a:xfrm>
+            <a:off x="10971693" y="5241737"/>
+            <a:ext cx="914400" cy="914400"/>
+          </a:xfrm>
+          <a:prstGeom prst="rect">
+            <a:avLst/>
+          </a:prstGeom>
+        </p:spPr>
+      </p:pic>
+      <p:sp>
+        <p:nvSpPr>
+          <p:cNvPr id="15" name="矢印: 右 14">
+            <a:extLst>
+              <a:ext uri="{FF2B5EF4-FFF2-40B4-BE49-F238E27FC236}">
+                <a16:creationId xmlns:a16="http://schemas.microsoft.com/office/drawing/2014/main" id="{23668031-2F1D-FFCF-9123-B7948BF0F435}"/>
+              </a:ext>
+            </a:extLst>
+          </p:cNvPr>
+          <p:cNvSpPr/>
+          <p:nvPr/>
+        </p:nvSpPr>
+        <p:spPr>
+          <a:xfrm rot="10800000">
+            <a:off x="9281101" y="5387186"/>
+            <a:ext cx="1554265" cy="321228"/>
+          </a:xfrm>
+          <a:prstGeom prst="rightArrow">
+            <a:avLst/>
+          </a:prstGeom>
+        </p:spPr>
+        <p:style>
+          <a:lnRef idx="2">
+            <a:schemeClr val="accent1">
+              <a:shade val="15000"/>
+            </a:schemeClr>
+          </a:lnRef>
+          <a:fillRef idx="1">
+            <a:schemeClr val="accent1"/>
+          </a:fillRef>
+          <a:effectRef idx="0">
+            <a:schemeClr val="accent1"/>
+          </a:effectRef>
+          <a:fontRef idx="minor">
+            <a:schemeClr val="lt1"/>
+          </a:fontRef>
+        </p:style>
+        <p:txBody>
+          <a:bodyPr rtlCol="0" anchor="ctr"/>
+          <a:lstStyle/>
+          <a:p>
+            <a:pPr algn="ctr"/>
+            <a:endParaRPr kumimoji="1" lang="ja-JP" altLang="en-US"/>
+          </a:p>
+        </p:txBody>
+      </p:sp>
+      <p:sp>
+        <p:nvSpPr>
+          <p:cNvPr id="16" name="テキスト ボックス 15">
+            <a:extLst>
+              <a:ext uri="{FF2B5EF4-FFF2-40B4-BE49-F238E27FC236}">
+                <a16:creationId xmlns:a16="http://schemas.microsoft.com/office/drawing/2014/main" id="{2E4E0F9E-EBAE-ABE6-9981-78F161737886}"/>
+              </a:ext>
+            </a:extLst>
+          </p:cNvPr>
+          <p:cNvSpPr txBox="1"/>
+          <p:nvPr/>
+        </p:nvSpPr>
+        <p:spPr>
+          <a:xfrm>
+            <a:off x="9368485" y="5024067"/>
+            <a:ext cx="1726991" cy="353943"/>
+          </a:xfrm>
+          <a:prstGeom prst="rect">
+            <a:avLst/>
+          </a:prstGeom>
+          <a:noFill/>
+          <a:ln>
+            <a:noFill/>
+          </a:ln>
+        </p:spPr>
+        <p:txBody>
+          <a:bodyPr wrap="square" rtlCol="0">
+            <a:spAutoFit/>
+          </a:bodyPr>
+          <a:lstStyle/>
+          <a:p>
+            <a:r>
+              <a:rPr lang="ja-JP" altLang="en-US" sz="1700" dirty="0">
+                <a:solidFill>
+                  <a:srgbClr val="FF0000"/>
+                </a:solidFill>
+              </a:rPr>
+              <a:t>商品を注文</a:t>
+            </a:r>
+            <a:endParaRPr lang="en-US" altLang="ja-JP" sz="1700" dirty="0">
+              <a:solidFill>
+                <a:srgbClr val="FF0000"/>
+              </a:solidFill>
+            </a:endParaRPr>
           </a:p>
         </p:txBody>
       </p:sp>
@@ -9593,8 +10269,8 @@
         </p:blipFill>
         <p:spPr>
           <a:xfrm>
-            <a:off x="4902115" y="4980037"/>
-            <a:ext cx="2068944" cy="2068944"/>
+            <a:off x="4800035" y="4884586"/>
+            <a:ext cx="2188640" cy="2188640"/>
           </a:xfrm>
           <a:prstGeom prst="rect">
             <a:avLst/>
@@ -9859,7 +10535,7 @@
         <p:spPr>
           <a:xfrm>
             <a:off x="203165" y="843491"/>
-            <a:ext cx="10994325" cy="877163"/>
+            <a:ext cx="10994325" cy="1138773"/>
           </a:xfrm>
           <a:prstGeom prst="rect">
             <a:avLst/>
@@ -9896,7 +10572,19 @@
             </a:r>
             <a:r>
               <a:rPr lang="ja-JP" altLang="en-US" sz="1700" dirty="0"/>
-              <a:t>システムは販売管理システムと連携し、在庫数のデータを取得する</a:t>
+              <a:t>システムは販売管理システムと</a:t>
+            </a:r>
+            <a:r>
+              <a:rPr lang="en-US" altLang="ja-JP" sz="1700" dirty="0">
+                <a:solidFill>
+                  <a:srgbClr val="FF0000"/>
+                </a:solidFill>
+              </a:rPr>
+              <a:t>API</a:t>
+            </a:r>
+            <a:r>
+              <a:rPr lang="ja-JP" altLang="en-US" sz="1700" dirty="0"/>
+              <a:t>連携し、在庫数のデータを取得する</a:t>
             </a:r>
             <a:endParaRPr lang="en-US" altLang="ja-JP" sz="1700" dirty="0"/>
           </a:p>
@@ -9919,9 +10607,68 @@
             </a:r>
             <a:r>
               <a:rPr lang="ja-JP" altLang="en-US" sz="1700" dirty="0"/>
-              <a:t>ファイル形式で日次で取得するバッチを活用している</a:t>
-            </a:r>
-            <a:endParaRPr lang="en-US" altLang="ja-JP" sz="1700" dirty="0"/>
+              <a:t>ファイル形式で日次で取得するバッチを活用して</a:t>
+            </a:r>
+            <a:r>
+              <a:rPr lang="ja-JP" altLang="en-US" sz="1700" dirty="0">
+                <a:solidFill>
+                  <a:srgbClr val="FF0000"/>
+                </a:solidFill>
+              </a:rPr>
+              <a:t>おり、</a:t>
+            </a:r>
+            <a:endParaRPr lang="en-US" altLang="ja-JP" sz="1700" dirty="0">
+              <a:solidFill>
+                <a:srgbClr val="FF0000"/>
+              </a:solidFill>
+            </a:endParaRPr>
+          </a:p>
+          <a:p>
+            <a:r>
+              <a:rPr lang="ja-JP" altLang="en-US" sz="1700" dirty="0">
+                <a:solidFill>
+                  <a:srgbClr val="FF0000"/>
+                </a:solidFill>
+              </a:rPr>
+              <a:t>この情報をもとに</a:t>
+            </a:r>
+            <a:r>
+              <a:rPr lang="en-US" altLang="ja-JP" sz="1700" dirty="0">
+                <a:solidFill>
+                  <a:srgbClr val="FF0000"/>
+                </a:solidFill>
+              </a:rPr>
+              <a:t>EC</a:t>
+            </a:r>
+            <a:r>
+              <a:rPr lang="ja-JP" altLang="en-US" sz="1700" dirty="0">
+                <a:solidFill>
+                  <a:srgbClr val="FF0000"/>
+                </a:solidFill>
+              </a:rPr>
+              <a:t>システムの商品閲覧時に在庫量を〇</a:t>
+            </a:r>
+            <a:r>
+              <a:rPr lang="en-US" altLang="ja-JP" sz="1700" dirty="0">
+                <a:solidFill>
+                  <a:srgbClr val="FF0000"/>
+                </a:solidFill>
+              </a:rPr>
+              <a:t>×</a:t>
+            </a:r>
+            <a:r>
+              <a:rPr lang="ja-JP" altLang="en-US" sz="1700" dirty="0">
+                <a:solidFill>
+                  <a:srgbClr val="FF0000"/>
+                </a:solidFill>
+              </a:rPr>
+              <a:t>△で表示する</a:t>
+            </a:r>
+            <a:endParaRPr lang="en-US" altLang="ja-JP" sz="1700" dirty="0">
+              <a:solidFill>
+                <a:srgbClr val="FF0000"/>
+              </a:solidFill>
+            </a:endParaRPr>
           </a:p>
         </p:txBody>
       </p:sp>
@@ -9939,8 +10686,8 @@
         </p:nvSpPr>
         <p:spPr>
           <a:xfrm>
-            <a:off x="2540726" y="5282616"/>
-            <a:ext cx="2476805" cy="353943"/>
+            <a:off x="2421718" y="4903182"/>
+            <a:ext cx="2476805" cy="615553"/>
           </a:xfrm>
           <a:prstGeom prst="rect">
             <a:avLst/>
@@ -9957,6 +10704,21 @@
           <a:lstStyle/>
           <a:p>
             <a:r>
+              <a:rPr lang="ja-JP" altLang="en-US" sz="1700" dirty="0">
+                <a:solidFill>
+                  <a:srgbClr val="FF0000"/>
+                </a:solidFill>
+              </a:rPr>
+              <a:t>・商品閲覧</a:t>
+            </a:r>
+            <a:endParaRPr lang="en-US" altLang="ja-JP" sz="1700" dirty="0">
+              <a:solidFill>
+                <a:srgbClr val="FF0000"/>
+              </a:solidFill>
+            </a:endParaRPr>
+          </a:p>
+          <a:p>
+            <a:r>
               <a:rPr lang="ja-JP" altLang="en-US" sz="1700" dirty="0"/>
               <a:t>・注文確定</a:t>
             </a:r>
@@ -10012,8 +10774,12 @@
               <a:t>(</a:t>
             </a:r>
             <a:r>
+              <a:rPr lang="ja-JP" altLang="en-US" sz="1700" dirty="0"/>
+              <a:t>バ</a:t>
+            </a:r>
+            <a:r>
               <a:rPr kumimoji="1" lang="ja-JP" altLang="en-US" sz="1700" dirty="0"/>
-              <a:t>パッチ</a:t>
+              <a:t>ッチ</a:t>
             </a:r>
             <a:r>
               <a:rPr kumimoji="1" lang="en-US" altLang="ja-JP" sz="1700" dirty="0"/>
@@ -10321,7 +11087,7 @@
         </p:nvSpPr>
         <p:spPr>
           <a:xfrm>
-            <a:off x="2529717" y="5685226"/>
+            <a:off x="2444657" y="5477230"/>
             <a:ext cx="1554265" cy="321228"/>
           </a:xfrm>
           <a:prstGeom prst="rightArrow">
@@ -10367,7 +11133,7 @@
         </p:nvSpPr>
         <p:spPr>
           <a:xfrm rot="10800000">
-            <a:off x="2494323" y="6006454"/>
+            <a:off x="2409263" y="5798458"/>
             <a:ext cx="1554265" cy="321228"/>
           </a:xfrm>
           <a:prstGeom prst="rightArrow">
@@ -10413,8 +11179,8 @@
         </p:nvSpPr>
         <p:spPr>
           <a:xfrm>
-            <a:off x="2494323" y="6387122"/>
-            <a:ext cx="2476805" cy="353943"/>
+            <a:off x="2283260" y="6154153"/>
+            <a:ext cx="2476805" cy="615553"/>
           </a:xfrm>
           <a:prstGeom prst="rect">
             <a:avLst/>
@@ -10431,6 +11197,57 @@
           <a:lstStyle/>
           <a:p>
             <a:r>
+              <a:rPr lang="ja-JP" altLang="en-US" sz="1700" dirty="0">
+                <a:solidFill>
+                  <a:srgbClr val="FF0000"/>
+                </a:solidFill>
+              </a:rPr>
+              <a:t>・</a:t>
+            </a:r>
+            <a:r>
+              <a:rPr lang="en-US" altLang="ja-JP" sz="1700" dirty="0">
+                <a:solidFill>
+                  <a:srgbClr val="FF0000"/>
+                </a:solidFill>
+              </a:rPr>
+              <a:t>EC</a:t>
+            </a:r>
+            <a:r>
+              <a:rPr lang="ja-JP" altLang="en-US" sz="1700" dirty="0">
+                <a:solidFill>
+                  <a:srgbClr val="FF0000"/>
+                </a:solidFill>
+              </a:rPr>
+              <a:t>在庫表示</a:t>
+            </a:r>
+            <a:r>
+              <a:rPr lang="en-US" altLang="ja-JP" sz="1700" dirty="0">
+                <a:solidFill>
+                  <a:srgbClr val="FF0000"/>
+                </a:solidFill>
+              </a:rPr>
+              <a:t>(</a:t>
+            </a:r>
+            <a:r>
+              <a:rPr lang="ja-JP" altLang="en-US" sz="1700" dirty="0">
+                <a:solidFill>
+                  <a:srgbClr val="FF0000"/>
+                </a:solidFill>
+              </a:rPr>
+              <a:t>〇</a:t>
+            </a:r>
+            <a:r>
+              <a:rPr lang="en-US" altLang="ja-JP" sz="1700" dirty="0">
+                <a:solidFill>
+                  <a:srgbClr val="FF0000"/>
+                </a:solidFill>
+              </a:rPr>
+              <a:t>×△)</a:t>
+            </a:r>
+            <a:endParaRPr kumimoji="1" lang="en-US" altLang="ja-JP" sz="1700" dirty="0"/>
+          </a:p>
+          <a:p>
+            <a:r>
               <a:rPr kumimoji="1" lang="ja-JP" altLang="en-US" sz="1700" dirty="0"/>
               <a:t>・</a:t>
             </a:r>
@@ -10442,6 +11259,7 @@
               <a:rPr kumimoji="1" lang="ja-JP" altLang="en-US" sz="1700" dirty="0"/>
               <a:t>可否を連絡</a:t>
             </a:r>
+            <a:endParaRPr kumimoji="1" lang="en-US" altLang="ja-JP" sz="1700" dirty="0"/>
           </a:p>
         </p:txBody>
       </p:sp>
@@ -10507,7 +11325,7 @@
         </p:nvSpPr>
         <p:spPr>
           <a:xfrm>
-            <a:off x="86007" y="5110136"/>
+            <a:off x="575598" y="4918036"/>
             <a:ext cx="2454719" cy="585843"/>
           </a:xfrm>
           <a:prstGeom prst="rect">
@@ -10757,7 +11575,7 @@
         </p:blipFill>
         <p:spPr>
           <a:xfrm>
-            <a:off x="878632" y="5489483"/>
+            <a:off x="1345758" y="5361635"/>
             <a:ext cx="914400" cy="914400"/>
           </a:xfrm>
           <a:prstGeom prst="rect">
@@ -10779,7 +11597,7 @@
         </p:nvSpPr>
         <p:spPr>
           <a:xfrm>
-            <a:off x="7565420" y="5652799"/>
+            <a:off x="7565420" y="5387256"/>
             <a:ext cx="1554265" cy="321228"/>
           </a:xfrm>
           <a:prstGeom prst="rightArrow">
@@ -10825,7 +11643,7 @@
         </p:nvSpPr>
         <p:spPr>
           <a:xfrm rot="10800000">
-            <a:off x="7530026" y="5974027"/>
+            <a:off x="7530026" y="5708484"/>
             <a:ext cx="1554265" cy="321228"/>
           </a:xfrm>
           <a:prstGeom prst="rightArrow">
@@ -10885,7 +11703,7 @@
         </p:blipFill>
         <p:spPr>
           <a:xfrm>
-            <a:off x="9854451" y="5543798"/>
+            <a:off x="10343551" y="5458736"/>
             <a:ext cx="914400" cy="914400"/>
           </a:xfrm>
           <a:prstGeom prst="rect">
@@ -10909,7 +11727,7 @@
         </p:nvSpPr>
         <p:spPr>
           <a:xfrm>
-            <a:off x="9084291" y="4957955"/>
+            <a:off x="9573391" y="4872893"/>
             <a:ext cx="2454719" cy="585843"/>
           </a:xfrm>
           <a:prstGeom prst="rect">
@@ -11145,8 +11963,8 @@
         </p:nvSpPr>
         <p:spPr>
           <a:xfrm>
-            <a:off x="7425323" y="5189855"/>
-            <a:ext cx="2476805" cy="353943"/>
+            <a:off x="7311993" y="4752563"/>
+            <a:ext cx="2476805" cy="615553"/>
           </a:xfrm>
           <a:prstGeom prst="rect">
             <a:avLst/>
@@ -11172,9 +11990,76 @@
             </a:r>
             <a:r>
               <a:rPr lang="ja-JP" altLang="en-US" sz="1700" dirty="0"/>
+              <a:t>在庫</a:t>
+            </a:r>
+            <a:r>
+              <a:rPr lang="ja-JP" altLang="en-US" sz="1700" dirty="0">
+                <a:solidFill>
+                  <a:srgbClr val="FF0000"/>
+                </a:solidFill>
+              </a:rPr>
+              <a:t>数</a:t>
+            </a:r>
+            <a:r>
+              <a:rPr lang="ja-JP" altLang="en-US" sz="1700" dirty="0"/>
+              <a:t>表示</a:t>
+            </a:r>
+            <a:endParaRPr lang="en-US" altLang="ja-JP" sz="1700" dirty="0"/>
+          </a:p>
+          <a:p>
+            <a:r>
+              <a:rPr lang="ja-JP" altLang="en-US" sz="1700" dirty="0">
+                <a:solidFill>
+                  <a:srgbClr val="FF0000"/>
+                </a:solidFill>
+              </a:rPr>
+              <a:t>・</a:t>
+            </a:r>
+            <a:r>
+              <a:rPr lang="en-US" altLang="ja-JP" sz="1700" dirty="0">
+                <a:solidFill>
+                  <a:srgbClr val="FF0000"/>
+                </a:solidFill>
+              </a:rPr>
+              <a:t>EC</a:t>
+            </a:r>
+            <a:r>
+              <a:rPr lang="ja-JP" altLang="en-US" sz="1700" dirty="0">
+                <a:solidFill>
+                  <a:srgbClr val="FF0000"/>
+                </a:solidFill>
+              </a:rPr>
               <a:t>在庫表示</a:t>
             </a:r>
-            <a:endParaRPr kumimoji="1" lang="ja-JP" altLang="en-US" sz="1700" dirty="0"/>
+            <a:r>
+              <a:rPr lang="en-US" altLang="ja-JP" sz="1700" dirty="0">
+                <a:solidFill>
+                  <a:srgbClr val="FF0000"/>
+                </a:solidFill>
+              </a:rPr>
+              <a:t>(</a:t>
+            </a:r>
+            <a:r>
+              <a:rPr lang="ja-JP" altLang="en-US" sz="1700" dirty="0">
+                <a:solidFill>
+                  <a:srgbClr val="FF0000"/>
+                </a:solidFill>
+              </a:rPr>
+              <a:t>〇</a:t>
+            </a:r>
+            <a:r>
+              <a:rPr lang="en-US" altLang="ja-JP" sz="1700" dirty="0">
+                <a:solidFill>
+                  <a:srgbClr val="FF0000"/>
+                </a:solidFill>
+              </a:rPr>
+              <a:t>×△)</a:t>
+            </a:r>
+            <a:endParaRPr lang="ja-JP" altLang="en-US" sz="1700" dirty="0">
+              <a:solidFill>
+                <a:srgbClr val="FF0000"/>
+              </a:solidFill>
+            </a:endParaRPr>
           </a:p>
         </p:txBody>
       </p:sp>
@@ -11192,8 +12077,8 @@
         </p:nvSpPr>
         <p:spPr>
           <a:xfrm>
-            <a:off x="7425322" y="6347657"/>
-            <a:ext cx="2476805" cy="353943"/>
+            <a:off x="7425322" y="6082114"/>
+            <a:ext cx="2476805" cy="615553"/>
           </a:xfrm>
           <a:prstGeom prst="rect">
             <a:avLst/>
@@ -11221,7 +12106,17 @@
               <a:rPr lang="ja-JP" altLang="en-US" sz="1700" dirty="0"/>
               <a:t>在庫確認</a:t>
             </a:r>
-            <a:endParaRPr kumimoji="1" lang="ja-JP" altLang="en-US" sz="1700" dirty="0"/>
+            <a:endParaRPr lang="en-US" altLang="ja-JP" sz="1700" dirty="0"/>
+          </a:p>
+          <a:p>
+            <a:r>
+              <a:rPr lang="ja-JP" altLang="en-US" sz="1700" dirty="0">
+                <a:solidFill>
+                  <a:srgbClr val="FF0000"/>
+                </a:solidFill>
+              </a:rPr>
+              <a:t>・商品閲覧</a:t>
+            </a:r>
           </a:p>
         </p:txBody>
       </p:sp>
@@ -12802,7 +13697,7 @@
         </p:nvSpPr>
         <p:spPr>
           <a:xfrm>
-            <a:off x="3229344" y="3604874"/>
+            <a:off x="3009888" y="3434186"/>
             <a:ext cx="1981948" cy="615553"/>
           </a:xfrm>
           <a:prstGeom prst="rect">
@@ -12848,7 +13743,7 @@
         </p:nvSpPr>
         <p:spPr>
           <a:xfrm>
-            <a:off x="3396325" y="2981818"/>
+            <a:off x="3176869" y="2908666"/>
             <a:ext cx="1403927" cy="404410"/>
           </a:xfrm>
           <a:prstGeom prst="leftRightArrow">
@@ -14023,14 +14918,14 @@
           <p:nvPr>
             <p:extLst>
               <p:ext uri="{D42A27DB-BD31-4B8C-83A1-F6EECF244321}">
-                <p14:modId xmlns:p14="http://schemas.microsoft.com/office/powerpoint/2010/main" val="1301095054"/>
+                <p14:modId xmlns:p14="http://schemas.microsoft.com/office/powerpoint/2010/main" val="1139480734"/>
               </p:ext>
             </p:extLst>
           </p:nvPr>
         </p:nvGraphicFramePr>
         <p:xfrm>
           <a:off x="997527" y="1734820"/>
-          <a:ext cx="10815783" cy="3388360"/>
+          <a:ext cx="10815783" cy="4028440"/>
         </p:xfrm>
         <a:graphic>
           <a:graphicData uri="http://schemas.openxmlformats.org/drawingml/2006/table">
@@ -14410,7 +15305,7 @@
                 </a:extLst>
               </a:tr>
               <a:tr h="370840">
-                <a:tc rowSpan="2">
+                <a:tc rowSpan="3">
                   <a:txBody>
                     <a:bodyPr/>
                     <a:lstStyle/>
@@ -14802,6 +15697,218 @@
                 <a:extLst>
                   <a:ext uri="{0D108BD9-81ED-4DB2-BD59-A6C34878D82A}">
                     <a16:rowId xmlns:a16="http://schemas.microsoft.com/office/drawing/2014/main" val="1919158348"/>
+                  </a:ext>
+                </a:extLst>
+              </a:tr>
+              <a:tr h="370840">
+                <a:tc vMerge="1">
+                  <a:txBody>
+                    <a:bodyPr/>
+                    <a:lstStyle/>
+                    <a:p>
+                      <a:endParaRPr kumimoji="1" lang="ja-JP" altLang="en-US" b="1" dirty="0"/>
+                    </a:p>
+                  </a:txBody>
+                  <a:tcPr>
+                    <a:lnL w="12700" cap="flat" cmpd="sng" algn="ctr">
+                      <a:solidFill>
+                        <a:schemeClr val="tx1"/>
+                      </a:solidFill>
+                      <a:prstDash val="solid"/>
+                      <a:round/>
+                      <a:headEnd type="none" w="med" len="med"/>
+                      <a:tailEnd type="none" w="med" len="med"/>
+                    </a:lnL>
+                    <a:lnR w="12700" cap="flat" cmpd="sng" algn="ctr">
+                      <a:solidFill>
+                        <a:schemeClr val="tx1"/>
+                      </a:solidFill>
+                      <a:prstDash val="solid"/>
+                      <a:round/>
+                      <a:headEnd type="none" w="med" len="med"/>
+                      <a:tailEnd type="none" w="med" len="med"/>
+                    </a:lnR>
+                    <a:lnT w="12700" cap="flat" cmpd="sng" algn="ctr">
+                      <a:solidFill>
+                        <a:schemeClr val="tx1"/>
+                      </a:solidFill>
+                      <a:prstDash val="solid"/>
+                      <a:round/>
+                      <a:headEnd type="none" w="med" len="med"/>
+                      <a:tailEnd type="none" w="med" len="med"/>
+                    </a:lnT>
+                    <a:lnB w="12700" cap="flat" cmpd="sng" algn="ctr">
+                      <a:solidFill>
+                        <a:schemeClr val="tx1"/>
+                      </a:solidFill>
+                      <a:prstDash val="solid"/>
+                      <a:round/>
+                      <a:headEnd type="none" w="med" len="med"/>
+                      <a:tailEnd type="none" w="med" len="med"/>
+                    </a:lnB>
+                    <a:solidFill>
+                      <a:schemeClr val="bg1"/>
+                    </a:solidFill>
+                  </a:tcPr>
+                </a:tc>
+                <a:tc>
+                  <a:txBody>
+                    <a:bodyPr/>
+                    <a:lstStyle/>
+                    <a:p>
+                      <a:r>
+                        <a:rPr kumimoji="1" lang="ja-JP" altLang="en-US" dirty="0">
+                          <a:solidFill>
+                            <a:srgbClr val="FF0000"/>
+                          </a:solidFill>
+                        </a:rPr>
+                        <a:t>ハイパーユーザ</a:t>
+                      </a:r>
+                    </a:p>
+                  </a:txBody>
+                  <a:tcPr>
+                    <a:lnL w="12700" cap="flat" cmpd="sng" algn="ctr">
+                      <a:solidFill>
+                        <a:schemeClr val="tx1"/>
+                      </a:solidFill>
+                      <a:prstDash val="solid"/>
+                      <a:round/>
+                      <a:headEnd type="none" w="med" len="med"/>
+                      <a:tailEnd type="none" w="med" len="med"/>
+                    </a:lnL>
+                    <a:lnR w="12700" cap="flat" cmpd="sng" algn="ctr">
+                      <a:solidFill>
+                        <a:schemeClr val="tx1"/>
+                      </a:solidFill>
+                      <a:prstDash val="solid"/>
+                      <a:round/>
+                      <a:headEnd type="none" w="med" len="med"/>
+                      <a:tailEnd type="none" w="med" len="med"/>
+                    </a:lnR>
+                    <a:lnT w="12700" cap="flat" cmpd="sng" algn="ctr">
+                      <a:solidFill>
+                        <a:schemeClr val="tx1"/>
+                      </a:solidFill>
+                      <a:prstDash val="solid"/>
+                      <a:round/>
+                      <a:headEnd type="none" w="med" len="med"/>
+                      <a:tailEnd type="none" w="med" len="med"/>
+                    </a:lnT>
+                    <a:lnB w="12700" cap="flat" cmpd="sng" algn="ctr">
+                      <a:solidFill>
+                        <a:schemeClr val="tx1"/>
+                      </a:solidFill>
+                      <a:prstDash val="solid"/>
+                      <a:round/>
+                      <a:headEnd type="none" w="med" len="med"/>
+                      <a:tailEnd type="none" w="med" len="med"/>
+                    </a:lnB>
+                    <a:solidFill>
+                      <a:schemeClr val="bg1"/>
+                    </a:solidFill>
+                  </a:tcPr>
+                </a:tc>
+                <a:tc>
+                  <a:txBody>
+                    <a:bodyPr/>
+                    <a:lstStyle/>
+                    <a:p>
+                      <a:pPr marL="285750" indent="-285750">
+                        <a:buFont typeface="Arial" panose="020B0604020202020204" pitchFamily="34" charset="0"/>
+                        <a:buChar char="•"/>
+                      </a:pPr>
+                      <a:r>
+                        <a:rPr kumimoji="1" lang="ja-JP" altLang="en-US" dirty="0">
+                          <a:solidFill>
+                            <a:srgbClr val="FF0000"/>
+                          </a:solidFill>
+                        </a:rPr>
+                        <a:t>サイト管理者用のアカウント管理</a:t>
+                      </a:r>
+                      <a:r>
+                        <a:rPr kumimoji="1" lang="en-US" altLang="ja-JP" dirty="0">
+                          <a:solidFill>
+                            <a:srgbClr val="FF0000"/>
+                          </a:solidFill>
+                        </a:rPr>
+                        <a:t>(</a:t>
+                      </a:r>
+                      <a:r>
+                        <a:rPr kumimoji="1" lang="ja-JP" altLang="en-US" dirty="0">
+                          <a:solidFill>
+                            <a:srgbClr val="FF0000"/>
+                          </a:solidFill>
+                        </a:rPr>
+                        <a:t>追加・削除・権限付与</a:t>
+                      </a:r>
+                      <a:r>
+                        <a:rPr kumimoji="1" lang="en-US" altLang="ja-JP" dirty="0">
+                          <a:solidFill>
+                            <a:srgbClr val="FF0000"/>
+                          </a:solidFill>
+                        </a:rPr>
+                        <a:t>)</a:t>
+                      </a:r>
+                      <a:r>
+                        <a:rPr kumimoji="1" lang="ja-JP" altLang="en-US" dirty="0">
+                          <a:solidFill>
+                            <a:srgbClr val="FF0000"/>
+                          </a:solidFill>
+                        </a:rPr>
+                        <a:t>を担う</a:t>
+                      </a:r>
+                      <a:endParaRPr kumimoji="1" lang="en-US" altLang="ja-JP" dirty="0">
+                        <a:solidFill>
+                          <a:srgbClr val="FF0000"/>
+                        </a:solidFill>
+                      </a:endParaRPr>
+                    </a:p>
+                  </a:txBody>
+                  <a:tcPr>
+                    <a:lnL w="12700" cap="flat" cmpd="sng" algn="ctr">
+                      <a:solidFill>
+                        <a:schemeClr val="tx1"/>
+                      </a:solidFill>
+                      <a:prstDash val="solid"/>
+                      <a:round/>
+                      <a:headEnd type="none" w="med" len="med"/>
+                      <a:tailEnd type="none" w="med" len="med"/>
+                    </a:lnL>
+                    <a:lnR w="12700" cap="flat" cmpd="sng" algn="ctr">
+                      <a:solidFill>
+                        <a:schemeClr val="tx1"/>
+                      </a:solidFill>
+                      <a:prstDash val="solid"/>
+                      <a:round/>
+                      <a:headEnd type="none" w="med" len="med"/>
+                      <a:tailEnd type="none" w="med" len="med"/>
+                    </a:lnR>
+                    <a:lnT w="12700" cap="flat" cmpd="sng" algn="ctr">
+                      <a:solidFill>
+                        <a:schemeClr val="tx1"/>
+                      </a:solidFill>
+                      <a:prstDash val="solid"/>
+                      <a:round/>
+                      <a:headEnd type="none" w="med" len="med"/>
+                      <a:tailEnd type="none" w="med" len="med"/>
+                    </a:lnT>
+                    <a:lnB w="12700" cap="flat" cmpd="sng" algn="ctr">
+                      <a:solidFill>
+                        <a:schemeClr val="tx1"/>
+                      </a:solidFill>
+                      <a:prstDash val="solid"/>
+                      <a:round/>
+                      <a:headEnd type="none" w="med" len="med"/>
+                      <a:tailEnd type="none" w="med" len="med"/>
+                    </a:lnB>
+                    <a:solidFill>
+                      <a:schemeClr val="bg1"/>
+                    </a:solidFill>
+                  </a:tcPr>
+                </a:tc>
+                <a:extLst>
+                  <a:ext uri="{0D108BD9-81ED-4DB2-BD59-A6C34878D82A}">
+                    <a16:rowId xmlns:a16="http://schemas.microsoft.com/office/drawing/2014/main" val="2917848942"/>
                   </a:ext>
                 </a:extLst>
               </a:tr>

--- a/提案書/別紙1_サイト利用者の業務概要図.pptx
+++ b/提案書/別紙1_サイト利用者の業務概要図.pptx
@@ -5,7 +5,7 @@
     <p:sldMasterId id="2147483648" r:id="rId1"/>
   </p:sldMasterIdLst>
   <p:notesMasterIdLst>
-    <p:notesMasterId r:id="rId16"/>
+    <p:notesMasterId r:id="rId17"/>
   </p:notesMasterIdLst>
   <p:sldIdLst>
     <p:sldId id="258" r:id="rId2"/>
@@ -20,8 +20,9 @@
     <p:sldId id="262" r:id="rId11"/>
     <p:sldId id="263" r:id="rId12"/>
     <p:sldId id="264" r:id="rId13"/>
-    <p:sldId id="265" r:id="rId14"/>
-    <p:sldId id="267" r:id="rId15"/>
+    <p:sldId id="273" r:id="rId14"/>
+    <p:sldId id="265" r:id="rId15"/>
+    <p:sldId id="267" r:id="rId16"/>
   </p:sldIdLst>
   <p:sldSz cx="12192000" cy="6858000"/>
   <p:notesSz cx="6858000" cy="9144000"/>
@@ -210,7 +211,7 @@
           <a:p>
             <a:fld id="{B78A6BF9-15A3-449C-A41A-F00F283642E9}" type="datetimeFigureOut">
               <a:rPr kumimoji="1" lang="ja-JP" altLang="en-US" smtClean="0"/>
-              <a:t>2025/8/15</a:t>
+              <a:t>2025/8/21</a:t>
             </a:fld>
             <a:endParaRPr kumimoji="1" lang="ja-JP" altLang="en-US"/>
           </a:p>
@@ -768,6 +769,25 @@
               </a:rPr>
               <a:t>商品注文とキャンセルは別の業務フローとしていただけますでしょうか</a:t>
             </a:r>
+            <a:endParaRPr kumimoji="1" lang="en-US" altLang="ja-JP" dirty="0">
+              <a:solidFill>
+                <a:srgbClr val="0070C0"/>
+              </a:solidFill>
+            </a:endParaRPr>
+          </a:p>
+          <a:p>
+            <a:endParaRPr kumimoji="1" lang="en-US" altLang="ja-JP" dirty="0">
+              <a:solidFill>
+                <a:srgbClr val="0070C0"/>
+              </a:solidFill>
+            </a:endParaRPr>
+          </a:p>
+          <a:p>
+            <a:endParaRPr kumimoji="1" lang="ja-JP" altLang="en-US" dirty="0">
+              <a:solidFill>
+                <a:srgbClr val="0070C0"/>
+              </a:solidFill>
+            </a:endParaRPr>
           </a:p>
           <a:p>
             <a:pPr marL="0" lvl="0" indent="0" algn="l" rtl="0">
@@ -1384,7 +1404,7 @@
         <p:cNvPr id="1" name="Shape 56">
           <a:extLst>
             <a:ext uri="{FF2B5EF4-FFF2-40B4-BE49-F238E27FC236}">
-              <a16:creationId xmlns:a16="http://schemas.microsoft.com/office/drawing/2014/main" id="{B45F18BC-DAAF-3B33-21CB-BB79199D35A4}"/>
+              <a16:creationId xmlns:a16="http://schemas.microsoft.com/office/drawing/2014/main" id="{41CB2C2F-FC3A-B080-26FB-1F149E7FBB88}"/>
             </a:ext>
           </a:extLst>
         </p:cNvPr>
@@ -1404,7 +1424,7 @@
           <p:cNvPr id="57" name="Google Shape;57;g279e641c04c_0_13:notes">
             <a:extLst>
               <a:ext uri="{FF2B5EF4-FFF2-40B4-BE49-F238E27FC236}">
-                <a16:creationId xmlns:a16="http://schemas.microsoft.com/office/drawing/2014/main" id="{8327F05A-63A8-6FC6-CA6D-31A1FF3B222A}"/>
+                <a16:creationId xmlns:a16="http://schemas.microsoft.com/office/drawing/2014/main" id="{F2A08F40-14A1-0A68-04CA-3BB7BB04BC97}"/>
               </a:ext>
             </a:extLst>
           </p:cNvPr>
@@ -1451,6 +1471,427 @@
           <p:cNvPr id="58" name="Google Shape;58;g279e641c04c_0_13:notes">
             <a:extLst>
               <a:ext uri="{FF2B5EF4-FFF2-40B4-BE49-F238E27FC236}">
+                <a16:creationId xmlns:a16="http://schemas.microsoft.com/office/drawing/2014/main" id="{438BCD10-E023-7322-95FA-2D8220E27232}"/>
+              </a:ext>
+            </a:extLst>
+          </p:cNvPr>
+          <p:cNvSpPr txBox="1">
+            <a:spLocks noGrp="1"/>
+          </p:cNvSpPr>
+          <p:nvPr>
+            <p:ph type="body" idx="1"/>
+          </p:nvPr>
+        </p:nvSpPr>
+        <p:spPr>
+          <a:xfrm>
+            <a:off x="685800" y="4343400"/>
+            <a:ext cx="5486400" cy="4114800"/>
+          </a:xfrm>
+          <a:prstGeom prst="rect">
+            <a:avLst/>
+          </a:prstGeom>
+        </p:spPr>
+        <p:txBody>
+          <a:bodyPr spcFirstLastPara="1" wrap="square" lIns="91425" tIns="91425" rIns="91425" bIns="91425" anchor="t" anchorCtr="0">
+            <a:noAutofit/>
+          </a:bodyPr>
+          <a:lstStyle/>
+          <a:p>
+            <a:pPr marL="0" lvl="0" indent="0" algn="l" rtl="0">
+              <a:spcBef>
+                <a:spcPts val="0"/>
+              </a:spcBef>
+              <a:spcAft>
+                <a:spcPts val="0"/>
+              </a:spcAft>
+              <a:buNone/>
+            </a:pPr>
+            <a:r>
+              <a:rPr lang="en-US" altLang="ja-JP" dirty="0"/>
+              <a:t>EC</a:t>
+            </a:r>
+            <a:r>
+              <a:rPr lang="ja-JP" altLang="en-US" dirty="0"/>
+              <a:t>画面上には日次連携された在庫数を表示　朝</a:t>
+            </a:r>
+            <a:r>
+              <a:rPr lang="en-US" altLang="ja-JP" dirty="0"/>
+              <a:t>8</a:t>
+            </a:r>
+            <a:r>
+              <a:rPr lang="ja-JP" altLang="en-US" dirty="0"/>
+              <a:t>時に連携されたものを夕方に表示しても朝の状況が表示される</a:t>
+            </a:r>
+            <a:endParaRPr lang="en-US" altLang="ja-JP" dirty="0"/>
+          </a:p>
+          <a:p>
+            <a:pPr marL="0" lvl="0" indent="0" algn="l" rtl="0">
+              <a:spcBef>
+                <a:spcPts val="0"/>
+              </a:spcBef>
+              <a:spcAft>
+                <a:spcPts val="0"/>
+              </a:spcAft>
+              <a:buNone/>
+            </a:pPr>
+            <a:r>
+              <a:rPr lang="ja-JP" altLang="en-US" dirty="0"/>
+              <a:t>注文確定前に在庫がないとクレームになる</a:t>
+            </a:r>
+            <a:endParaRPr lang="en-US" altLang="ja-JP" dirty="0"/>
+          </a:p>
+          <a:p>
+            <a:pPr marL="0" lvl="0" indent="0" algn="l" rtl="0">
+              <a:spcBef>
+                <a:spcPts val="0"/>
+              </a:spcBef>
+              <a:spcAft>
+                <a:spcPts val="0"/>
+              </a:spcAft>
+              <a:buNone/>
+            </a:pPr>
+            <a:r>
+              <a:rPr lang="ja-JP" altLang="en-US" dirty="0"/>
+              <a:t>注文確定前に在庫数確認</a:t>
+            </a:r>
+            <a:r>
+              <a:rPr lang="en-US" altLang="ja-JP" dirty="0"/>
+              <a:t>API</a:t>
+            </a:r>
+            <a:r>
+              <a:rPr lang="ja-JP" altLang="en-US" dirty="0"/>
+              <a:t>でチェックし、あれば注文できる　なければ注文できない</a:t>
+            </a:r>
+            <a:endParaRPr lang="en-US" altLang="ja-JP" dirty="0"/>
+          </a:p>
+          <a:p>
+            <a:pPr marL="0" lvl="0" indent="0" algn="l" rtl="0">
+              <a:spcBef>
+                <a:spcPts val="0"/>
+              </a:spcBef>
+              <a:spcAft>
+                <a:spcPts val="0"/>
+              </a:spcAft>
+              <a:buNone/>
+            </a:pPr>
+            <a:r>
+              <a:rPr lang="ja-JP" altLang="en-US" dirty="0"/>
+              <a:t>カスタマーサービス部メンバーの在庫確認も可能　商品単位で確認もできる。バッチを使用して全体的な在庫数も確認できる</a:t>
+            </a:r>
+            <a:endParaRPr lang="en-US" altLang="ja-JP" dirty="0"/>
+          </a:p>
+          <a:p>
+            <a:pPr marL="0" lvl="0" indent="0" algn="l" rtl="0">
+              <a:spcBef>
+                <a:spcPts val="0"/>
+              </a:spcBef>
+              <a:spcAft>
+                <a:spcPts val="0"/>
+              </a:spcAft>
+              <a:buNone/>
+            </a:pPr>
+            <a:r>
+              <a:rPr lang="ja-JP" altLang="en-US" dirty="0"/>
+              <a:t>販売管理システムのバッチは日次での運用になる</a:t>
+            </a:r>
+            <a:endParaRPr lang="en-US" altLang="ja-JP" dirty="0"/>
+          </a:p>
+          <a:p>
+            <a:pPr marL="0" lvl="0" indent="0" algn="l" rtl="0">
+              <a:spcBef>
+                <a:spcPts val="0"/>
+              </a:spcBef>
+              <a:spcAft>
+                <a:spcPts val="0"/>
+              </a:spcAft>
+              <a:buNone/>
+            </a:pPr>
+            <a:endParaRPr lang="en-US" dirty="0"/>
+          </a:p>
+          <a:p>
+            <a:pPr marL="0" lvl="0" indent="0" algn="l" rtl="0">
+              <a:spcBef>
+                <a:spcPts val="0"/>
+              </a:spcBef>
+              <a:spcAft>
+                <a:spcPts val="0"/>
+              </a:spcAft>
+              <a:buNone/>
+            </a:pPr>
+            <a:r>
+              <a:rPr lang="en-US" dirty="0"/>
+              <a:t>8/15</a:t>
+            </a:r>
+            <a:r>
+              <a:rPr lang="ja-JP" altLang="en-US" dirty="0"/>
+              <a:t>安藤さんコメント：</a:t>
+            </a:r>
+            <a:endParaRPr lang="en-US" altLang="ja-JP" dirty="0"/>
+          </a:p>
+          <a:p>
+            <a:r>
+              <a:rPr kumimoji="1" lang="en-US" altLang="ja-JP" sz="1200" dirty="0">
+                <a:solidFill>
+                  <a:srgbClr val="0070C0"/>
+                </a:solidFill>
+              </a:rPr>
+              <a:t>P.7</a:t>
+            </a:r>
+            <a:r>
+              <a:rPr kumimoji="1" lang="ja-JP" altLang="en-US" sz="1200" dirty="0">
+                <a:solidFill>
+                  <a:srgbClr val="0070C0"/>
+                </a:solidFill>
+              </a:rPr>
+              <a:t>で記載の通り、商品情報登録時、商品情報中の在庫情報は、基盤システムを参照して確認できますが、</a:t>
+            </a:r>
+            <a:endParaRPr kumimoji="1" lang="en-US" altLang="ja-JP" sz="1200" dirty="0">
+              <a:solidFill>
+                <a:srgbClr val="0070C0"/>
+              </a:solidFill>
+            </a:endParaRPr>
+          </a:p>
+          <a:p>
+            <a:r>
+              <a:rPr lang="ja-JP" altLang="en-US" sz="1200" dirty="0">
+                <a:solidFill>
+                  <a:srgbClr val="0070C0"/>
+                </a:solidFill>
+              </a:rPr>
+              <a:t>販売管理システムより日次連携される</a:t>
+            </a:r>
+            <a:r>
+              <a:rPr lang="en-US" altLang="ja-JP" sz="1200" dirty="0">
+                <a:solidFill>
+                  <a:srgbClr val="0070C0"/>
+                </a:solidFill>
+              </a:rPr>
+              <a:t>EC</a:t>
+            </a:r>
+            <a:r>
+              <a:rPr lang="ja-JP" altLang="en-US" sz="1200" dirty="0">
+                <a:solidFill>
+                  <a:srgbClr val="0070C0"/>
+                </a:solidFill>
+              </a:rPr>
+              <a:t>在庫情報の方が精度がよく最新で、</a:t>
+            </a:r>
+            <a:endParaRPr lang="en-US" altLang="ja-JP" sz="1200" dirty="0">
+              <a:solidFill>
+                <a:srgbClr val="0070C0"/>
+              </a:solidFill>
+            </a:endParaRPr>
+          </a:p>
+          <a:p>
+            <a:r>
+              <a:rPr lang="ja-JP" altLang="en-US" sz="1200" dirty="0">
+                <a:solidFill>
+                  <a:srgbClr val="0070C0"/>
+                </a:solidFill>
+              </a:rPr>
+              <a:t>顧客が</a:t>
+            </a:r>
+            <a:r>
+              <a:rPr lang="en-US" altLang="ja-JP" sz="1200" dirty="0">
+                <a:solidFill>
+                  <a:srgbClr val="0070C0"/>
+                </a:solidFill>
+              </a:rPr>
+              <a:t>(</a:t>
+            </a:r>
+            <a:r>
+              <a:rPr lang="ja-JP" altLang="en-US" sz="1200" dirty="0">
+                <a:solidFill>
+                  <a:srgbClr val="0070C0"/>
+                </a:solidFill>
+              </a:rPr>
+              <a:t>注文確定時ではなく</a:t>
+            </a:r>
+            <a:r>
+              <a:rPr lang="en-US" altLang="ja-JP" sz="1200" dirty="0">
+                <a:solidFill>
+                  <a:srgbClr val="0070C0"/>
+                </a:solidFill>
+              </a:rPr>
+              <a:t>)</a:t>
+            </a:r>
+            <a:r>
+              <a:rPr lang="ja-JP" altLang="en-US" sz="1200" dirty="0">
+                <a:solidFill>
+                  <a:srgbClr val="0070C0"/>
+                </a:solidFill>
+              </a:rPr>
+              <a:t>商品閲覧時に、〇</a:t>
+            </a:r>
+            <a:r>
+              <a:rPr lang="en-US" altLang="ja-JP" sz="1200" dirty="0">
+                <a:solidFill>
+                  <a:srgbClr val="0070C0"/>
+                </a:solidFill>
+              </a:rPr>
+              <a:t>×△</a:t>
+            </a:r>
+            <a:r>
+              <a:rPr lang="ja-JP" altLang="en-US" sz="1200" dirty="0">
+                <a:solidFill>
+                  <a:srgbClr val="0070C0"/>
+                </a:solidFill>
+              </a:rPr>
+              <a:t>で表示される元となる在庫情報です。</a:t>
+            </a:r>
+            <a:endParaRPr lang="en-US" altLang="ja-JP" sz="1200" dirty="0">
+              <a:solidFill>
+                <a:srgbClr val="0070C0"/>
+              </a:solidFill>
+            </a:endParaRPr>
+          </a:p>
+          <a:p>
+            <a:endParaRPr lang="en-US" altLang="ja-JP" sz="1200" dirty="0">
+              <a:solidFill>
+                <a:srgbClr val="0070C0"/>
+              </a:solidFill>
+            </a:endParaRPr>
+          </a:p>
+          <a:p>
+            <a:r>
+              <a:rPr kumimoji="1" lang="ja-JP" altLang="en-US" sz="1200" dirty="0">
+                <a:solidFill>
+                  <a:srgbClr val="0070C0"/>
+                </a:solidFill>
+              </a:rPr>
+              <a:t>在庫取得のバッチと</a:t>
+            </a:r>
+            <a:r>
+              <a:rPr kumimoji="1" lang="en-US" altLang="ja-JP" sz="1200" dirty="0">
+                <a:solidFill>
+                  <a:srgbClr val="0070C0"/>
+                </a:solidFill>
+              </a:rPr>
+              <a:t>API</a:t>
+            </a:r>
+            <a:r>
+              <a:rPr kumimoji="1" lang="ja-JP" altLang="en-US" sz="1200" dirty="0">
+                <a:solidFill>
+                  <a:srgbClr val="0070C0"/>
+                </a:solidFill>
+              </a:rPr>
+              <a:t>が混じってわかりづらくなっているので、分けていただけますでしょうか。</a:t>
+            </a:r>
+            <a:endParaRPr lang="en-US" altLang="ja-JP" sz="1200" dirty="0">
+              <a:solidFill>
+                <a:srgbClr val="0070C0"/>
+              </a:solidFill>
+            </a:endParaRPr>
+          </a:p>
+          <a:p>
+            <a:endParaRPr lang="en-US" altLang="ja-JP" sz="1200" dirty="0">
+              <a:solidFill>
+                <a:srgbClr val="0070C0"/>
+              </a:solidFill>
+            </a:endParaRPr>
+          </a:p>
+          <a:p>
+            <a:pPr marL="0" lvl="0" indent="0" algn="l" rtl="0">
+              <a:spcBef>
+                <a:spcPts val="0"/>
+              </a:spcBef>
+              <a:spcAft>
+                <a:spcPts val="0"/>
+              </a:spcAft>
+              <a:buNone/>
+            </a:pPr>
+            <a:endParaRPr dirty="0"/>
+          </a:p>
+        </p:txBody>
+      </p:sp>
+    </p:spTree>
+    <p:extLst>
+      <p:ext uri="{BB962C8B-B14F-4D97-AF65-F5344CB8AC3E}">
+        <p14:creationId xmlns:p14="http://schemas.microsoft.com/office/powerpoint/2010/main" val="594023427"/>
+      </p:ext>
+    </p:extLst>
+  </p:cSld>
+  <p:clrMapOvr>
+    <a:masterClrMapping/>
+  </p:clrMapOvr>
+</p:notes>
+</file>
+
+<file path=ppt/notesSlides/notesSlide14.xml><?xml version="1.0" encoding="utf-8"?>
+<p:notes xmlns:a="http://schemas.openxmlformats.org/drawingml/2006/main" xmlns:r="http://schemas.openxmlformats.org/officeDocument/2006/relationships" xmlns:p="http://schemas.openxmlformats.org/presentationml/2006/main" showMasterSp="0" showMasterPhAnim="0">
+  <p:cSld>
+    <p:spTree>
+      <p:nvGrpSpPr>
+        <p:cNvPr id="1" name="Shape 56">
+          <a:extLst>
+            <a:ext uri="{FF2B5EF4-FFF2-40B4-BE49-F238E27FC236}">
+              <a16:creationId xmlns:a16="http://schemas.microsoft.com/office/drawing/2014/main" id="{B45F18BC-DAAF-3B33-21CB-BB79199D35A4}"/>
+            </a:ext>
+          </a:extLst>
+        </p:cNvPr>
+        <p:cNvGrpSpPr/>
+        <p:nvPr/>
+      </p:nvGrpSpPr>
+      <p:grpSpPr>
+        <a:xfrm>
+          <a:off x="0" y="0"/>
+          <a:ext cx="0" cy="0"/>
+          <a:chOff x="0" y="0"/>
+          <a:chExt cx="0" cy="0"/>
+        </a:xfrm>
+      </p:grpSpPr>
+      <p:sp>
+        <p:nvSpPr>
+          <p:cNvPr id="57" name="Google Shape;57;g279e641c04c_0_13:notes">
+            <a:extLst>
+              <a:ext uri="{FF2B5EF4-FFF2-40B4-BE49-F238E27FC236}">
+                <a16:creationId xmlns:a16="http://schemas.microsoft.com/office/drawing/2014/main" id="{8327F05A-63A8-6FC6-CA6D-31A1FF3B222A}"/>
+              </a:ext>
+            </a:extLst>
+          </p:cNvPr>
+          <p:cNvSpPr>
+            <a:spLocks noGrp="1" noRot="1" noChangeAspect="1"/>
+          </p:cNvSpPr>
+          <p:nvPr>
+            <p:ph type="sldImg" idx="2"/>
+          </p:nvPr>
+        </p:nvSpPr>
+        <p:spPr>
+          <a:xfrm>
+            <a:off x="381000" y="685800"/>
+            <a:ext cx="6096000" cy="3429000"/>
+          </a:xfrm>
+          <a:custGeom>
+            <a:avLst/>
+            <a:gdLst/>
+            <a:ahLst/>
+            <a:cxnLst/>
+            <a:rect l="l" t="t" r="r" b="b"/>
+            <a:pathLst>
+              <a:path w="120000" h="120000" extrusionOk="0">
+                <a:moveTo>
+                  <a:pt x="0" y="0"/>
+                </a:moveTo>
+                <a:lnTo>
+                  <a:pt x="120000" y="0"/>
+                </a:lnTo>
+                <a:lnTo>
+                  <a:pt x="120000" y="120000"/>
+                </a:lnTo>
+                <a:lnTo>
+                  <a:pt x="0" y="120000"/>
+                </a:lnTo>
+                <a:close/>
+              </a:path>
+            </a:pathLst>
+          </a:custGeom>
+        </p:spPr>
+      </p:sp>
+      <p:sp>
+        <p:nvSpPr>
+          <p:cNvPr id="58" name="Google Shape;58;g279e641c04c_0_13:notes">
+            <a:extLst>
+              <a:ext uri="{FF2B5EF4-FFF2-40B4-BE49-F238E27FC236}">
                 <a16:creationId xmlns:a16="http://schemas.microsoft.com/office/drawing/2014/main" id="{176C257C-6CE8-508D-2A05-52086522C6A9}"/>
               </a:ext>
             </a:extLst>
@@ -1503,7 +1944,7 @@
 </p:notes>
 </file>
 
-<file path=ppt/notesSlides/notesSlide14.xml><?xml version="1.0" encoding="utf-8"?>
+<file path=ppt/notesSlides/notesSlide15.xml><?xml version="1.0" encoding="utf-8"?>
 <p:notes xmlns:a="http://schemas.openxmlformats.org/drawingml/2006/main" xmlns:r="http://schemas.openxmlformats.org/officeDocument/2006/relationships" xmlns:p="http://schemas.openxmlformats.org/presentationml/2006/main" showMasterSp="0" showMasterPhAnim="0">
   <p:cSld>
     <p:spTree>
@@ -2858,7 +3299,7 @@
           <a:p>
             <a:fld id="{DB3CAC94-1EB8-4832-9DAA-FF99BFEB6A5A}" type="datetime1">
               <a:rPr kumimoji="1" lang="ja-JP" altLang="en-US" smtClean="0"/>
-              <a:t>2025/8/15</a:t>
+              <a:t>2025/8/21</a:t>
             </a:fld>
             <a:endParaRPr kumimoji="1" lang="ja-JP" altLang="en-US"/>
           </a:p>
@@ -3088,7 +3529,7 @@
           <a:p>
             <a:fld id="{A292A096-2BC8-45B1-97DF-4946EA87EC7E}" type="datetime1">
               <a:rPr kumimoji="1" lang="ja-JP" altLang="en-US" smtClean="0"/>
-              <a:t>2025/8/15</a:t>
+              <a:t>2025/8/21</a:t>
             </a:fld>
             <a:endParaRPr kumimoji="1" lang="ja-JP" altLang="en-US"/>
           </a:p>
@@ -3328,7 +3769,7 @@
           <a:p>
             <a:fld id="{07359060-838C-4FF8-91C9-179C2A9F4660}" type="datetime1">
               <a:rPr kumimoji="1" lang="ja-JP" altLang="en-US" smtClean="0"/>
-              <a:t>2025/8/15</a:t>
+              <a:t>2025/8/21</a:t>
             </a:fld>
             <a:endParaRPr kumimoji="1" lang="ja-JP" altLang="en-US"/>
           </a:p>
@@ -3917,7 +4358,7 @@
           <a:p>
             <a:fld id="{7074688A-D71F-444A-B206-3891B1749085}" type="datetime1">
               <a:rPr kumimoji="1" lang="ja-JP" altLang="en-US" smtClean="0"/>
-              <a:t>2025/8/15</a:t>
+              <a:t>2025/8/21</a:t>
             </a:fld>
             <a:endParaRPr kumimoji="1" lang="ja-JP" altLang="en-US"/>
           </a:p>
@@ -4192,7 +4633,7 @@
           <a:p>
             <a:fld id="{B87A608D-9524-4860-83E7-B7A5A5C0851A}" type="datetime1">
               <a:rPr kumimoji="1" lang="ja-JP" altLang="en-US" smtClean="0"/>
-              <a:t>2025/8/15</a:t>
+              <a:t>2025/8/21</a:t>
             </a:fld>
             <a:endParaRPr kumimoji="1" lang="ja-JP" altLang="en-US"/>
           </a:p>
@@ -4521,7 +4962,7 @@
           <a:p>
             <a:fld id="{3F77DCAA-3795-4533-9668-1BAD648B4EE0}" type="datetime1">
               <a:rPr kumimoji="1" lang="ja-JP" altLang="en-US" smtClean="0"/>
-              <a:t>2025/8/15</a:t>
+              <a:t>2025/8/21</a:t>
             </a:fld>
             <a:endParaRPr kumimoji="1" lang="ja-JP" altLang="en-US"/>
           </a:p>
@@ -4997,7 +5438,7 @@
           <a:p>
             <a:fld id="{FD25E9F3-D79C-4567-9340-37ABF4CEE46E}" type="datetime1">
               <a:rPr kumimoji="1" lang="ja-JP" altLang="en-US" smtClean="0"/>
-              <a:t>2025/8/15</a:t>
+              <a:t>2025/8/21</a:t>
             </a:fld>
             <a:endParaRPr kumimoji="1" lang="ja-JP" altLang="en-US"/>
           </a:p>
@@ -5138,7 +5579,7 @@
           <a:p>
             <a:fld id="{A8580C29-5371-40B3-8CA9-9F8C8590908C}" type="datetime1">
               <a:rPr kumimoji="1" lang="ja-JP" altLang="en-US" smtClean="0"/>
-              <a:t>2025/8/15</a:t>
+              <a:t>2025/8/21</a:t>
             </a:fld>
             <a:endParaRPr kumimoji="1" lang="ja-JP" altLang="en-US"/>
           </a:p>
@@ -5251,7 +5692,7 @@
           <a:p>
             <a:fld id="{9FCF4369-F6CF-4224-B0D3-0294AC4509D3}" type="datetime1">
               <a:rPr kumimoji="1" lang="ja-JP" altLang="en-US" smtClean="0"/>
-              <a:t>2025/8/15</a:t>
+              <a:t>2025/8/21</a:t>
             </a:fld>
             <a:endParaRPr kumimoji="1" lang="ja-JP" altLang="en-US"/>
           </a:p>
@@ -5594,7 +6035,7 @@
           <a:p>
             <a:fld id="{9300ACCC-9F6F-4046-907E-9F3C240EF2C7}" type="datetime1">
               <a:rPr kumimoji="1" lang="ja-JP" altLang="en-US" smtClean="0"/>
-              <a:t>2025/8/15</a:t>
+              <a:t>2025/8/21</a:t>
             </a:fld>
             <a:endParaRPr kumimoji="1" lang="ja-JP" altLang="en-US"/>
           </a:p>
@@ -5882,7 +6323,7 @@
           <a:p>
             <a:fld id="{B32287E4-D116-4AEF-95E3-62709895B2C5}" type="datetime1">
               <a:rPr kumimoji="1" lang="ja-JP" altLang="en-US" smtClean="0"/>
-              <a:t>2025/8/15</a:t>
+              <a:t>2025/8/21</a:t>
             </a:fld>
             <a:endParaRPr kumimoji="1" lang="ja-JP" altLang="en-US"/>
           </a:p>
@@ -6155,7 +6596,7 @@
           <a:p>
             <a:fld id="{6C422995-662A-44F6-8C1F-8544F236AEC9}" type="datetime1">
               <a:rPr kumimoji="1" lang="ja-JP" altLang="en-US" smtClean="0"/>
-              <a:t>2025/8/15</a:t>
+              <a:t>2025/8/21</a:t>
             </a:fld>
             <a:endParaRPr kumimoji="1" lang="ja-JP" altLang="en-US"/>
           </a:p>
@@ -7232,11 +7673,7 @@
           </a:p>
           <a:p>
             <a:r>
-              <a:rPr kumimoji="1" lang="ja-JP" altLang="en-US" sz="1700" dirty="0">
-                <a:solidFill>
-                  <a:srgbClr val="FF0000"/>
-                </a:solidFill>
-              </a:rPr>
+              <a:rPr kumimoji="1" lang="ja-JP" altLang="en-US" sz="1700" dirty="0"/>
               <a:t>・受注情報を確認</a:t>
             </a:r>
           </a:p>
@@ -8255,11 +8692,7 @@
               <a:buNone/>
             </a:pPr>
             <a:r>
-              <a:rPr lang="ja-JP" altLang="en-US" sz="1700" dirty="0">
-                <a:solidFill>
-                  <a:srgbClr val="FF0000"/>
-                </a:solidFill>
-              </a:rPr>
+              <a:rPr lang="ja-JP" altLang="en-US" sz="1700" dirty="0"/>
               <a:t>商品注文ユーザー</a:t>
             </a:r>
           </a:p>
@@ -8361,8 +8794,8 @@
         </p:nvSpPr>
         <p:spPr>
           <a:xfrm>
-            <a:off x="9368485" y="5024067"/>
-            <a:ext cx="1726991" cy="353943"/>
+            <a:off x="9281101" y="4791967"/>
+            <a:ext cx="1726991" cy="615553"/>
           </a:xfrm>
           <a:prstGeom prst="rect">
             <a:avLst/>
@@ -8379,18 +8812,17 @@
           <a:lstStyle/>
           <a:p>
             <a:r>
-              <a:rPr lang="ja-JP" altLang="en-US" sz="1700" dirty="0">
-                <a:solidFill>
-                  <a:srgbClr val="FF0000"/>
-                </a:solidFill>
-              </a:rPr>
-              <a:t>商品を注文</a:t>
-            </a:r>
-            <a:endParaRPr lang="en-US" altLang="ja-JP" sz="1700" dirty="0">
-              <a:solidFill>
-                <a:srgbClr val="FF0000"/>
-              </a:solidFill>
-            </a:endParaRPr>
+              <a:rPr lang="ja-JP" altLang="en-US" sz="1700" dirty="0"/>
+              <a:t>・商品を注文</a:t>
+            </a:r>
+            <a:endParaRPr lang="en-US" altLang="ja-JP" sz="1700" dirty="0"/>
+          </a:p>
+          <a:p>
+            <a:r>
+              <a:rPr lang="ja-JP" altLang="en-US" sz="1700" dirty="0"/>
+              <a:t>・キャンセル</a:t>
+            </a:r>
+            <a:endParaRPr lang="en-US" altLang="ja-JP" sz="1700" dirty="0"/>
           </a:p>
         </p:txBody>
       </p:sp>
@@ -8462,18 +8894,10 @@
           <a:lstStyle/>
           <a:p>
             <a:r>
-              <a:rPr lang="ja-JP" altLang="en-US" sz="3200" dirty="0">
-                <a:solidFill>
-                  <a:srgbClr val="FF0000"/>
-                </a:solidFill>
-              </a:rPr>
+              <a:rPr lang="ja-JP" altLang="en-US" sz="3200" dirty="0"/>
               <a:t>受取管理</a:t>
             </a:r>
-            <a:endParaRPr sz="3200" dirty="0">
-              <a:solidFill>
-                <a:srgbClr val="FF0000"/>
-              </a:solidFill>
-            </a:endParaRPr>
+            <a:endParaRPr sz="3200" dirty="0"/>
           </a:p>
         </p:txBody>
       </p:sp>
@@ -8802,18 +9226,10 @@
           </a:p>
           <a:p>
             <a:r>
-              <a:rPr lang="ja-JP" altLang="en-US" sz="1700" dirty="0">
-                <a:solidFill>
-                  <a:srgbClr val="FF0000"/>
-                </a:solidFill>
-              </a:rPr>
+              <a:rPr lang="ja-JP" altLang="en-US" sz="1700" dirty="0"/>
               <a:t>管理者は管理画面から顧客の商品受け取り状況を確認できる</a:t>
             </a:r>
-            <a:endParaRPr lang="en-US" altLang="ja-JP" sz="1700" dirty="0">
-              <a:solidFill>
-                <a:srgbClr val="FF0000"/>
-              </a:solidFill>
-            </a:endParaRPr>
+            <a:endParaRPr lang="en-US" altLang="ja-JP" sz="1700" dirty="0"/>
           </a:p>
         </p:txBody>
       </p:sp>
@@ -9921,11 +10337,7 @@
               <a:buNone/>
             </a:pPr>
             <a:r>
-              <a:rPr lang="ja-JP" altLang="en-US" sz="1700" dirty="0">
-                <a:solidFill>
-                  <a:srgbClr val="FF0000"/>
-                </a:solidFill>
-              </a:rPr>
+              <a:rPr lang="ja-JP" altLang="en-US" sz="1700" dirty="0"/>
               <a:t>カスタマーサービス部メンバー</a:t>
             </a:r>
           </a:p>
@@ -9963,42 +10375,22 @@
           <a:lstStyle/>
           <a:p>
             <a:r>
-              <a:rPr lang="ja-JP" altLang="en-US" sz="1700" dirty="0">
-                <a:solidFill>
-                  <a:srgbClr val="FF0000"/>
-                </a:solidFill>
-              </a:rPr>
+              <a:rPr lang="ja-JP" altLang="en-US" sz="1700" dirty="0"/>
               <a:t>・受取状況確認</a:t>
             </a:r>
             <a:r>
-              <a:rPr lang="en-US" altLang="ja-JP" sz="1700" dirty="0">
-                <a:solidFill>
-                  <a:srgbClr val="FF0000"/>
-                </a:solidFill>
-              </a:rPr>
+              <a:rPr lang="en-US" altLang="ja-JP" sz="1700" dirty="0"/>
               <a:t>(</a:t>
             </a:r>
             <a:r>
-              <a:rPr lang="ja-JP" altLang="en-US" sz="1700" dirty="0">
-                <a:solidFill>
-                  <a:srgbClr val="FF0000"/>
-                </a:solidFill>
-              </a:rPr>
+              <a:rPr lang="ja-JP" altLang="en-US" sz="1700" dirty="0"/>
               <a:t>管理画面</a:t>
             </a:r>
             <a:r>
-              <a:rPr lang="en-US" altLang="ja-JP" sz="1700" dirty="0">
-                <a:solidFill>
-                  <a:srgbClr val="FF0000"/>
-                </a:solidFill>
-              </a:rPr>
+              <a:rPr lang="en-US" altLang="ja-JP" sz="1700" dirty="0"/>
               <a:t>)</a:t>
             </a:r>
-            <a:endParaRPr kumimoji="1" lang="en-US" altLang="ja-JP" sz="1700" dirty="0">
-              <a:solidFill>
-                <a:srgbClr val="FF0000"/>
-              </a:solidFill>
-            </a:endParaRPr>
+            <a:endParaRPr kumimoji="1" lang="en-US" altLang="ja-JP" sz="1700" dirty="0"/>
           </a:p>
         </p:txBody>
       </p:sp>
@@ -10126,11 +10518,7 @@
           <a:lstStyle/>
           <a:p>
             <a:r>
-              <a:rPr kumimoji="1" lang="ja-JP" altLang="en-US" sz="1700" dirty="0">
-                <a:solidFill>
-                  <a:srgbClr val="FF0000"/>
-                </a:solidFill>
-              </a:rPr>
+              <a:rPr kumimoji="1" lang="ja-JP" altLang="en-US" sz="1700" dirty="0"/>
               <a:t>・受取状況表示</a:t>
             </a:r>
           </a:p>
@@ -10235,7 +10623,27 @@
           <a:p>
             <a:r>
               <a:rPr lang="ja-JP" altLang="en-US" sz="3200" dirty="0"/>
-              <a:t>在庫管理</a:t>
+              <a:t>在庫管理　</a:t>
+            </a:r>
+            <a:r>
+              <a:rPr lang="en-US" altLang="ja-JP" sz="3200" dirty="0"/>
+              <a:t> EC</a:t>
+            </a:r>
+            <a:r>
+              <a:rPr lang="ja-JP" altLang="en-US" sz="3200" dirty="0"/>
+              <a:t>在庫情報連携</a:t>
+            </a:r>
+            <a:r>
+              <a:rPr lang="en-US" altLang="ja-JP" sz="3200" dirty="0"/>
+              <a:t>(</a:t>
+            </a:r>
+            <a:r>
+              <a:rPr lang="ja-JP" altLang="en-US" sz="3200" dirty="0"/>
+              <a:t>バッチ</a:t>
+            </a:r>
+            <a:r>
+              <a:rPr lang="en-US" altLang="ja-JP" sz="3200" dirty="0"/>
+              <a:t>)</a:t>
             </a:r>
             <a:endParaRPr sz="3200" dirty="0"/>
           </a:p>
@@ -10535,7 +10943,7 @@
         <p:spPr>
           <a:xfrm>
             <a:off x="203165" y="843491"/>
-            <a:ext cx="10994325" cy="1138773"/>
+            <a:ext cx="10994325" cy="615553"/>
           </a:xfrm>
           <a:prstGeom prst="rect">
             <a:avLst/>
@@ -10553,7 +10961,7 @@
           <a:p>
             <a:r>
               <a:rPr lang="ja-JP" altLang="en-US" sz="1700" dirty="0"/>
-              <a:t>注文の確定前に</a:t>
+              <a:t>販売管理システムでは、商品の</a:t>
             </a:r>
             <a:r>
               <a:rPr lang="en-US" altLang="ja-JP" sz="1700" dirty="0"/>
@@ -10561,114 +10969,40 @@
             </a:r>
             <a:r>
               <a:rPr lang="ja-JP" altLang="en-US" sz="1700" dirty="0"/>
-              <a:t>の在庫数を取得し、購入可否を判定するための機能。</a:t>
+              <a:t>在庫情報を</a:t>
+            </a:r>
+            <a:r>
+              <a:rPr lang="en-US" altLang="ja-JP" sz="1700" dirty="0"/>
+              <a:t>CSV</a:t>
+            </a:r>
+            <a:r>
+              <a:rPr lang="ja-JP" altLang="en-US" sz="1700" dirty="0"/>
+              <a:t>ファイル形式で日次で取得するバッチを活用しており、</a:t>
             </a:r>
             <a:endParaRPr lang="en-US" altLang="ja-JP" sz="1700" dirty="0"/>
           </a:p>
           <a:p>
+            <a:r>
+              <a:rPr lang="ja-JP" altLang="en-US" sz="1700" dirty="0"/>
+              <a:t>この情報をもとに</a:t>
+            </a:r>
             <a:r>
               <a:rPr lang="en-US" altLang="ja-JP" sz="1700" dirty="0"/>
               <a:t>EC</a:t>
             </a:r>
             <a:r>
               <a:rPr lang="ja-JP" altLang="en-US" sz="1700" dirty="0"/>
-              <a:t>システムは販売管理システムと</a:t>
-            </a:r>
-            <a:r>
-              <a:rPr lang="en-US" altLang="ja-JP" sz="1700" dirty="0">
-                <a:solidFill>
-                  <a:srgbClr val="FF0000"/>
-                </a:solidFill>
-              </a:rPr>
-              <a:t>API</a:t>
+              <a:t>システムの商品閲覧時に在庫量を〇</a:t>
+            </a:r>
+            <a:r>
+              <a:rPr lang="en-US" altLang="ja-JP" sz="1700" dirty="0"/>
+              <a:t>×</a:t>
             </a:r>
             <a:r>
               <a:rPr lang="ja-JP" altLang="en-US" sz="1700" dirty="0"/>
-              <a:t>連携し、在庫数のデータを取得する</a:t>
+              <a:t>△で表示する</a:t>
             </a:r>
             <a:endParaRPr lang="en-US" altLang="ja-JP" sz="1700" dirty="0"/>
-          </a:p>
-          <a:p>
-            <a:r>
-              <a:rPr lang="ja-JP" altLang="en-US" sz="1700" dirty="0"/>
-              <a:t>販売管理システムでは、商品の</a:t>
-            </a:r>
-            <a:r>
-              <a:rPr lang="en-US" altLang="ja-JP" sz="1700" dirty="0"/>
-              <a:t>EC</a:t>
-            </a:r>
-            <a:r>
-              <a:rPr lang="ja-JP" altLang="en-US" sz="1700" dirty="0"/>
-              <a:t>在庫情報を</a:t>
-            </a:r>
-            <a:r>
-              <a:rPr lang="en-US" altLang="ja-JP" sz="1700" dirty="0"/>
-              <a:t>CSV</a:t>
-            </a:r>
-            <a:r>
-              <a:rPr lang="ja-JP" altLang="en-US" sz="1700" dirty="0"/>
-              <a:t>ファイル形式で日次で取得するバッチを活用して</a:t>
-            </a:r>
-            <a:r>
-              <a:rPr lang="ja-JP" altLang="en-US" sz="1700" dirty="0">
-                <a:solidFill>
-                  <a:srgbClr val="FF0000"/>
-                </a:solidFill>
-              </a:rPr>
-              <a:t>おり、</a:t>
-            </a:r>
-            <a:endParaRPr lang="en-US" altLang="ja-JP" sz="1700" dirty="0">
-              <a:solidFill>
-                <a:srgbClr val="FF0000"/>
-              </a:solidFill>
-            </a:endParaRPr>
-          </a:p>
-          <a:p>
-            <a:r>
-              <a:rPr lang="ja-JP" altLang="en-US" sz="1700" dirty="0">
-                <a:solidFill>
-                  <a:srgbClr val="FF0000"/>
-                </a:solidFill>
-              </a:rPr>
-              <a:t>この情報をもとに</a:t>
-            </a:r>
-            <a:r>
-              <a:rPr lang="en-US" altLang="ja-JP" sz="1700" dirty="0">
-                <a:solidFill>
-                  <a:srgbClr val="FF0000"/>
-                </a:solidFill>
-              </a:rPr>
-              <a:t>EC</a:t>
-            </a:r>
-            <a:r>
-              <a:rPr lang="ja-JP" altLang="en-US" sz="1700" dirty="0">
-                <a:solidFill>
-                  <a:srgbClr val="FF0000"/>
-                </a:solidFill>
-              </a:rPr>
-              <a:t>システムの商品閲覧時に在庫量を〇</a:t>
-            </a:r>
-            <a:r>
-              <a:rPr lang="en-US" altLang="ja-JP" sz="1700" dirty="0">
-                <a:solidFill>
-                  <a:srgbClr val="FF0000"/>
-                </a:solidFill>
-              </a:rPr>
-              <a:t>×</a:t>
-            </a:r>
-            <a:r>
-              <a:rPr lang="ja-JP" altLang="en-US" sz="1700" dirty="0">
-                <a:solidFill>
-                  <a:srgbClr val="FF0000"/>
-                </a:solidFill>
-              </a:rPr>
-              <a:t>△で表示する</a:t>
-            </a:r>
-            <a:endParaRPr lang="en-US" altLang="ja-JP" sz="1700" dirty="0">
-              <a:solidFill>
-                <a:srgbClr val="FF0000"/>
-              </a:solidFill>
-            </a:endParaRPr>
           </a:p>
         </p:txBody>
       </p:sp>
@@ -10686,8 +11020,8 @@
         </p:nvSpPr>
         <p:spPr>
           <a:xfrm>
-            <a:off x="2421718" y="4903182"/>
-            <a:ext cx="2476805" cy="615553"/>
+            <a:off x="2511715" y="5058183"/>
+            <a:ext cx="2476805" cy="353943"/>
           </a:xfrm>
           <a:prstGeom prst="rect">
             <a:avLst/>
@@ -10704,25 +11038,10 @@
           <a:lstStyle/>
           <a:p>
             <a:r>
-              <a:rPr lang="ja-JP" altLang="en-US" sz="1700" dirty="0">
-                <a:solidFill>
-                  <a:srgbClr val="FF0000"/>
-                </a:solidFill>
-              </a:rPr>
+              <a:rPr lang="ja-JP" altLang="en-US" sz="1700" dirty="0"/>
               <a:t>・商品閲覧</a:t>
             </a:r>
-            <a:endParaRPr lang="en-US" altLang="ja-JP" sz="1700" dirty="0">
-              <a:solidFill>
-                <a:srgbClr val="FF0000"/>
-              </a:solidFill>
-            </a:endParaRPr>
-          </a:p>
-          <a:p>
-            <a:r>
-              <a:rPr lang="ja-JP" altLang="en-US" sz="1700" dirty="0"/>
-              <a:t>・注文確定</a:t>
-            </a:r>
-            <a:endParaRPr kumimoji="1" lang="ja-JP" altLang="en-US" sz="1700" dirty="0"/>
+            <a:endParaRPr lang="en-US" altLang="ja-JP" sz="1700" dirty="0"/>
           </a:p>
         </p:txBody>
       </p:sp>
@@ -10741,7 +11060,7 @@
         <p:spPr>
           <a:xfrm>
             <a:off x="6096277" y="4038566"/>
-            <a:ext cx="3123316" cy="615553"/>
+            <a:ext cx="3123316" cy="353943"/>
           </a:xfrm>
           <a:prstGeom prst="rect">
             <a:avLst/>
@@ -10784,16 +11103,6 @@
             <a:r>
               <a:rPr kumimoji="1" lang="en-US" altLang="ja-JP" sz="1700" dirty="0"/>
               <a:t>)</a:t>
-            </a:r>
-          </a:p>
-          <a:p>
-            <a:r>
-              <a:rPr kumimoji="1" lang="ja-JP" altLang="en-US" sz="1700" dirty="0"/>
-              <a:t>・在庫数取得</a:t>
-            </a:r>
-            <a:r>
-              <a:rPr kumimoji="1" lang="en-US" altLang="ja-JP" sz="1700" dirty="0"/>
-              <a:t>(API)</a:t>
             </a:r>
           </a:p>
         </p:txBody>
@@ -11180,7 +11489,7 @@
         <p:spPr>
           <a:xfrm>
             <a:off x="2283260" y="6154153"/>
-            <a:ext cx="2476805" cy="615553"/>
+            <a:ext cx="2476805" cy="353943"/>
           </a:xfrm>
           <a:prstGeom prst="rect">
             <a:avLst/>
@@ -11197,67 +11506,28 @@
           <a:lstStyle/>
           <a:p>
             <a:r>
-              <a:rPr lang="ja-JP" altLang="en-US" sz="1700" dirty="0">
-                <a:solidFill>
-                  <a:srgbClr val="FF0000"/>
-                </a:solidFill>
-              </a:rPr>
+              <a:rPr lang="ja-JP" altLang="en-US" sz="1700" dirty="0"/>
               <a:t>・</a:t>
             </a:r>
             <a:r>
-              <a:rPr lang="en-US" altLang="ja-JP" sz="1700" dirty="0">
-                <a:solidFill>
-                  <a:srgbClr val="FF0000"/>
-                </a:solidFill>
-              </a:rPr>
+              <a:rPr lang="en-US" altLang="ja-JP" sz="1700" dirty="0"/>
               <a:t>EC</a:t>
             </a:r>
             <a:r>
-              <a:rPr lang="ja-JP" altLang="en-US" sz="1700" dirty="0">
-                <a:solidFill>
-                  <a:srgbClr val="FF0000"/>
-                </a:solidFill>
-              </a:rPr>
+              <a:rPr lang="ja-JP" altLang="en-US" sz="1700" dirty="0"/>
               <a:t>在庫表示</a:t>
             </a:r>
             <a:r>
-              <a:rPr lang="en-US" altLang="ja-JP" sz="1700" dirty="0">
-                <a:solidFill>
-                  <a:srgbClr val="FF0000"/>
-                </a:solidFill>
-              </a:rPr>
+              <a:rPr lang="en-US" altLang="ja-JP" sz="1700" dirty="0"/>
               <a:t>(</a:t>
             </a:r>
             <a:r>
-              <a:rPr lang="ja-JP" altLang="en-US" sz="1700" dirty="0">
-                <a:solidFill>
-                  <a:srgbClr val="FF0000"/>
-                </a:solidFill>
-              </a:rPr>
+              <a:rPr lang="ja-JP" altLang="en-US" sz="1700" dirty="0"/>
               <a:t>〇</a:t>
             </a:r>
             <a:r>
-              <a:rPr lang="en-US" altLang="ja-JP" sz="1700" dirty="0">
-                <a:solidFill>
-                  <a:srgbClr val="FF0000"/>
-                </a:solidFill>
-              </a:rPr>
+              <a:rPr lang="en-US" altLang="ja-JP" sz="1700" dirty="0"/>
               <a:t>×△)</a:t>
-            </a:r>
-            <a:endParaRPr kumimoji="1" lang="en-US" altLang="ja-JP" sz="1700" dirty="0"/>
-          </a:p>
-          <a:p>
-            <a:r>
-              <a:rPr kumimoji="1" lang="ja-JP" altLang="en-US" sz="1700" dirty="0"/>
-              <a:t>・</a:t>
-            </a:r>
-            <a:r>
-              <a:rPr lang="ja-JP" altLang="en-US" sz="1700" dirty="0"/>
-              <a:t>購入</a:t>
-            </a:r>
-            <a:r>
-              <a:rPr kumimoji="1" lang="ja-JP" altLang="en-US" sz="1700" dirty="0"/>
-              <a:t>可否を連絡</a:t>
             </a:r>
             <a:endParaRPr kumimoji="1" lang="en-US" altLang="ja-JP" sz="1700" dirty="0"/>
           </a:p>
@@ -11597,7 +11867,7 @@
         </p:nvSpPr>
         <p:spPr>
           <a:xfrm>
-            <a:off x="7565420" y="5387256"/>
+            <a:off x="7706187" y="5866516"/>
             <a:ext cx="1554265" cy="321228"/>
           </a:xfrm>
           <a:prstGeom prst="rightArrow">
@@ -11643,7 +11913,7 @@
         </p:nvSpPr>
         <p:spPr>
           <a:xfrm rot="10800000">
-            <a:off x="7530026" y="5708484"/>
+            <a:off x="7627074" y="5477230"/>
             <a:ext cx="1554265" cy="321228"/>
           </a:xfrm>
           <a:prstGeom prst="rightArrow">
@@ -11703,7 +11973,7 @@
         </p:blipFill>
         <p:spPr>
           <a:xfrm>
-            <a:off x="10343551" y="5458736"/>
+            <a:off x="9987094" y="5404492"/>
             <a:ext cx="914400" cy="914400"/>
           </a:xfrm>
           <a:prstGeom prst="rect">
@@ -11727,7 +11997,7 @@
         </p:nvSpPr>
         <p:spPr>
           <a:xfrm>
-            <a:off x="9573391" y="4872893"/>
+            <a:off x="9216934" y="4818649"/>
             <a:ext cx="2454719" cy="585843"/>
           </a:xfrm>
           <a:prstGeom prst="rect">
@@ -11963,8 +12233,8 @@
         </p:nvSpPr>
         <p:spPr>
           <a:xfrm>
-            <a:off x="7311993" y="4752563"/>
-            <a:ext cx="2476805" cy="615553"/>
+            <a:off x="7611655" y="6201456"/>
+            <a:ext cx="2476805" cy="353943"/>
           </a:xfrm>
           <a:prstGeom prst="rect">
             <a:avLst/>
@@ -11990,76 +12260,21 @@
             </a:r>
             <a:r>
               <a:rPr lang="ja-JP" altLang="en-US" sz="1700" dirty="0"/>
-              <a:t>在庫</a:t>
-            </a:r>
-            <a:r>
-              <a:rPr lang="ja-JP" altLang="en-US" sz="1700" dirty="0">
-                <a:solidFill>
-                  <a:srgbClr val="FF0000"/>
-                </a:solidFill>
-              </a:rPr>
-              <a:t>数</a:t>
+              <a:t>在庫表示</a:t>
+            </a:r>
+            <a:r>
+              <a:rPr lang="en-US" altLang="ja-JP" sz="1700" dirty="0"/>
+              <a:t>(</a:t>
             </a:r>
             <a:r>
               <a:rPr lang="ja-JP" altLang="en-US" sz="1700" dirty="0"/>
-              <a:t>表示</a:t>
-            </a:r>
-            <a:endParaRPr lang="en-US" altLang="ja-JP" sz="1700" dirty="0"/>
-          </a:p>
-          <a:p>
-            <a:r>
-              <a:rPr lang="ja-JP" altLang="en-US" sz="1700" dirty="0">
-                <a:solidFill>
-                  <a:srgbClr val="FF0000"/>
-                </a:solidFill>
-              </a:rPr>
-              <a:t>・</a:t>
-            </a:r>
-            <a:r>
-              <a:rPr lang="en-US" altLang="ja-JP" sz="1700" dirty="0">
-                <a:solidFill>
-                  <a:srgbClr val="FF0000"/>
-                </a:solidFill>
-              </a:rPr>
-              <a:t>EC</a:t>
-            </a:r>
-            <a:r>
-              <a:rPr lang="ja-JP" altLang="en-US" sz="1700" dirty="0">
-                <a:solidFill>
-                  <a:srgbClr val="FF0000"/>
-                </a:solidFill>
-              </a:rPr>
-              <a:t>在庫表示</a:t>
-            </a:r>
-            <a:r>
-              <a:rPr lang="en-US" altLang="ja-JP" sz="1700" dirty="0">
-                <a:solidFill>
-                  <a:srgbClr val="FF0000"/>
-                </a:solidFill>
-              </a:rPr>
-              <a:t>(</a:t>
-            </a:r>
-            <a:r>
-              <a:rPr lang="ja-JP" altLang="en-US" sz="1700" dirty="0">
-                <a:solidFill>
-                  <a:srgbClr val="FF0000"/>
-                </a:solidFill>
-              </a:rPr>
               <a:t>〇</a:t>
             </a:r>
             <a:r>
-              <a:rPr lang="en-US" altLang="ja-JP" sz="1700" dirty="0">
-                <a:solidFill>
-                  <a:srgbClr val="FF0000"/>
-                </a:solidFill>
-              </a:rPr>
+              <a:rPr lang="en-US" altLang="ja-JP" sz="1700" dirty="0"/>
               <a:t>×△)</a:t>
             </a:r>
-            <a:endParaRPr lang="ja-JP" altLang="en-US" sz="1700" dirty="0">
-              <a:solidFill>
-                <a:srgbClr val="FF0000"/>
-              </a:solidFill>
-            </a:endParaRPr>
+            <a:endParaRPr lang="ja-JP" altLang="en-US" sz="1700" dirty="0"/>
           </a:p>
         </p:txBody>
       </p:sp>
@@ -12077,8 +12292,8 @@
         </p:nvSpPr>
         <p:spPr>
           <a:xfrm>
-            <a:off x="7425322" y="6082114"/>
-            <a:ext cx="2476805" cy="615553"/>
+            <a:off x="7726132" y="4856317"/>
+            <a:ext cx="1455207" cy="615553"/>
           </a:xfrm>
           <a:prstGeom prst="rect">
             <a:avLst/>
@@ -12094,27 +12309,11 @@
           </a:bodyPr>
           <a:lstStyle/>
           <a:p>
+            <a:endParaRPr lang="en-US" altLang="ja-JP" sz="1700" dirty="0"/>
+          </a:p>
+          <a:p>
             <a:r>
               <a:rPr lang="ja-JP" altLang="en-US" sz="1700" dirty="0"/>
-              <a:t>・</a:t>
-            </a:r>
-            <a:r>
-              <a:rPr lang="en-US" altLang="ja-JP" sz="1700" dirty="0"/>
-              <a:t>EC</a:t>
-            </a:r>
-            <a:r>
-              <a:rPr lang="ja-JP" altLang="en-US" sz="1700" dirty="0"/>
-              <a:t>在庫確認</a:t>
-            </a:r>
-            <a:endParaRPr lang="en-US" altLang="ja-JP" sz="1700" dirty="0"/>
-          </a:p>
-          <a:p>
-            <a:r>
-              <a:rPr lang="ja-JP" altLang="en-US" sz="1700" dirty="0">
-                <a:solidFill>
-                  <a:srgbClr val="FF0000"/>
-                </a:solidFill>
-              </a:rPr>
               <a:t>・商品閲覧</a:t>
             </a:r>
           </a:p>
@@ -12164,6 +12363,2196 @@
 </file>
 
 <file path=ppt/slides/slide13.xml><?xml version="1.0" encoding="utf-8"?>
+<p:sld xmlns:a="http://schemas.openxmlformats.org/drawingml/2006/main" xmlns:r="http://schemas.openxmlformats.org/officeDocument/2006/relationships" xmlns:p="http://schemas.openxmlformats.org/presentationml/2006/main">
+  <p:cSld>
+    <p:spTree>
+      <p:nvGrpSpPr>
+        <p:cNvPr id="1" name="Shape 59">
+          <a:extLst>
+            <a:ext uri="{FF2B5EF4-FFF2-40B4-BE49-F238E27FC236}">
+              <a16:creationId xmlns:a16="http://schemas.microsoft.com/office/drawing/2014/main" id="{FD6CD645-AF12-2BB7-A498-F9D9075C4027}"/>
+            </a:ext>
+          </a:extLst>
+        </p:cNvPr>
+        <p:cNvGrpSpPr/>
+        <p:nvPr/>
+      </p:nvGrpSpPr>
+      <p:grpSpPr>
+        <a:xfrm>
+          <a:off x="0" y="0"/>
+          <a:ext cx="0" cy="0"/>
+          <a:chOff x="0" y="0"/>
+          <a:chExt cx="0" cy="0"/>
+        </a:xfrm>
+      </p:grpSpPr>
+      <p:sp>
+        <p:nvSpPr>
+          <p:cNvPr id="60" name="Google Shape;60;p14">
+            <a:extLst>
+              <a:ext uri="{FF2B5EF4-FFF2-40B4-BE49-F238E27FC236}">
+                <a16:creationId xmlns:a16="http://schemas.microsoft.com/office/drawing/2014/main" id="{4A742303-1DF5-2958-BD0B-8EB990152E42}"/>
+              </a:ext>
+            </a:extLst>
+          </p:cNvPr>
+          <p:cNvSpPr txBox="1">
+            <a:spLocks noGrp="1"/>
+          </p:cNvSpPr>
+          <p:nvPr>
+            <p:ph type="title"/>
+          </p:nvPr>
+        </p:nvSpPr>
+        <p:spPr>
+          <a:xfrm>
+            <a:off x="203165" y="168496"/>
+            <a:ext cx="11360800" cy="763600"/>
+          </a:xfrm>
+          <a:prstGeom prst="rect">
+            <a:avLst/>
+          </a:prstGeom>
+        </p:spPr>
+        <p:txBody>
+          <a:bodyPr spcFirstLastPara="1" vert="horz" wrap="square" lIns="121900" tIns="121900" rIns="121900" bIns="121900" rtlCol="0" anchor="t" anchorCtr="0">
+            <a:normAutofit/>
+          </a:bodyPr>
+          <a:lstStyle/>
+          <a:p>
+            <a:r>
+              <a:rPr lang="ja-JP" altLang="en-US" sz="3200" dirty="0"/>
+              <a:t>在庫管理　在庫数取得</a:t>
+            </a:r>
+            <a:r>
+              <a:rPr lang="en-US" altLang="ja-JP" sz="3200" dirty="0"/>
+              <a:t>(API)</a:t>
+            </a:r>
+            <a:endParaRPr sz="3200" dirty="0"/>
+          </a:p>
+        </p:txBody>
+      </p:sp>
+      <p:pic>
+        <p:nvPicPr>
+          <p:cNvPr id="13" name="グラフィックス 12" descr="コンピューター 枠線">
+            <a:extLst>
+              <a:ext uri="{FF2B5EF4-FFF2-40B4-BE49-F238E27FC236}">
+                <a16:creationId xmlns:a16="http://schemas.microsoft.com/office/drawing/2014/main" id="{54DBF2A6-21D0-7E96-B0C4-31B3125001DB}"/>
+              </a:ext>
+            </a:extLst>
+          </p:cNvPr>
+          <p:cNvPicPr>
+            <a:picLocks noChangeAspect="1"/>
+          </p:cNvPicPr>
+          <p:nvPr/>
+        </p:nvPicPr>
+        <p:blipFill>
+          <a:blip r:embed="rId3">
+            <a:extLst>
+              <a:ext uri="{96DAC541-7B7A-43D3-8B79-37D633B846F1}">
+                <asvg:svgBlip xmlns:asvg="http://schemas.microsoft.com/office/drawing/2016/SVG/main" r:embed="rId4"/>
+              </a:ext>
+            </a:extLst>
+          </a:blip>
+          <a:stretch>
+            <a:fillRect/>
+          </a:stretch>
+        </p:blipFill>
+        <p:spPr>
+          <a:xfrm>
+            <a:off x="3511923" y="4884586"/>
+            <a:ext cx="2188640" cy="2188640"/>
+          </a:xfrm>
+          <a:prstGeom prst="rect">
+            <a:avLst/>
+          </a:prstGeom>
+        </p:spPr>
+      </p:pic>
+      <p:sp>
+        <p:nvSpPr>
+          <p:cNvPr id="14" name="Google Shape;61;p14">
+            <a:extLst>
+              <a:ext uri="{FF2B5EF4-FFF2-40B4-BE49-F238E27FC236}">
+                <a16:creationId xmlns:a16="http://schemas.microsoft.com/office/drawing/2014/main" id="{60A7EC94-50BF-40ED-AD04-150E23A6A0DE}"/>
+              </a:ext>
+            </a:extLst>
+          </p:cNvPr>
+          <p:cNvSpPr txBox="1">
+            <a:spLocks/>
+          </p:cNvSpPr>
+          <p:nvPr/>
+        </p:nvSpPr>
+        <p:spPr>
+          <a:xfrm>
+            <a:off x="3886795" y="4780899"/>
+            <a:ext cx="1431510" cy="501717"/>
+          </a:xfrm>
+          <a:prstGeom prst="rect">
+            <a:avLst/>
+          </a:prstGeom>
+        </p:spPr>
+        <p:txBody>
+          <a:bodyPr spcFirstLastPara="1" vert="horz" wrap="square" lIns="121900" tIns="121900" rIns="121900" bIns="121900" rtlCol="0" anchor="t" anchorCtr="0">
+            <a:normAutofit fontScale="92500"/>
+          </a:bodyPr>
+          <a:lstStyle>
+            <a:lvl1pPr marL="609585" lvl="0" indent="-457189" algn="l" defTabSz="914400" rtl="0" eaLnBrk="1" latinLnBrk="0" hangingPunct="1">
+              <a:lnSpc>
+                <a:spcPct val="90000"/>
+              </a:lnSpc>
+              <a:spcBef>
+                <a:spcPts val="0"/>
+              </a:spcBef>
+              <a:spcAft>
+                <a:spcPts val="0"/>
+              </a:spcAft>
+              <a:buSzPts val="1800"/>
+              <a:buFont typeface="Arial" panose="020B0604020202020204" pitchFamily="34" charset="0"/>
+              <a:buChar char="●"/>
+              <a:defRPr kumimoji="1" sz="2800" kern="1200">
+                <a:solidFill>
+                  <a:schemeClr val="tx1"/>
+                </a:solidFill>
+                <a:latin typeface="+mn-lt"/>
+                <a:ea typeface="+mn-ea"/>
+                <a:cs typeface="+mn-cs"/>
+              </a:defRPr>
+            </a:lvl1pPr>
+            <a:lvl2pPr marL="1219170" lvl="1" indent="-423323" algn="l" defTabSz="914400" rtl="0" eaLnBrk="1" latinLnBrk="0" hangingPunct="1">
+              <a:lnSpc>
+                <a:spcPct val="90000"/>
+              </a:lnSpc>
+              <a:spcBef>
+                <a:spcPts val="0"/>
+              </a:spcBef>
+              <a:spcAft>
+                <a:spcPts val="0"/>
+              </a:spcAft>
+              <a:buSzPts val="1400"/>
+              <a:buFont typeface="Arial" panose="020B0604020202020204" pitchFamily="34" charset="0"/>
+              <a:buChar char="○"/>
+              <a:defRPr kumimoji="1" sz="2400" kern="1200">
+                <a:solidFill>
+                  <a:schemeClr val="tx1"/>
+                </a:solidFill>
+                <a:latin typeface="+mn-lt"/>
+                <a:ea typeface="+mn-ea"/>
+                <a:cs typeface="+mn-cs"/>
+              </a:defRPr>
+            </a:lvl2pPr>
+            <a:lvl3pPr marL="1828754" lvl="2" indent="-423323" algn="l" defTabSz="914400" rtl="0" eaLnBrk="1" latinLnBrk="0" hangingPunct="1">
+              <a:lnSpc>
+                <a:spcPct val="90000"/>
+              </a:lnSpc>
+              <a:spcBef>
+                <a:spcPts val="0"/>
+              </a:spcBef>
+              <a:spcAft>
+                <a:spcPts val="0"/>
+              </a:spcAft>
+              <a:buSzPts val="1400"/>
+              <a:buFont typeface="Arial" panose="020B0604020202020204" pitchFamily="34" charset="0"/>
+              <a:buChar char="■"/>
+              <a:defRPr kumimoji="1" sz="2000" kern="1200">
+                <a:solidFill>
+                  <a:schemeClr val="tx1"/>
+                </a:solidFill>
+                <a:latin typeface="+mn-lt"/>
+                <a:ea typeface="+mn-ea"/>
+                <a:cs typeface="+mn-cs"/>
+              </a:defRPr>
+            </a:lvl3pPr>
+            <a:lvl4pPr marL="2438339" lvl="3" indent="-423323" algn="l" defTabSz="914400" rtl="0" eaLnBrk="1" latinLnBrk="0" hangingPunct="1">
+              <a:lnSpc>
+                <a:spcPct val="90000"/>
+              </a:lnSpc>
+              <a:spcBef>
+                <a:spcPts val="0"/>
+              </a:spcBef>
+              <a:spcAft>
+                <a:spcPts val="0"/>
+              </a:spcAft>
+              <a:buSzPts val="1400"/>
+              <a:buFont typeface="Arial" panose="020B0604020202020204" pitchFamily="34" charset="0"/>
+              <a:buChar char="●"/>
+              <a:defRPr kumimoji="1" sz="1800" kern="1200">
+                <a:solidFill>
+                  <a:schemeClr val="tx1"/>
+                </a:solidFill>
+                <a:latin typeface="+mn-lt"/>
+                <a:ea typeface="+mn-ea"/>
+                <a:cs typeface="+mn-cs"/>
+              </a:defRPr>
+            </a:lvl4pPr>
+            <a:lvl5pPr marL="3047924" lvl="4" indent="-423323" algn="l" defTabSz="914400" rtl="0" eaLnBrk="1" latinLnBrk="0" hangingPunct="1">
+              <a:lnSpc>
+                <a:spcPct val="90000"/>
+              </a:lnSpc>
+              <a:spcBef>
+                <a:spcPts val="0"/>
+              </a:spcBef>
+              <a:spcAft>
+                <a:spcPts val="0"/>
+              </a:spcAft>
+              <a:buSzPts val="1400"/>
+              <a:buFont typeface="Arial" panose="020B0604020202020204" pitchFamily="34" charset="0"/>
+              <a:buChar char="○"/>
+              <a:defRPr kumimoji="1" sz="1800" kern="1200">
+                <a:solidFill>
+                  <a:schemeClr val="tx1"/>
+                </a:solidFill>
+                <a:latin typeface="+mn-lt"/>
+                <a:ea typeface="+mn-ea"/>
+                <a:cs typeface="+mn-cs"/>
+              </a:defRPr>
+            </a:lvl5pPr>
+            <a:lvl6pPr marL="3657509" lvl="5" indent="-423323" algn="l" defTabSz="914400" rtl="0" eaLnBrk="1" latinLnBrk="0" hangingPunct="1">
+              <a:lnSpc>
+                <a:spcPct val="90000"/>
+              </a:lnSpc>
+              <a:spcBef>
+                <a:spcPts val="0"/>
+              </a:spcBef>
+              <a:spcAft>
+                <a:spcPts val="0"/>
+              </a:spcAft>
+              <a:buSzPts val="1400"/>
+              <a:buFont typeface="Arial" panose="020B0604020202020204" pitchFamily="34" charset="0"/>
+              <a:buChar char="■"/>
+              <a:defRPr kumimoji="1" sz="1800" kern="1200">
+                <a:solidFill>
+                  <a:schemeClr val="tx1"/>
+                </a:solidFill>
+                <a:latin typeface="+mn-lt"/>
+                <a:ea typeface="+mn-ea"/>
+                <a:cs typeface="+mn-cs"/>
+              </a:defRPr>
+            </a:lvl6pPr>
+            <a:lvl7pPr marL="4267093" lvl="6" indent="-423323" algn="l" defTabSz="914400" rtl="0" eaLnBrk="1" latinLnBrk="0" hangingPunct="1">
+              <a:lnSpc>
+                <a:spcPct val="90000"/>
+              </a:lnSpc>
+              <a:spcBef>
+                <a:spcPts val="0"/>
+              </a:spcBef>
+              <a:spcAft>
+                <a:spcPts val="0"/>
+              </a:spcAft>
+              <a:buSzPts val="1400"/>
+              <a:buFont typeface="Arial" panose="020B0604020202020204" pitchFamily="34" charset="0"/>
+              <a:buChar char="●"/>
+              <a:defRPr kumimoji="1" sz="1800" kern="1200">
+                <a:solidFill>
+                  <a:schemeClr val="tx1"/>
+                </a:solidFill>
+                <a:latin typeface="+mn-lt"/>
+                <a:ea typeface="+mn-ea"/>
+                <a:cs typeface="+mn-cs"/>
+              </a:defRPr>
+            </a:lvl7pPr>
+            <a:lvl8pPr marL="4876678" lvl="7" indent="-423323" algn="l" defTabSz="914400" rtl="0" eaLnBrk="1" latinLnBrk="0" hangingPunct="1">
+              <a:lnSpc>
+                <a:spcPct val="90000"/>
+              </a:lnSpc>
+              <a:spcBef>
+                <a:spcPts val="0"/>
+              </a:spcBef>
+              <a:spcAft>
+                <a:spcPts val="0"/>
+              </a:spcAft>
+              <a:buSzPts val="1400"/>
+              <a:buFont typeface="Arial" panose="020B0604020202020204" pitchFamily="34" charset="0"/>
+              <a:buChar char="○"/>
+              <a:defRPr kumimoji="1" sz="1800" kern="1200">
+                <a:solidFill>
+                  <a:schemeClr val="tx1"/>
+                </a:solidFill>
+                <a:latin typeface="+mn-lt"/>
+                <a:ea typeface="+mn-ea"/>
+                <a:cs typeface="+mn-cs"/>
+              </a:defRPr>
+            </a:lvl8pPr>
+            <a:lvl9pPr marL="5486263" lvl="8" indent="-423323" algn="l" defTabSz="914400" rtl="0" eaLnBrk="1" latinLnBrk="0" hangingPunct="1">
+              <a:lnSpc>
+                <a:spcPct val="90000"/>
+              </a:lnSpc>
+              <a:spcBef>
+                <a:spcPts val="0"/>
+              </a:spcBef>
+              <a:spcAft>
+                <a:spcPts val="0"/>
+              </a:spcAft>
+              <a:buSzPts val="1400"/>
+              <a:buFont typeface="Arial" panose="020B0604020202020204" pitchFamily="34" charset="0"/>
+              <a:buChar char="■"/>
+              <a:defRPr kumimoji="1" sz="1800" kern="1200">
+                <a:solidFill>
+                  <a:schemeClr val="tx1"/>
+                </a:solidFill>
+                <a:latin typeface="+mn-lt"/>
+                <a:ea typeface="+mn-ea"/>
+                <a:cs typeface="+mn-cs"/>
+              </a:defRPr>
+            </a:lvl9pPr>
+          </a:lstStyle>
+          <a:p>
+            <a:pPr marL="0" indent="0">
+              <a:buFont typeface="Arial" panose="020B0604020202020204" pitchFamily="34" charset="0"/>
+              <a:buNone/>
+            </a:pPr>
+            <a:r>
+              <a:rPr lang="en-US" altLang="ja-JP" sz="1867" dirty="0"/>
+              <a:t>EC</a:t>
+            </a:r>
+            <a:r>
+              <a:rPr lang="ja-JP" altLang="en-US" sz="1867" dirty="0"/>
+              <a:t>システム</a:t>
+            </a:r>
+          </a:p>
+        </p:txBody>
+      </p:sp>
+      <p:sp>
+        <p:nvSpPr>
+          <p:cNvPr id="19" name="テキスト ボックス 18">
+            <a:extLst>
+              <a:ext uri="{FF2B5EF4-FFF2-40B4-BE49-F238E27FC236}">
+                <a16:creationId xmlns:a16="http://schemas.microsoft.com/office/drawing/2014/main" id="{C5FE04C7-6994-9A00-FF36-129E4DFDC9A2}"/>
+              </a:ext>
+            </a:extLst>
+          </p:cNvPr>
+          <p:cNvSpPr txBox="1"/>
+          <p:nvPr/>
+        </p:nvSpPr>
+        <p:spPr>
+          <a:xfrm>
+            <a:off x="203165" y="843491"/>
+            <a:ext cx="10994325" cy="877163"/>
+          </a:xfrm>
+          <a:prstGeom prst="rect">
+            <a:avLst/>
+          </a:prstGeom>
+          <a:noFill/>
+          <a:ln>
+            <a:noFill/>
+          </a:ln>
+        </p:spPr>
+        <p:txBody>
+          <a:bodyPr wrap="square" rtlCol="0">
+            <a:spAutoFit/>
+          </a:bodyPr>
+          <a:lstStyle/>
+          <a:p>
+            <a:r>
+              <a:rPr lang="ja-JP" altLang="en-US" sz="1700" dirty="0"/>
+              <a:t>注文の確定前に</a:t>
+            </a:r>
+            <a:r>
+              <a:rPr lang="en-US" altLang="ja-JP" sz="1700" dirty="0"/>
+              <a:t>EC</a:t>
+            </a:r>
+            <a:r>
+              <a:rPr lang="ja-JP" altLang="en-US" sz="1700" dirty="0"/>
+              <a:t>の在庫数を取得し、購入可否を判定するための機能。</a:t>
+            </a:r>
+            <a:endParaRPr lang="en-US" altLang="ja-JP" sz="1700" dirty="0"/>
+          </a:p>
+          <a:p>
+            <a:r>
+              <a:rPr lang="en-US" altLang="ja-JP" sz="1700" dirty="0"/>
+              <a:t>EC</a:t>
+            </a:r>
+            <a:r>
+              <a:rPr lang="ja-JP" altLang="en-US" sz="1700" dirty="0"/>
+              <a:t>システムは販売管理システムと</a:t>
+            </a:r>
+            <a:r>
+              <a:rPr lang="en-US" altLang="ja-JP" sz="1700" dirty="0"/>
+              <a:t>API</a:t>
+            </a:r>
+            <a:r>
+              <a:rPr lang="ja-JP" altLang="en-US" sz="1700" dirty="0"/>
+              <a:t>連携し、在庫数のデータを取得する</a:t>
+            </a:r>
+            <a:endParaRPr lang="en-US" altLang="ja-JP" sz="1700" dirty="0"/>
+          </a:p>
+          <a:p>
+            <a:r>
+              <a:rPr lang="ja-JP" altLang="en-US" sz="1700" dirty="0"/>
+              <a:t>カスタマーサービス部のメンバーはユーザーからの問い合わせ時に在庫を確認する</a:t>
+            </a:r>
+            <a:endParaRPr lang="en-US" altLang="ja-JP" sz="1700" dirty="0"/>
+          </a:p>
+        </p:txBody>
+      </p:sp>
+      <p:sp>
+        <p:nvSpPr>
+          <p:cNvPr id="8" name="テキスト ボックス 7">
+            <a:extLst>
+              <a:ext uri="{FF2B5EF4-FFF2-40B4-BE49-F238E27FC236}">
+                <a16:creationId xmlns:a16="http://schemas.microsoft.com/office/drawing/2014/main" id="{4F9864EB-71BB-619F-A874-ADE92C6FC556}"/>
+              </a:ext>
+            </a:extLst>
+          </p:cNvPr>
+          <p:cNvSpPr txBox="1"/>
+          <p:nvPr/>
+        </p:nvSpPr>
+        <p:spPr>
+          <a:xfrm>
+            <a:off x="1434308" y="5135789"/>
+            <a:ext cx="2476805" cy="353943"/>
+          </a:xfrm>
+          <a:prstGeom prst="rect">
+            <a:avLst/>
+          </a:prstGeom>
+          <a:noFill/>
+          <a:ln>
+            <a:noFill/>
+          </a:ln>
+        </p:spPr>
+        <p:txBody>
+          <a:bodyPr wrap="square" rtlCol="0">
+            <a:spAutoFit/>
+          </a:bodyPr>
+          <a:lstStyle/>
+          <a:p>
+            <a:r>
+              <a:rPr lang="ja-JP" altLang="en-US" sz="1700" dirty="0"/>
+              <a:t>・注文確定</a:t>
+            </a:r>
+            <a:endParaRPr kumimoji="1" lang="ja-JP" altLang="en-US" sz="1700" dirty="0"/>
+          </a:p>
+        </p:txBody>
+      </p:sp>
+      <p:sp>
+        <p:nvSpPr>
+          <p:cNvPr id="9" name="テキスト ボックス 8">
+            <a:extLst>
+              <a:ext uri="{FF2B5EF4-FFF2-40B4-BE49-F238E27FC236}">
+                <a16:creationId xmlns:a16="http://schemas.microsoft.com/office/drawing/2014/main" id="{32756F81-2983-C74D-C952-60F1E1320646}"/>
+              </a:ext>
+            </a:extLst>
+          </p:cNvPr>
+          <p:cNvSpPr txBox="1"/>
+          <p:nvPr/>
+        </p:nvSpPr>
+        <p:spPr>
+          <a:xfrm>
+            <a:off x="4859719" y="4038566"/>
+            <a:ext cx="3123316" cy="353943"/>
+          </a:xfrm>
+          <a:prstGeom prst="rect">
+            <a:avLst/>
+          </a:prstGeom>
+          <a:noFill/>
+          <a:ln>
+            <a:noFill/>
+          </a:ln>
+        </p:spPr>
+        <p:txBody>
+          <a:bodyPr wrap="square" rtlCol="0">
+            <a:spAutoFit/>
+          </a:bodyPr>
+          <a:lstStyle/>
+          <a:p>
+            <a:r>
+              <a:rPr kumimoji="1" lang="ja-JP" altLang="en-US" sz="1700" dirty="0"/>
+              <a:t>・</a:t>
+            </a:r>
+            <a:r>
+              <a:rPr lang="ja-JP" altLang="en-US" sz="1700" dirty="0"/>
+              <a:t>在庫数取得</a:t>
+            </a:r>
+            <a:r>
+              <a:rPr lang="en-US" altLang="ja-JP" sz="1700" dirty="0"/>
+              <a:t>API</a:t>
+            </a:r>
+            <a:endParaRPr kumimoji="1" lang="en-US" altLang="ja-JP" sz="1700" dirty="0"/>
+          </a:p>
+        </p:txBody>
+      </p:sp>
+      <p:pic>
+        <p:nvPicPr>
+          <p:cNvPr id="17" name="グラフィックス 16" descr="コンピューター 単色塗りつぶし">
+            <a:extLst>
+              <a:ext uri="{FF2B5EF4-FFF2-40B4-BE49-F238E27FC236}">
+                <a16:creationId xmlns:a16="http://schemas.microsoft.com/office/drawing/2014/main" id="{5F49064C-D6E3-D79C-4060-D6D22DB5401B}"/>
+              </a:ext>
+            </a:extLst>
+          </p:cNvPr>
+          <p:cNvPicPr>
+            <a:picLocks noChangeAspect="1"/>
+          </p:cNvPicPr>
+          <p:nvPr/>
+        </p:nvPicPr>
+        <p:blipFill>
+          <a:blip r:embed="rId5">
+            <a:extLst>
+              <a:ext uri="{96DAC541-7B7A-43D3-8B79-37D633B846F1}">
+                <asvg:svgBlip xmlns:asvg="http://schemas.microsoft.com/office/drawing/2016/SVG/main" r:embed="rId6"/>
+              </a:ext>
+            </a:extLst>
+          </a:blip>
+          <a:stretch>
+            <a:fillRect/>
+          </a:stretch>
+        </p:blipFill>
+        <p:spPr>
+          <a:xfrm>
+            <a:off x="3653562" y="2129974"/>
+            <a:ext cx="1981948" cy="1981948"/>
+          </a:xfrm>
+          <a:prstGeom prst="rect">
+            <a:avLst/>
+          </a:prstGeom>
+        </p:spPr>
+      </p:pic>
+      <p:sp>
+        <p:nvSpPr>
+          <p:cNvPr id="18" name="Google Shape;61;p14">
+            <a:extLst>
+              <a:ext uri="{FF2B5EF4-FFF2-40B4-BE49-F238E27FC236}">
+                <a16:creationId xmlns:a16="http://schemas.microsoft.com/office/drawing/2014/main" id="{7D8A16F1-33A3-CED7-2F7C-FFDA3C10805A}"/>
+              </a:ext>
+            </a:extLst>
+          </p:cNvPr>
+          <p:cNvSpPr txBox="1">
+            <a:spLocks/>
+          </p:cNvSpPr>
+          <p:nvPr/>
+        </p:nvSpPr>
+        <p:spPr>
+          <a:xfrm>
+            <a:off x="3760865" y="2073974"/>
+            <a:ext cx="2197709" cy="631313"/>
+          </a:xfrm>
+          <a:prstGeom prst="rect">
+            <a:avLst/>
+          </a:prstGeom>
+        </p:spPr>
+        <p:txBody>
+          <a:bodyPr spcFirstLastPara="1" vert="horz" wrap="square" lIns="121900" tIns="121900" rIns="121900" bIns="121900" rtlCol="0" anchor="t" anchorCtr="0">
+            <a:normAutofit/>
+          </a:bodyPr>
+          <a:lstStyle>
+            <a:lvl1pPr marL="609585" lvl="0" indent="-457189" algn="l" defTabSz="914400" rtl="0" eaLnBrk="1" latinLnBrk="0" hangingPunct="1">
+              <a:lnSpc>
+                <a:spcPct val="90000"/>
+              </a:lnSpc>
+              <a:spcBef>
+                <a:spcPts val="0"/>
+              </a:spcBef>
+              <a:spcAft>
+                <a:spcPts val="0"/>
+              </a:spcAft>
+              <a:buSzPts val="1800"/>
+              <a:buFont typeface="Arial" panose="020B0604020202020204" pitchFamily="34" charset="0"/>
+              <a:buChar char="●"/>
+              <a:defRPr kumimoji="1" sz="2800" kern="1200">
+                <a:solidFill>
+                  <a:schemeClr val="tx1"/>
+                </a:solidFill>
+                <a:latin typeface="+mn-lt"/>
+                <a:ea typeface="+mn-ea"/>
+                <a:cs typeface="+mn-cs"/>
+              </a:defRPr>
+            </a:lvl1pPr>
+            <a:lvl2pPr marL="1219170" lvl="1" indent="-423323" algn="l" defTabSz="914400" rtl="0" eaLnBrk="1" latinLnBrk="0" hangingPunct="1">
+              <a:lnSpc>
+                <a:spcPct val="90000"/>
+              </a:lnSpc>
+              <a:spcBef>
+                <a:spcPts val="0"/>
+              </a:spcBef>
+              <a:spcAft>
+                <a:spcPts val="0"/>
+              </a:spcAft>
+              <a:buSzPts val="1400"/>
+              <a:buFont typeface="Arial" panose="020B0604020202020204" pitchFamily="34" charset="0"/>
+              <a:buChar char="○"/>
+              <a:defRPr kumimoji="1" sz="2400" kern="1200">
+                <a:solidFill>
+                  <a:schemeClr val="tx1"/>
+                </a:solidFill>
+                <a:latin typeface="+mn-lt"/>
+                <a:ea typeface="+mn-ea"/>
+                <a:cs typeface="+mn-cs"/>
+              </a:defRPr>
+            </a:lvl2pPr>
+            <a:lvl3pPr marL="1828754" lvl="2" indent="-423323" algn="l" defTabSz="914400" rtl="0" eaLnBrk="1" latinLnBrk="0" hangingPunct="1">
+              <a:lnSpc>
+                <a:spcPct val="90000"/>
+              </a:lnSpc>
+              <a:spcBef>
+                <a:spcPts val="0"/>
+              </a:spcBef>
+              <a:spcAft>
+                <a:spcPts val="0"/>
+              </a:spcAft>
+              <a:buSzPts val="1400"/>
+              <a:buFont typeface="Arial" panose="020B0604020202020204" pitchFamily="34" charset="0"/>
+              <a:buChar char="■"/>
+              <a:defRPr kumimoji="1" sz="2000" kern="1200">
+                <a:solidFill>
+                  <a:schemeClr val="tx1"/>
+                </a:solidFill>
+                <a:latin typeface="+mn-lt"/>
+                <a:ea typeface="+mn-ea"/>
+                <a:cs typeface="+mn-cs"/>
+              </a:defRPr>
+            </a:lvl3pPr>
+            <a:lvl4pPr marL="2438339" lvl="3" indent="-423323" algn="l" defTabSz="914400" rtl="0" eaLnBrk="1" latinLnBrk="0" hangingPunct="1">
+              <a:lnSpc>
+                <a:spcPct val="90000"/>
+              </a:lnSpc>
+              <a:spcBef>
+                <a:spcPts val="0"/>
+              </a:spcBef>
+              <a:spcAft>
+                <a:spcPts val="0"/>
+              </a:spcAft>
+              <a:buSzPts val="1400"/>
+              <a:buFont typeface="Arial" panose="020B0604020202020204" pitchFamily="34" charset="0"/>
+              <a:buChar char="●"/>
+              <a:defRPr kumimoji="1" sz="1800" kern="1200">
+                <a:solidFill>
+                  <a:schemeClr val="tx1"/>
+                </a:solidFill>
+                <a:latin typeface="+mn-lt"/>
+                <a:ea typeface="+mn-ea"/>
+                <a:cs typeface="+mn-cs"/>
+              </a:defRPr>
+            </a:lvl4pPr>
+            <a:lvl5pPr marL="3047924" lvl="4" indent="-423323" algn="l" defTabSz="914400" rtl="0" eaLnBrk="1" latinLnBrk="0" hangingPunct="1">
+              <a:lnSpc>
+                <a:spcPct val="90000"/>
+              </a:lnSpc>
+              <a:spcBef>
+                <a:spcPts val="0"/>
+              </a:spcBef>
+              <a:spcAft>
+                <a:spcPts val="0"/>
+              </a:spcAft>
+              <a:buSzPts val="1400"/>
+              <a:buFont typeface="Arial" panose="020B0604020202020204" pitchFamily="34" charset="0"/>
+              <a:buChar char="○"/>
+              <a:defRPr kumimoji="1" sz="1800" kern="1200">
+                <a:solidFill>
+                  <a:schemeClr val="tx1"/>
+                </a:solidFill>
+                <a:latin typeface="+mn-lt"/>
+                <a:ea typeface="+mn-ea"/>
+                <a:cs typeface="+mn-cs"/>
+              </a:defRPr>
+            </a:lvl5pPr>
+            <a:lvl6pPr marL="3657509" lvl="5" indent="-423323" algn="l" defTabSz="914400" rtl="0" eaLnBrk="1" latinLnBrk="0" hangingPunct="1">
+              <a:lnSpc>
+                <a:spcPct val="90000"/>
+              </a:lnSpc>
+              <a:spcBef>
+                <a:spcPts val="0"/>
+              </a:spcBef>
+              <a:spcAft>
+                <a:spcPts val="0"/>
+              </a:spcAft>
+              <a:buSzPts val="1400"/>
+              <a:buFont typeface="Arial" panose="020B0604020202020204" pitchFamily="34" charset="0"/>
+              <a:buChar char="■"/>
+              <a:defRPr kumimoji="1" sz="1800" kern="1200">
+                <a:solidFill>
+                  <a:schemeClr val="tx1"/>
+                </a:solidFill>
+                <a:latin typeface="+mn-lt"/>
+                <a:ea typeface="+mn-ea"/>
+                <a:cs typeface="+mn-cs"/>
+              </a:defRPr>
+            </a:lvl6pPr>
+            <a:lvl7pPr marL="4267093" lvl="6" indent="-423323" algn="l" defTabSz="914400" rtl="0" eaLnBrk="1" latinLnBrk="0" hangingPunct="1">
+              <a:lnSpc>
+                <a:spcPct val="90000"/>
+              </a:lnSpc>
+              <a:spcBef>
+                <a:spcPts val="0"/>
+              </a:spcBef>
+              <a:spcAft>
+                <a:spcPts val="0"/>
+              </a:spcAft>
+              <a:buSzPts val="1400"/>
+              <a:buFont typeface="Arial" panose="020B0604020202020204" pitchFamily="34" charset="0"/>
+              <a:buChar char="●"/>
+              <a:defRPr kumimoji="1" sz="1800" kern="1200">
+                <a:solidFill>
+                  <a:schemeClr val="tx1"/>
+                </a:solidFill>
+                <a:latin typeface="+mn-lt"/>
+                <a:ea typeface="+mn-ea"/>
+                <a:cs typeface="+mn-cs"/>
+              </a:defRPr>
+            </a:lvl7pPr>
+            <a:lvl8pPr marL="4876678" lvl="7" indent="-423323" algn="l" defTabSz="914400" rtl="0" eaLnBrk="1" latinLnBrk="0" hangingPunct="1">
+              <a:lnSpc>
+                <a:spcPct val="90000"/>
+              </a:lnSpc>
+              <a:spcBef>
+                <a:spcPts val="0"/>
+              </a:spcBef>
+              <a:spcAft>
+                <a:spcPts val="0"/>
+              </a:spcAft>
+              <a:buSzPts val="1400"/>
+              <a:buFont typeface="Arial" panose="020B0604020202020204" pitchFamily="34" charset="0"/>
+              <a:buChar char="○"/>
+              <a:defRPr kumimoji="1" sz="1800" kern="1200">
+                <a:solidFill>
+                  <a:schemeClr val="tx1"/>
+                </a:solidFill>
+                <a:latin typeface="+mn-lt"/>
+                <a:ea typeface="+mn-ea"/>
+                <a:cs typeface="+mn-cs"/>
+              </a:defRPr>
+            </a:lvl8pPr>
+            <a:lvl9pPr marL="5486263" lvl="8" indent="-423323" algn="l" defTabSz="914400" rtl="0" eaLnBrk="1" latinLnBrk="0" hangingPunct="1">
+              <a:lnSpc>
+                <a:spcPct val="90000"/>
+              </a:lnSpc>
+              <a:spcBef>
+                <a:spcPts val="0"/>
+              </a:spcBef>
+              <a:spcAft>
+                <a:spcPts val="0"/>
+              </a:spcAft>
+              <a:buSzPts val="1400"/>
+              <a:buFont typeface="Arial" panose="020B0604020202020204" pitchFamily="34" charset="0"/>
+              <a:buChar char="■"/>
+              <a:defRPr kumimoji="1" sz="1800" kern="1200">
+                <a:solidFill>
+                  <a:schemeClr val="tx1"/>
+                </a:solidFill>
+                <a:latin typeface="+mn-lt"/>
+                <a:ea typeface="+mn-ea"/>
+                <a:cs typeface="+mn-cs"/>
+              </a:defRPr>
+            </a:lvl9pPr>
+          </a:lstStyle>
+          <a:p>
+            <a:pPr marL="0" indent="0">
+              <a:buFont typeface="Arial" panose="020B0604020202020204" pitchFamily="34" charset="0"/>
+              <a:buNone/>
+            </a:pPr>
+            <a:r>
+              <a:rPr lang="ja-JP" altLang="en-US" sz="1700" dirty="0"/>
+              <a:t>販売管理システム</a:t>
+            </a:r>
+          </a:p>
+        </p:txBody>
+      </p:sp>
+      <p:sp>
+        <p:nvSpPr>
+          <p:cNvPr id="25" name="矢印: 右 24">
+            <a:extLst>
+              <a:ext uri="{FF2B5EF4-FFF2-40B4-BE49-F238E27FC236}">
+                <a16:creationId xmlns:a16="http://schemas.microsoft.com/office/drawing/2014/main" id="{EABDC99E-C5B2-9BD7-B41F-1726C279B9D6}"/>
+              </a:ext>
+            </a:extLst>
+          </p:cNvPr>
+          <p:cNvSpPr/>
+          <p:nvPr/>
+        </p:nvSpPr>
+        <p:spPr>
+          <a:xfrm>
+            <a:off x="1394076" y="5508226"/>
+            <a:ext cx="1554265" cy="321228"/>
+          </a:xfrm>
+          <a:prstGeom prst="rightArrow">
+            <a:avLst/>
+          </a:prstGeom>
+        </p:spPr>
+        <p:style>
+          <a:lnRef idx="2">
+            <a:schemeClr val="accent1">
+              <a:shade val="15000"/>
+            </a:schemeClr>
+          </a:lnRef>
+          <a:fillRef idx="1">
+            <a:schemeClr val="accent1"/>
+          </a:fillRef>
+          <a:effectRef idx="0">
+            <a:schemeClr val="accent1"/>
+          </a:effectRef>
+          <a:fontRef idx="minor">
+            <a:schemeClr val="lt1"/>
+          </a:fontRef>
+        </p:style>
+        <p:txBody>
+          <a:bodyPr rtlCol="0" anchor="ctr"/>
+          <a:lstStyle/>
+          <a:p>
+            <a:pPr algn="ctr"/>
+            <a:endParaRPr kumimoji="1" lang="ja-JP" altLang="en-US"/>
+          </a:p>
+        </p:txBody>
+      </p:sp>
+      <p:sp>
+        <p:nvSpPr>
+          <p:cNvPr id="20" name="矢印: 右 19">
+            <a:extLst>
+              <a:ext uri="{FF2B5EF4-FFF2-40B4-BE49-F238E27FC236}">
+                <a16:creationId xmlns:a16="http://schemas.microsoft.com/office/drawing/2014/main" id="{8E807BE9-0520-BA57-2212-6C677784A272}"/>
+              </a:ext>
+            </a:extLst>
+          </p:cNvPr>
+          <p:cNvSpPr/>
+          <p:nvPr/>
+        </p:nvSpPr>
+        <p:spPr>
+          <a:xfrm rot="10800000">
+            <a:off x="1358682" y="5829454"/>
+            <a:ext cx="1554265" cy="321228"/>
+          </a:xfrm>
+          <a:prstGeom prst="rightArrow">
+            <a:avLst/>
+          </a:prstGeom>
+        </p:spPr>
+        <p:style>
+          <a:lnRef idx="2">
+            <a:schemeClr val="accent1">
+              <a:shade val="15000"/>
+            </a:schemeClr>
+          </a:lnRef>
+          <a:fillRef idx="1">
+            <a:schemeClr val="accent1"/>
+          </a:fillRef>
+          <a:effectRef idx="0">
+            <a:schemeClr val="accent1"/>
+          </a:effectRef>
+          <a:fontRef idx="minor">
+            <a:schemeClr val="lt1"/>
+          </a:fontRef>
+        </p:style>
+        <p:txBody>
+          <a:bodyPr rtlCol="0" anchor="ctr"/>
+          <a:lstStyle/>
+          <a:p>
+            <a:pPr algn="ctr"/>
+            <a:endParaRPr kumimoji="1" lang="ja-JP" altLang="en-US"/>
+          </a:p>
+        </p:txBody>
+      </p:sp>
+      <p:sp>
+        <p:nvSpPr>
+          <p:cNvPr id="21" name="テキスト ボックス 20">
+            <a:extLst>
+              <a:ext uri="{FF2B5EF4-FFF2-40B4-BE49-F238E27FC236}">
+                <a16:creationId xmlns:a16="http://schemas.microsoft.com/office/drawing/2014/main" id="{C48FDC53-28CE-5AF7-E78C-7CA521D5DDE0}"/>
+              </a:ext>
+            </a:extLst>
+          </p:cNvPr>
+          <p:cNvSpPr txBox="1"/>
+          <p:nvPr/>
+        </p:nvSpPr>
+        <p:spPr>
+          <a:xfrm>
+            <a:off x="1232679" y="6185149"/>
+            <a:ext cx="2476805" cy="353943"/>
+          </a:xfrm>
+          <a:prstGeom prst="rect">
+            <a:avLst/>
+          </a:prstGeom>
+          <a:noFill/>
+          <a:ln>
+            <a:noFill/>
+          </a:ln>
+        </p:spPr>
+        <p:txBody>
+          <a:bodyPr wrap="square" rtlCol="0">
+            <a:spAutoFit/>
+          </a:bodyPr>
+          <a:lstStyle/>
+          <a:p>
+            <a:r>
+              <a:rPr kumimoji="1" lang="ja-JP" altLang="en-US" sz="1700" dirty="0"/>
+              <a:t>・</a:t>
+            </a:r>
+            <a:r>
+              <a:rPr lang="ja-JP" altLang="en-US" sz="1700" dirty="0"/>
+              <a:t>購入</a:t>
+            </a:r>
+            <a:r>
+              <a:rPr kumimoji="1" lang="ja-JP" altLang="en-US" sz="1700" dirty="0"/>
+              <a:t>可否を連絡</a:t>
+            </a:r>
+            <a:endParaRPr kumimoji="1" lang="en-US" altLang="ja-JP" sz="1700" dirty="0"/>
+          </a:p>
+        </p:txBody>
+      </p:sp>
+      <p:sp>
+        <p:nvSpPr>
+          <p:cNvPr id="2" name="矢印: 上下 1">
+            <a:extLst>
+              <a:ext uri="{FF2B5EF4-FFF2-40B4-BE49-F238E27FC236}">
+                <a16:creationId xmlns:a16="http://schemas.microsoft.com/office/drawing/2014/main" id="{F88D7C6A-58A6-EF52-6D5C-B286A87EA428}"/>
+              </a:ext>
+            </a:extLst>
+          </p:cNvPr>
+          <p:cNvSpPr/>
+          <p:nvPr/>
+        </p:nvSpPr>
+        <p:spPr>
+          <a:xfrm>
+            <a:off x="4168380" y="4022806"/>
+            <a:ext cx="397164" cy="631313"/>
+          </a:xfrm>
+          <a:prstGeom prst="upDownArrow">
+            <a:avLst/>
+          </a:prstGeom>
+        </p:spPr>
+        <p:style>
+          <a:lnRef idx="2">
+            <a:schemeClr val="accent1">
+              <a:shade val="15000"/>
+            </a:schemeClr>
+          </a:lnRef>
+          <a:fillRef idx="1">
+            <a:schemeClr val="accent1"/>
+          </a:fillRef>
+          <a:effectRef idx="0">
+            <a:schemeClr val="accent1"/>
+          </a:effectRef>
+          <a:fontRef idx="minor">
+            <a:schemeClr val="lt1"/>
+          </a:fontRef>
+        </p:style>
+        <p:txBody>
+          <a:bodyPr rtlCol="0" anchor="ctr"/>
+          <a:lstStyle/>
+          <a:p>
+            <a:pPr algn="ctr"/>
+            <a:endParaRPr kumimoji="1" lang="ja-JP" altLang="en-US"/>
+          </a:p>
+        </p:txBody>
+      </p:sp>
+      <p:sp>
+        <p:nvSpPr>
+          <p:cNvPr id="3" name="Google Shape;61;p14">
+            <a:extLst>
+              <a:ext uri="{FF2B5EF4-FFF2-40B4-BE49-F238E27FC236}">
+                <a16:creationId xmlns:a16="http://schemas.microsoft.com/office/drawing/2014/main" id="{9DB75C9C-E6FC-1938-CC43-0EE6E0694CA6}"/>
+              </a:ext>
+            </a:extLst>
+          </p:cNvPr>
+          <p:cNvSpPr txBox="1">
+            <a:spLocks/>
+          </p:cNvSpPr>
+          <p:nvPr/>
+        </p:nvSpPr>
+        <p:spPr>
+          <a:xfrm>
+            <a:off x="294058" y="4949032"/>
+            <a:ext cx="914400" cy="585843"/>
+          </a:xfrm>
+          <a:prstGeom prst="rect">
+            <a:avLst/>
+          </a:prstGeom>
+        </p:spPr>
+        <p:txBody>
+          <a:bodyPr spcFirstLastPara="1" vert="horz" wrap="square" lIns="121900" tIns="121900" rIns="121900" bIns="121900" rtlCol="0" anchor="t" anchorCtr="0">
+            <a:noAutofit/>
+          </a:bodyPr>
+          <a:lstStyle>
+            <a:lvl1pPr marL="609585" lvl="0" indent="-457189" algn="l" defTabSz="914400" rtl="0" eaLnBrk="1" latinLnBrk="0" hangingPunct="1">
+              <a:lnSpc>
+                <a:spcPct val="90000"/>
+              </a:lnSpc>
+              <a:spcBef>
+                <a:spcPts val="0"/>
+              </a:spcBef>
+              <a:spcAft>
+                <a:spcPts val="0"/>
+              </a:spcAft>
+              <a:buSzPts val="1800"/>
+              <a:buFont typeface="Arial" panose="020B0604020202020204" pitchFamily="34" charset="0"/>
+              <a:buChar char="●"/>
+              <a:defRPr kumimoji="1" sz="2800" kern="1200">
+                <a:solidFill>
+                  <a:schemeClr val="tx1"/>
+                </a:solidFill>
+                <a:latin typeface="+mn-lt"/>
+                <a:ea typeface="+mn-ea"/>
+                <a:cs typeface="+mn-cs"/>
+              </a:defRPr>
+            </a:lvl1pPr>
+            <a:lvl2pPr marL="1219170" lvl="1" indent="-423323" algn="l" defTabSz="914400" rtl="0" eaLnBrk="1" latinLnBrk="0" hangingPunct="1">
+              <a:lnSpc>
+                <a:spcPct val="90000"/>
+              </a:lnSpc>
+              <a:spcBef>
+                <a:spcPts val="0"/>
+              </a:spcBef>
+              <a:spcAft>
+                <a:spcPts val="0"/>
+              </a:spcAft>
+              <a:buSzPts val="1400"/>
+              <a:buFont typeface="Arial" panose="020B0604020202020204" pitchFamily="34" charset="0"/>
+              <a:buChar char="○"/>
+              <a:defRPr kumimoji="1" sz="2400" kern="1200">
+                <a:solidFill>
+                  <a:schemeClr val="tx1"/>
+                </a:solidFill>
+                <a:latin typeface="+mn-lt"/>
+                <a:ea typeface="+mn-ea"/>
+                <a:cs typeface="+mn-cs"/>
+              </a:defRPr>
+            </a:lvl2pPr>
+            <a:lvl3pPr marL="1828754" lvl="2" indent="-423323" algn="l" defTabSz="914400" rtl="0" eaLnBrk="1" latinLnBrk="0" hangingPunct="1">
+              <a:lnSpc>
+                <a:spcPct val="90000"/>
+              </a:lnSpc>
+              <a:spcBef>
+                <a:spcPts val="0"/>
+              </a:spcBef>
+              <a:spcAft>
+                <a:spcPts val="0"/>
+              </a:spcAft>
+              <a:buSzPts val="1400"/>
+              <a:buFont typeface="Arial" panose="020B0604020202020204" pitchFamily="34" charset="0"/>
+              <a:buChar char="■"/>
+              <a:defRPr kumimoji="1" sz="2000" kern="1200">
+                <a:solidFill>
+                  <a:schemeClr val="tx1"/>
+                </a:solidFill>
+                <a:latin typeface="+mn-lt"/>
+                <a:ea typeface="+mn-ea"/>
+                <a:cs typeface="+mn-cs"/>
+              </a:defRPr>
+            </a:lvl3pPr>
+            <a:lvl4pPr marL="2438339" lvl="3" indent="-423323" algn="l" defTabSz="914400" rtl="0" eaLnBrk="1" latinLnBrk="0" hangingPunct="1">
+              <a:lnSpc>
+                <a:spcPct val="90000"/>
+              </a:lnSpc>
+              <a:spcBef>
+                <a:spcPts val="0"/>
+              </a:spcBef>
+              <a:spcAft>
+                <a:spcPts val="0"/>
+              </a:spcAft>
+              <a:buSzPts val="1400"/>
+              <a:buFont typeface="Arial" panose="020B0604020202020204" pitchFamily="34" charset="0"/>
+              <a:buChar char="●"/>
+              <a:defRPr kumimoji="1" sz="1800" kern="1200">
+                <a:solidFill>
+                  <a:schemeClr val="tx1"/>
+                </a:solidFill>
+                <a:latin typeface="+mn-lt"/>
+                <a:ea typeface="+mn-ea"/>
+                <a:cs typeface="+mn-cs"/>
+              </a:defRPr>
+            </a:lvl4pPr>
+            <a:lvl5pPr marL="3047924" lvl="4" indent="-423323" algn="l" defTabSz="914400" rtl="0" eaLnBrk="1" latinLnBrk="0" hangingPunct="1">
+              <a:lnSpc>
+                <a:spcPct val="90000"/>
+              </a:lnSpc>
+              <a:spcBef>
+                <a:spcPts val="0"/>
+              </a:spcBef>
+              <a:spcAft>
+                <a:spcPts val="0"/>
+              </a:spcAft>
+              <a:buSzPts val="1400"/>
+              <a:buFont typeface="Arial" panose="020B0604020202020204" pitchFamily="34" charset="0"/>
+              <a:buChar char="○"/>
+              <a:defRPr kumimoji="1" sz="1800" kern="1200">
+                <a:solidFill>
+                  <a:schemeClr val="tx1"/>
+                </a:solidFill>
+                <a:latin typeface="+mn-lt"/>
+                <a:ea typeface="+mn-ea"/>
+                <a:cs typeface="+mn-cs"/>
+              </a:defRPr>
+            </a:lvl5pPr>
+            <a:lvl6pPr marL="3657509" lvl="5" indent="-423323" algn="l" defTabSz="914400" rtl="0" eaLnBrk="1" latinLnBrk="0" hangingPunct="1">
+              <a:lnSpc>
+                <a:spcPct val="90000"/>
+              </a:lnSpc>
+              <a:spcBef>
+                <a:spcPts val="0"/>
+              </a:spcBef>
+              <a:spcAft>
+                <a:spcPts val="0"/>
+              </a:spcAft>
+              <a:buSzPts val="1400"/>
+              <a:buFont typeface="Arial" panose="020B0604020202020204" pitchFamily="34" charset="0"/>
+              <a:buChar char="■"/>
+              <a:defRPr kumimoji="1" sz="1800" kern="1200">
+                <a:solidFill>
+                  <a:schemeClr val="tx1"/>
+                </a:solidFill>
+                <a:latin typeface="+mn-lt"/>
+                <a:ea typeface="+mn-ea"/>
+                <a:cs typeface="+mn-cs"/>
+              </a:defRPr>
+            </a:lvl6pPr>
+            <a:lvl7pPr marL="4267093" lvl="6" indent="-423323" algn="l" defTabSz="914400" rtl="0" eaLnBrk="1" latinLnBrk="0" hangingPunct="1">
+              <a:lnSpc>
+                <a:spcPct val="90000"/>
+              </a:lnSpc>
+              <a:spcBef>
+                <a:spcPts val="0"/>
+              </a:spcBef>
+              <a:spcAft>
+                <a:spcPts val="0"/>
+              </a:spcAft>
+              <a:buSzPts val="1400"/>
+              <a:buFont typeface="Arial" panose="020B0604020202020204" pitchFamily="34" charset="0"/>
+              <a:buChar char="●"/>
+              <a:defRPr kumimoji="1" sz="1800" kern="1200">
+                <a:solidFill>
+                  <a:schemeClr val="tx1"/>
+                </a:solidFill>
+                <a:latin typeface="+mn-lt"/>
+                <a:ea typeface="+mn-ea"/>
+                <a:cs typeface="+mn-cs"/>
+              </a:defRPr>
+            </a:lvl7pPr>
+            <a:lvl8pPr marL="4876678" lvl="7" indent="-423323" algn="l" defTabSz="914400" rtl="0" eaLnBrk="1" latinLnBrk="0" hangingPunct="1">
+              <a:lnSpc>
+                <a:spcPct val="90000"/>
+              </a:lnSpc>
+              <a:spcBef>
+                <a:spcPts val="0"/>
+              </a:spcBef>
+              <a:spcAft>
+                <a:spcPts val="0"/>
+              </a:spcAft>
+              <a:buSzPts val="1400"/>
+              <a:buFont typeface="Arial" panose="020B0604020202020204" pitchFamily="34" charset="0"/>
+              <a:buChar char="○"/>
+              <a:defRPr kumimoji="1" sz="1800" kern="1200">
+                <a:solidFill>
+                  <a:schemeClr val="tx1"/>
+                </a:solidFill>
+                <a:latin typeface="+mn-lt"/>
+                <a:ea typeface="+mn-ea"/>
+                <a:cs typeface="+mn-cs"/>
+              </a:defRPr>
+            </a:lvl8pPr>
+            <a:lvl9pPr marL="5486263" lvl="8" indent="-423323" algn="l" defTabSz="914400" rtl="0" eaLnBrk="1" latinLnBrk="0" hangingPunct="1">
+              <a:lnSpc>
+                <a:spcPct val="90000"/>
+              </a:lnSpc>
+              <a:spcBef>
+                <a:spcPts val="0"/>
+              </a:spcBef>
+              <a:spcAft>
+                <a:spcPts val="0"/>
+              </a:spcAft>
+              <a:buSzPts val="1400"/>
+              <a:buFont typeface="Arial" panose="020B0604020202020204" pitchFamily="34" charset="0"/>
+              <a:buChar char="■"/>
+              <a:defRPr kumimoji="1" sz="1800" kern="1200">
+                <a:solidFill>
+                  <a:schemeClr val="tx1"/>
+                </a:solidFill>
+                <a:latin typeface="+mn-lt"/>
+                <a:ea typeface="+mn-ea"/>
+                <a:cs typeface="+mn-cs"/>
+              </a:defRPr>
+            </a:lvl9pPr>
+          </a:lstStyle>
+          <a:p>
+            <a:pPr marL="0" indent="0" algn="ctr">
+              <a:buNone/>
+            </a:pPr>
+            <a:r>
+              <a:rPr lang="ja-JP" altLang="en-US" sz="1700" dirty="0"/>
+              <a:t>顧客</a:t>
+            </a:r>
+          </a:p>
+        </p:txBody>
+      </p:sp>
+      <p:pic>
+        <p:nvPicPr>
+          <p:cNvPr id="4" name="グラフィックス 3" descr="男性のプロフィール 枠線">
+            <a:extLst>
+              <a:ext uri="{FF2B5EF4-FFF2-40B4-BE49-F238E27FC236}">
+                <a16:creationId xmlns:a16="http://schemas.microsoft.com/office/drawing/2014/main" id="{2BE08EB2-6300-0CBC-8174-C58BDA81E600}"/>
+              </a:ext>
+            </a:extLst>
+          </p:cNvPr>
+          <p:cNvPicPr>
+            <a:picLocks noChangeAspect="1"/>
+          </p:cNvPicPr>
+          <p:nvPr/>
+        </p:nvPicPr>
+        <p:blipFill>
+          <a:blip r:embed="rId7">
+            <a:extLst>
+              <a:ext uri="{96DAC541-7B7A-43D3-8B79-37D633B846F1}">
+                <asvg:svgBlip xmlns:asvg="http://schemas.microsoft.com/office/drawing/2016/SVG/main" r:embed="rId8"/>
+              </a:ext>
+            </a:extLst>
+          </a:blip>
+          <a:stretch>
+            <a:fillRect/>
+          </a:stretch>
+        </p:blipFill>
+        <p:spPr>
+          <a:xfrm>
+            <a:off x="295177" y="5392631"/>
+            <a:ext cx="914400" cy="914400"/>
+          </a:xfrm>
+          <a:prstGeom prst="rect">
+            <a:avLst/>
+          </a:prstGeom>
+        </p:spPr>
+      </p:pic>
+      <p:sp>
+        <p:nvSpPr>
+          <p:cNvPr id="5" name="矢印: 右 4">
+            <a:extLst>
+              <a:ext uri="{FF2B5EF4-FFF2-40B4-BE49-F238E27FC236}">
+                <a16:creationId xmlns:a16="http://schemas.microsoft.com/office/drawing/2014/main" id="{E68C64EB-1636-BB9F-9CD3-5759509F4923}"/>
+              </a:ext>
+            </a:extLst>
+          </p:cNvPr>
+          <p:cNvSpPr/>
+          <p:nvPr/>
+        </p:nvSpPr>
+        <p:spPr>
+          <a:xfrm>
+            <a:off x="6042615" y="5544663"/>
+            <a:ext cx="1554265" cy="321228"/>
+          </a:xfrm>
+          <a:prstGeom prst="rightArrow">
+            <a:avLst/>
+          </a:prstGeom>
+        </p:spPr>
+        <p:style>
+          <a:lnRef idx="2">
+            <a:schemeClr val="accent1">
+              <a:shade val="15000"/>
+            </a:schemeClr>
+          </a:lnRef>
+          <a:fillRef idx="1">
+            <a:schemeClr val="accent1"/>
+          </a:fillRef>
+          <a:effectRef idx="0">
+            <a:schemeClr val="accent1"/>
+          </a:effectRef>
+          <a:fontRef idx="minor">
+            <a:schemeClr val="lt1"/>
+          </a:fontRef>
+        </p:style>
+        <p:txBody>
+          <a:bodyPr rtlCol="0" anchor="ctr"/>
+          <a:lstStyle/>
+          <a:p>
+            <a:pPr algn="ctr"/>
+            <a:endParaRPr kumimoji="1" lang="ja-JP" altLang="en-US"/>
+          </a:p>
+        </p:txBody>
+      </p:sp>
+      <p:sp>
+        <p:nvSpPr>
+          <p:cNvPr id="7" name="矢印: 右 6">
+            <a:extLst>
+              <a:ext uri="{FF2B5EF4-FFF2-40B4-BE49-F238E27FC236}">
+                <a16:creationId xmlns:a16="http://schemas.microsoft.com/office/drawing/2014/main" id="{39967382-9534-D7EF-9EC7-DC9B29ED420A}"/>
+              </a:ext>
+            </a:extLst>
+          </p:cNvPr>
+          <p:cNvSpPr/>
+          <p:nvPr/>
+        </p:nvSpPr>
+        <p:spPr>
+          <a:xfrm rot="10800000">
+            <a:off x="6007221" y="5865891"/>
+            <a:ext cx="1554265" cy="321228"/>
+          </a:xfrm>
+          <a:prstGeom prst="rightArrow">
+            <a:avLst/>
+          </a:prstGeom>
+        </p:spPr>
+        <p:style>
+          <a:lnRef idx="2">
+            <a:schemeClr val="accent1">
+              <a:shade val="15000"/>
+            </a:schemeClr>
+          </a:lnRef>
+          <a:fillRef idx="1">
+            <a:schemeClr val="accent1"/>
+          </a:fillRef>
+          <a:effectRef idx="0">
+            <a:schemeClr val="accent1"/>
+          </a:effectRef>
+          <a:fontRef idx="minor">
+            <a:schemeClr val="lt1"/>
+          </a:fontRef>
+        </p:style>
+        <p:txBody>
+          <a:bodyPr rtlCol="0" anchor="ctr"/>
+          <a:lstStyle/>
+          <a:p>
+            <a:pPr algn="ctr"/>
+            <a:endParaRPr kumimoji="1" lang="ja-JP" altLang="en-US"/>
+          </a:p>
+        </p:txBody>
+      </p:sp>
+      <p:pic>
+        <p:nvPicPr>
+          <p:cNvPr id="10" name="グラフィックス 9" descr="オフィス ワーカー (男性) 単色塗りつぶし">
+            <a:extLst>
+              <a:ext uri="{FF2B5EF4-FFF2-40B4-BE49-F238E27FC236}">
+                <a16:creationId xmlns:a16="http://schemas.microsoft.com/office/drawing/2014/main" id="{DC9DFB84-92D8-A30D-A7F9-C7D0C173BC18}"/>
+              </a:ext>
+            </a:extLst>
+          </p:cNvPr>
+          <p:cNvPicPr>
+            <a:picLocks noChangeAspect="1"/>
+          </p:cNvPicPr>
+          <p:nvPr/>
+        </p:nvPicPr>
+        <p:blipFill>
+          <a:blip r:embed="rId9">
+            <a:extLst>
+              <a:ext uri="{96DAC541-7B7A-43D3-8B79-37D633B846F1}">
+                <asvg:svgBlip xmlns:asvg="http://schemas.microsoft.com/office/drawing/2016/SVG/main" r:embed="rId10"/>
+              </a:ext>
+            </a:extLst>
+          </a:blip>
+          <a:stretch>
+            <a:fillRect/>
+          </a:stretch>
+        </p:blipFill>
+        <p:spPr>
+          <a:xfrm>
+            <a:off x="8056481" y="5369653"/>
+            <a:ext cx="914400" cy="914400"/>
+          </a:xfrm>
+          <a:prstGeom prst="rect">
+            <a:avLst/>
+          </a:prstGeom>
+        </p:spPr>
+      </p:pic>
+      <p:sp>
+        <p:nvSpPr>
+          <p:cNvPr id="11" name="Google Shape;61;p14">
+            <a:extLst>
+              <a:ext uri="{FF2B5EF4-FFF2-40B4-BE49-F238E27FC236}">
+                <a16:creationId xmlns:a16="http://schemas.microsoft.com/office/drawing/2014/main" id="{C220AEA0-4A65-4BB4-58DD-DD617569C148}"/>
+              </a:ext>
+            </a:extLst>
+          </p:cNvPr>
+          <p:cNvSpPr txBox="1">
+            <a:spLocks/>
+          </p:cNvSpPr>
+          <p:nvPr/>
+        </p:nvSpPr>
+        <p:spPr>
+          <a:xfrm>
+            <a:off x="7286321" y="4783810"/>
+            <a:ext cx="2454719" cy="585843"/>
+          </a:xfrm>
+          <a:prstGeom prst="rect">
+            <a:avLst/>
+          </a:prstGeom>
+        </p:spPr>
+        <p:txBody>
+          <a:bodyPr spcFirstLastPara="1" vert="horz" wrap="square" lIns="121900" tIns="121900" rIns="121900" bIns="121900" rtlCol="0" anchor="t" anchorCtr="0">
+            <a:noAutofit/>
+          </a:bodyPr>
+          <a:lstStyle>
+            <a:lvl1pPr marL="609585" lvl="0" indent="-457189" algn="l" defTabSz="914400" rtl="0" eaLnBrk="1" latinLnBrk="0" hangingPunct="1">
+              <a:lnSpc>
+                <a:spcPct val="90000"/>
+              </a:lnSpc>
+              <a:spcBef>
+                <a:spcPts val="0"/>
+              </a:spcBef>
+              <a:spcAft>
+                <a:spcPts val="0"/>
+              </a:spcAft>
+              <a:buSzPts val="1800"/>
+              <a:buFont typeface="Arial" panose="020B0604020202020204" pitchFamily="34" charset="0"/>
+              <a:buChar char="●"/>
+              <a:defRPr kumimoji="1" sz="2800" kern="1200">
+                <a:solidFill>
+                  <a:schemeClr val="tx1"/>
+                </a:solidFill>
+                <a:latin typeface="+mn-lt"/>
+                <a:ea typeface="+mn-ea"/>
+                <a:cs typeface="+mn-cs"/>
+              </a:defRPr>
+            </a:lvl1pPr>
+            <a:lvl2pPr marL="1219170" lvl="1" indent="-423323" algn="l" defTabSz="914400" rtl="0" eaLnBrk="1" latinLnBrk="0" hangingPunct="1">
+              <a:lnSpc>
+                <a:spcPct val="90000"/>
+              </a:lnSpc>
+              <a:spcBef>
+                <a:spcPts val="0"/>
+              </a:spcBef>
+              <a:spcAft>
+                <a:spcPts val="0"/>
+              </a:spcAft>
+              <a:buSzPts val="1400"/>
+              <a:buFont typeface="Arial" panose="020B0604020202020204" pitchFamily="34" charset="0"/>
+              <a:buChar char="○"/>
+              <a:defRPr kumimoji="1" sz="2400" kern="1200">
+                <a:solidFill>
+                  <a:schemeClr val="tx1"/>
+                </a:solidFill>
+                <a:latin typeface="+mn-lt"/>
+                <a:ea typeface="+mn-ea"/>
+                <a:cs typeface="+mn-cs"/>
+              </a:defRPr>
+            </a:lvl2pPr>
+            <a:lvl3pPr marL="1828754" lvl="2" indent="-423323" algn="l" defTabSz="914400" rtl="0" eaLnBrk="1" latinLnBrk="0" hangingPunct="1">
+              <a:lnSpc>
+                <a:spcPct val="90000"/>
+              </a:lnSpc>
+              <a:spcBef>
+                <a:spcPts val="0"/>
+              </a:spcBef>
+              <a:spcAft>
+                <a:spcPts val="0"/>
+              </a:spcAft>
+              <a:buSzPts val="1400"/>
+              <a:buFont typeface="Arial" panose="020B0604020202020204" pitchFamily="34" charset="0"/>
+              <a:buChar char="■"/>
+              <a:defRPr kumimoji="1" sz="2000" kern="1200">
+                <a:solidFill>
+                  <a:schemeClr val="tx1"/>
+                </a:solidFill>
+                <a:latin typeface="+mn-lt"/>
+                <a:ea typeface="+mn-ea"/>
+                <a:cs typeface="+mn-cs"/>
+              </a:defRPr>
+            </a:lvl3pPr>
+            <a:lvl4pPr marL="2438339" lvl="3" indent="-423323" algn="l" defTabSz="914400" rtl="0" eaLnBrk="1" latinLnBrk="0" hangingPunct="1">
+              <a:lnSpc>
+                <a:spcPct val="90000"/>
+              </a:lnSpc>
+              <a:spcBef>
+                <a:spcPts val="0"/>
+              </a:spcBef>
+              <a:spcAft>
+                <a:spcPts val="0"/>
+              </a:spcAft>
+              <a:buSzPts val="1400"/>
+              <a:buFont typeface="Arial" panose="020B0604020202020204" pitchFamily="34" charset="0"/>
+              <a:buChar char="●"/>
+              <a:defRPr kumimoji="1" sz="1800" kern="1200">
+                <a:solidFill>
+                  <a:schemeClr val="tx1"/>
+                </a:solidFill>
+                <a:latin typeface="+mn-lt"/>
+                <a:ea typeface="+mn-ea"/>
+                <a:cs typeface="+mn-cs"/>
+              </a:defRPr>
+            </a:lvl4pPr>
+            <a:lvl5pPr marL="3047924" lvl="4" indent="-423323" algn="l" defTabSz="914400" rtl="0" eaLnBrk="1" latinLnBrk="0" hangingPunct="1">
+              <a:lnSpc>
+                <a:spcPct val="90000"/>
+              </a:lnSpc>
+              <a:spcBef>
+                <a:spcPts val="0"/>
+              </a:spcBef>
+              <a:spcAft>
+                <a:spcPts val="0"/>
+              </a:spcAft>
+              <a:buSzPts val="1400"/>
+              <a:buFont typeface="Arial" panose="020B0604020202020204" pitchFamily="34" charset="0"/>
+              <a:buChar char="○"/>
+              <a:defRPr kumimoji="1" sz="1800" kern="1200">
+                <a:solidFill>
+                  <a:schemeClr val="tx1"/>
+                </a:solidFill>
+                <a:latin typeface="+mn-lt"/>
+                <a:ea typeface="+mn-ea"/>
+                <a:cs typeface="+mn-cs"/>
+              </a:defRPr>
+            </a:lvl5pPr>
+            <a:lvl6pPr marL="3657509" lvl="5" indent="-423323" algn="l" defTabSz="914400" rtl="0" eaLnBrk="1" latinLnBrk="0" hangingPunct="1">
+              <a:lnSpc>
+                <a:spcPct val="90000"/>
+              </a:lnSpc>
+              <a:spcBef>
+                <a:spcPts val="0"/>
+              </a:spcBef>
+              <a:spcAft>
+                <a:spcPts val="0"/>
+              </a:spcAft>
+              <a:buSzPts val="1400"/>
+              <a:buFont typeface="Arial" panose="020B0604020202020204" pitchFamily="34" charset="0"/>
+              <a:buChar char="■"/>
+              <a:defRPr kumimoji="1" sz="1800" kern="1200">
+                <a:solidFill>
+                  <a:schemeClr val="tx1"/>
+                </a:solidFill>
+                <a:latin typeface="+mn-lt"/>
+                <a:ea typeface="+mn-ea"/>
+                <a:cs typeface="+mn-cs"/>
+              </a:defRPr>
+            </a:lvl6pPr>
+            <a:lvl7pPr marL="4267093" lvl="6" indent="-423323" algn="l" defTabSz="914400" rtl="0" eaLnBrk="1" latinLnBrk="0" hangingPunct="1">
+              <a:lnSpc>
+                <a:spcPct val="90000"/>
+              </a:lnSpc>
+              <a:spcBef>
+                <a:spcPts val="0"/>
+              </a:spcBef>
+              <a:spcAft>
+                <a:spcPts val="0"/>
+              </a:spcAft>
+              <a:buSzPts val="1400"/>
+              <a:buFont typeface="Arial" panose="020B0604020202020204" pitchFamily="34" charset="0"/>
+              <a:buChar char="●"/>
+              <a:defRPr kumimoji="1" sz="1800" kern="1200">
+                <a:solidFill>
+                  <a:schemeClr val="tx1"/>
+                </a:solidFill>
+                <a:latin typeface="+mn-lt"/>
+                <a:ea typeface="+mn-ea"/>
+                <a:cs typeface="+mn-cs"/>
+              </a:defRPr>
+            </a:lvl7pPr>
+            <a:lvl8pPr marL="4876678" lvl="7" indent="-423323" algn="l" defTabSz="914400" rtl="0" eaLnBrk="1" latinLnBrk="0" hangingPunct="1">
+              <a:lnSpc>
+                <a:spcPct val="90000"/>
+              </a:lnSpc>
+              <a:spcBef>
+                <a:spcPts val="0"/>
+              </a:spcBef>
+              <a:spcAft>
+                <a:spcPts val="0"/>
+              </a:spcAft>
+              <a:buSzPts val="1400"/>
+              <a:buFont typeface="Arial" panose="020B0604020202020204" pitchFamily="34" charset="0"/>
+              <a:buChar char="○"/>
+              <a:defRPr kumimoji="1" sz="1800" kern="1200">
+                <a:solidFill>
+                  <a:schemeClr val="tx1"/>
+                </a:solidFill>
+                <a:latin typeface="+mn-lt"/>
+                <a:ea typeface="+mn-ea"/>
+                <a:cs typeface="+mn-cs"/>
+              </a:defRPr>
+            </a:lvl8pPr>
+            <a:lvl9pPr marL="5486263" lvl="8" indent="-423323" algn="l" defTabSz="914400" rtl="0" eaLnBrk="1" latinLnBrk="0" hangingPunct="1">
+              <a:lnSpc>
+                <a:spcPct val="90000"/>
+              </a:lnSpc>
+              <a:spcBef>
+                <a:spcPts val="0"/>
+              </a:spcBef>
+              <a:spcAft>
+                <a:spcPts val="0"/>
+              </a:spcAft>
+              <a:buSzPts val="1400"/>
+              <a:buFont typeface="Arial" panose="020B0604020202020204" pitchFamily="34" charset="0"/>
+              <a:buChar char="■"/>
+              <a:defRPr kumimoji="1" sz="1800" kern="1200">
+                <a:solidFill>
+                  <a:schemeClr val="tx1"/>
+                </a:solidFill>
+                <a:latin typeface="+mn-lt"/>
+                <a:ea typeface="+mn-ea"/>
+                <a:cs typeface="+mn-cs"/>
+              </a:defRPr>
+            </a:lvl9pPr>
+          </a:lstStyle>
+          <a:p>
+            <a:pPr marL="0" indent="0" algn="ctr">
+              <a:buNone/>
+            </a:pPr>
+            <a:r>
+              <a:rPr lang="ja-JP" altLang="en-US" sz="1700" dirty="0"/>
+              <a:t>カスタマーサービス部メンバー</a:t>
+            </a:r>
+          </a:p>
+        </p:txBody>
+      </p:sp>
+      <p:sp>
+        <p:nvSpPr>
+          <p:cNvPr id="12" name="テキスト ボックス 11">
+            <a:extLst>
+              <a:ext uri="{FF2B5EF4-FFF2-40B4-BE49-F238E27FC236}">
+                <a16:creationId xmlns:a16="http://schemas.microsoft.com/office/drawing/2014/main" id="{1B2C323D-CDF5-F5E0-B730-B396A01FB653}"/>
+              </a:ext>
+            </a:extLst>
+          </p:cNvPr>
+          <p:cNvSpPr txBox="1"/>
+          <p:nvPr/>
+        </p:nvSpPr>
+        <p:spPr>
+          <a:xfrm>
+            <a:off x="5789188" y="5114326"/>
+            <a:ext cx="2476805" cy="353943"/>
+          </a:xfrm>
+          <a:prstGeom prst="rect">
+            <a:avLst/>
+          </a:prstGeom>
+          <a:noFill/>
+          <a:ln>
+            <a:noFill/>
+          </a:ln>
+        </p:spPr>
+        <p:txBody>
+          <a:bodyPr wrap="square" rtlCol="0">
+            <a:spAutoFit/>
+          </a:bodyPr>
+          <a:lstStyle/>
+          <a:p>
+            <a:r>
+              <a:rPr lang="ja-JP" altLang="en-US" sz="1700" dirty="0"/>
+              <a:t>・</a:t>
+            </a:r>
+            <a:r>
+              <a:rPr lang="en-US" altLang="ja-JP" sz="1700" dirty="0"/>
+              <a:t>EC</a:t>
+            </a:r>
+            <a:r>
+              <a:rPr lang="ja-JP" altLang="en-US" sz="1700" dirty="0"/>
+              <a:t>在庫数表示</a:t>
+            </a:r>
+            <a:endParaRPr lang="en-US" altLang="ja-JP" sz="1700" dirty="0"/>
+          </a:p>
+        </p:txBody>
+      </p:sp>
+      <p:sp>
+        <p:nvSpPr>
+          <p:cNvPr id="15" name="テキスト ボックス 14">
+            <a:extLst>
+              <a:ext uri="{FF2B5EF4-FFF2-40B4-BE49-F238E27FC236}">
+                <a16:creationId xmlns:a16="http://schemas.microsoft.com/office/drawing/2014/main" id="{F08BB194-DD62-38DD-6653-0873F69E32F7}"/>
+              </a:ext>
+            </a:extLst>
+          </p:cNvPr>
+          <p:cNvSpPr txBox="1"/>
+          <p:nvPr/>
+        </p:nvSpPr>
+        <p:spPr>
+          <a:xfrm>
+            <a:off x="5902517" y="6239521"/>
+            <a:ext cx="2476805" cy="353943"/>
+          </a:xfrm>
+          <a:prstGeom prst="rect">
+            <a:avLst/>
+          </a:prstGeom>
+          <a:noFill/>
+          <a:ln>
+            <a:noFill/>
+          </a:ln>
+        </p:spPr>
+        <p:txBody>
+          <a:bodyPr wrap="square" rtlCol="0">
+            <a:spAutoFit/>
+          </a:bodyPr>
+          <a:lstStyle/>
+          <a:p>
+            <a:r>
+              <a:rPr lang="ja-JP" altLang="en-US" sz="1700" dirty="0"/>
+              <a:t>・</a:t>
+            </a:r>
+            <a:r>
+              <a:rPr lang="en-US" altLang="ja-JP" sz="1700" dirty="0"/>
+              <a:t>EC</a:t>
+            </a:r>
+            <a:r>
+              <a:rPr lang="ja-JP" altLang="en-US" sz="1700" dirty="0"/>
+              <a:t>在庫確認</a:t>
+            </a:r>
+            <a:endParaRPr lang="en-US" altLang="ja-JP" sz="1700" dirty="0"/>
+          </a:p>
+        </p:txBody>
+      </p:sp>
+      <p:sp>
+        <p:nvSpPr>
+          <p:cNvPr id="6" name="スライド番号プレースホルダー 5">
+            <a:extLst>
+              <a:ext uri="{FF2B5EF4-FFF2-40B4-BE49-F238E27FC236}">
+                <a16:creationId xmlns:a16="http://schemas.microsoft.com/office/drawing/2014/main" id="{C5E03DBC-AEE9-699B-F5DF-69B928A3040D}"/>
+              </a:ext>
+            </a:extLst>
+          </p:cNvPr>
+          <p:cNvSpPr>
+            <a:spLocks noGrp="1"/>
+          </p:cNvSpPr>
+          <p:nvPr>
+            <p:ph type="sldNum" idx="12"/>
+          </p:nvPr>
+        </p:nvSpPr>
+        <p:spPr>
+          <a:xfrm>
+            <a:off x="11296611" y="6279615"/>
+            <a:ext cx="731600" cy="524800"/>
+          </a:xfrm>
+        </p:spPr>
+        <p:txBody>
+          <a:bodyPr/>
+          <a:lstStyle/>
+          <a:p>
+            <a:fld id="{00000000-1234-1234-1234-123412341234}" type="slidenum">
+              <a:rPr lang="en-US" altLang="ja" smtClean="0"/>
+              <a:pPr/>
+              <a:t>13</a:t>
+            </a:fld>
+            <a:endParaRPr lang="ja" altLang="en-US"/>
+          </a:p>
+        </p:txBody>
+      </p:sp>
+      <p:sp>
+        <p:nvSpPr>
+          <p:cNvPr id="16" name="Google Shape;61;p14">
+            <a:extLst>
+              <a:ext uri="{FF2B5EF4-FFF2-40B4-BE49-F238E27FC236}">
+                <a16:creationId xmlns:a16="http://schemas.microsoft.com/office/drawing/2014/main" id="{A845D54D-0DC1-56B8-04F7-F744A4E248F9}"/>
+              </a:ext>
+            </a:extLst>
+          </p:cNvPr>
+          <p:cNvSpPr txBox="1">
+            <a:spLocks/>
+          </p:cNvSpPr>
+          <p:nvPr/>
+        </p:nvSpPr>
+        <p:spPr>
+          <a:xfrm>
+            <a:off x="10679781" y="4910601"/>
+            <a:ext cx="914400" cy="585843"/>
+          </a:xfrm>
+          <a:prstGeom prst="rect">
+            <a:avLst/>
+          </a:prstGeom>
+        </p:spPr>
+        <p:txBody>
+          <a:bodyPr spcFirstLastPara="1" vert="horz" wrap="square" lIns="121900" tIns="121900" rIns="121900" bIns="121900" rtlCol="0" anchor="t" anchorCtr="0">
+            <a:noAutofit/>
+          </a:bodyPr>
+          <a:lstStyle>
+            <a:lvl1pPr marL="609585" lvl="0" indent="-457189" algn="l" defTabSz="914400" rtl="0" eaLnBrk="1" latinLnBrk="0" hangingPunct="1">
+              <a:lnSpc>
+                <a:spcPct val="90000"/>
+              </a:lnSpc>
+              <a:spcBef>
+                <a:spcPts val="0"/>
+              </a:spcBef>
+              <a:spcAft>
+                <a:spcPts val="0"/>
+              </a:spcAft>
+              <a:buSzPts val="1800"/>
+              <a:buFont typeface="Arial" panose="020B0604020202020204" pitchFamily="34" charset="0"/>
+              <a:buChar char="●"/>
+              <a:defRPr kumimoji="1" sz="2800" kern="1200">
+                <a:solidFill>
+                  <a:schemeClr val="tx1"/>
+                </a:solidFill>
+                <a:latin typeface="+mn-lt"/>
+                <a:ea typeface="+mn-ea"/>
+                <a:cs typeface="+mn-cs"/>
+              </a:defRPr>
+            </a:lvl1pPr>
+            <a:lvl2pPr marL="1219170" lvl="1" indent="-423323" algn="l" defTabSz="914400" rtl="0" eaLnBrk="1" latinLnBrk="0" hangingPunct="1">
+              <a:lnSpc>
+                <a:spcPct val="90000"/>
+              </a:lnSpc>
+              <a:spcBef>
+                <a:spcPts val="0"/>
+              </a:spcBef>
+              <a:spcAft>
+                <a:spcPts val="0"/>
+              </a:spcAft>
+              <a:buSzPts val="1400"/>
+              <a:buFont typeface="Arial" panose="020B0604020202020204" pitchFamily="34" charset="0"/>
+              <a:buChar char="○"/>
+              <a:defRPr kumimoji="1" sz="2400" kern="1200">
+                <a:solidFill>
+                  <a:schemeClr val="tx1"/>
+                </a:solidFill>
+                <a:latin typeface="+mn-lt"/>
+                <a:ea typeface="+mn-ea"/>
+                <a:cs typeface="+mn-cs"/>
+              </a:defRPr>
+            </a:lvl2pPr>
+            <a:lvl3pPr marL="1828754" lvl="2" indent="-423323" algn="l" defTabSz="914400" rtl="0" eaLnBrk="1" latinLnBrk="0" hangingPunct="1">
+              <a:lnSpc>
+                <a:spcPct val="90000"/>
+              </a:lnSpc>
+              <a:spcBef>
+                <a:spcPts val="0"/>
+              </a:spcBef>
+              <a:spcAft>
+                <a:spcPts val="0"/>
+              </a:spcAft>
+              <a:buSzPts val="1400"/>
+              <a:buFont typeface="Arial" panose="020B0604020202020204" pitchFamily="34" charset="0"/>
+              <a:buChar char="■"/>
+              <a:defRPr kumimoji="1" sz="2000" kern="1200">
+                <a:solidFill>
+                  <a:schemeClr val="tx1"/>
+                </a:solidFill>
+                <a:latin typeface="+mn-lt"/>
+                <a:ea typeface="+mn-ea"/>
+                <a:cs typeface="+mn-cs"/>
+              </a:defRPr>
+            </a:lvl3pPr>
+            <a:lvl4pPr marL="2438339" lvl="3" indent="-423323" algn="l" defTabSz="914400" rtl="0" eaLnBrk="1" latinLnBrk="0" hangingPunct="1">
+              <a:lnSpc>
+                <a:spcPct val="90000"/>
+              </a:lnSpc>
+              <a:spcBef>
+                <a:spcPts val="0"/>
+              </a:spcBef>
+              <a:spcAft>
+                <a:spcPts val="0"/>
+              </a:spcAft>
+              <a:buSzPts val="1400"/>
+              <a:buFont typeface="Arial" panose="020B0604020202020204" pitchFamily="34" charset="0"/>
+              <a:buChar char="●"/>
+              <a:defRPr kumimoji="1" sz="1800" kern="1200">
+                <a:solidFill>
+                  <a:schemeClr val="tx1"/>
+                </a:solidFill>
+                <a:latin typeface="+mn-lt"/>
+                <a:ea typeface="+mn-ea"/>
+                <a:cs typeface="+mn-cs"/>
+              </a:defRPr>
+            </a:lvl4pPr>
+            <a:lvl5pPr marL="3047924" lvl="4" indent="-423323" algn="l" defTabSz="914400" rtl="0" eaLnBrk="1" latinLnBrk="0" hangingPunct="1">
+              <a:lnSpc>
+                <a:spcPct val="90000"/>
+              </a:lnSpc>
+              <a:spcBef>
+                <a:spcPts val="0"/>
+              </a:spcBef>
+              <a:spcAft>
+                <a:spcPts val="0"/>
+              </a:spcAft>
+              <a:buSzPts val="1400"/>
+              <a:buFont typeface="Arial" panose="020B0604020202020204" pitchFamily="34" charset="0"/>
+              <a:buChar char="○"/>
+              <a:defRPr kumimoji="1" sz="1800" kern="1200">
+                <a:solidFill>
+                  <a:schemeClr val="tx1"/>
+                </a:solidFill>
+                <a:latin typeface="+mn-lt"/>
+                <a:ea typeface="+mn-ea"/>
+                <a:cs typeface="+mn-cs"/>
+              </a:defRPr>
+            </a:lvl5pPr>
+            <a:lvl6pPr marL="3657509" lvl="5" indent="-423323" algn="l" defTabSz="914400" rtl="0" eaLnBrk="1" latinLnBrk="0" hangingPunct="1">
+              <a:lnSpc>
+                <a:spcPct val="90000"/>
+              </a:lnSpc>
+              <a:spcBef>
+                <a:spcPts val="0"/>
+              </a:spcBef>
+              <a:spcAft>
+                <a:spcPts val="0"/>
+              </a:spcAft>
+              <a:buSzPts val="1400"/>
+              <a:buFont typeface="Arial" panose="020B0604020202020204" pitchFamily="34" charset="0"/>
+              <a:buChar char="■"/>
+              <a:defRPr kumimoji="1" sz="1800" kern="1200">
+                <a:solidFill>
+                  <a:schemeClr val="tx1"/>
+                </a:solidFill>
+                <a:latin typeface="+mn-lt"/>
+                <a:ea typeface="+mn-ea"/>
+                <a:cs typeface="+mn-cs"/>
+              </a:defRPr>
+            </a:lvl6pPr>
+            <a:lvl7pPr marL="4267093" lvl="6" indent="-423323" algn="l" defTabSz="914400" rtl="0" eaLnBrk="1" latinLnBrk="0" hangingPunct="1">
+              <a:lnSpc>
+                <a:spcPct val="90000"/>
+              </a:lnSpc>
+              <a:spcBef>
+                <a:spcPts val="0"/>
+              </a:spcBef>
+              <a:spcAft>
+                <a:spcPts val="0"/>
+              </a:spcAft>
+              <a:buSzPts val="1400"/>
+              <a:buFont typeface="Arial" panose="020B0604020202020204" pitchFamily="34" charset="0"/>
+              <a:buChar char="●"/>
+              <a:defRPr kumimoji="1" sz="1800" kern="1200">
+                <a:solidFill>
+                  <a:schemeClr val="tx1"/>
+                </a:solidFill>
+                <a:latin typeface="+mn-lt"/>
+                <a:ea typeface="+mn-ea"/>
+                <a:cs typeface="+mn-cs"/>
+              </a:defRPr>
+            </a:lvl7pPr>
+            <a:lvl8pPr marL="4876678" lvl="7" indent="-423323" algn="l" defTabSz="914400" rtl="0" eaLnBrk="1" latinLnBrk="0" hangingPunct="1">
+              <a:lnSpc>
+                <a:spcPct val="90000"/>
+              </a:lnSpc>
+              <a:spcBef>
+                <a:spcPts val="0"/>
+              </a:spcBef>
+              <a:spcAft>
+                <a:spcPts val="0"/>
+              </a:spcAft>
+              <a:buSzPts val="1400"/>
+              <a:buFont typeface="Arial" panose="020B0604020202020204" pitchFamily="34" charset="0"/>
+              <a:buChar char="○"/>
+              <a:defRPr kumimoji="1" sz="1800" kern="1200">
+                <a:solidFill>
+                  <a:schemeClr val="tx1"/>
+                </a:solidFill>
+                <a:latin typeface="+mn-lt"/>
+                <a:ea typeface="+mn-ea"/>
+                <a:cs typeface="+mn-cs"/>
+              </a:defRPr>
+            </a:lvl8pPr>
+            <a:lvl9pPr marL="5486263" lvl="8" indent="-423323" algn="l" defTabSz="914400" rtl="0" eaLnBrk="1" latinLnBrk="0" hangingPunct="1">
+              <a:lnSpc>
+                <a:spcPct val="90000"/>
+              </a:lnSpc>
+              <a:spcBef>
+                <a:spcPts val="0"/>
+              </a:spcBef>
+              <a:spcAft>
+                <a:spcPts val="0"/>
+              </a:spcAft>
+              <a:buSzPts val="1400"/>
+              <a:buFont typeface="Arial" panose="020B0604020202020204" pitchFamily="34" charset="0"/>
+              <a:buChar char="■"/>
+              <a:defRPr kumimoji="1" sz="1800" kern="1200">
+                <a:solidFill>
+                  <a:schemeClr val="tx1"/>
+                </a:solidFill>
+                <a:latin typeface="+mn-lt"/>
+                <a:ea typeface="+mn-ea"/>
+                <a:cs typeface="+mn-cs"/>
+              </a:defRPr>
+            </a:lvl9pPr>
+          </a:lstStyle>
+          <a:p>
+            <a:pPr marL="0" indent="0" algn="ctr">
+              <a:buNone/>
+            </a:pPr>
+            <a:r>
+              <a:rPr lang="ja-JP" altLang="en-US" sz="1700" dirty="0"/>
+              <a:t>顧客</a:t>
+            </a:r>
+          </a:p>
+        </p:txBody>
+      </p:sp>
+      <p:pic>
+        <p:nvPicPr>
+          <p:cNvPr id="22" name="グラフィックス 21" descr="男性のプロフィール 枠線">
+            <a:extLst>
+              <a:ext uri="{FF2B5EF4-FFF2-40B4-BE49-F238E27FC236}">
+                <a16:creationId xmlns:a16="http://schemas.microsoft.com/office/drawing/2014/main" id="{7948D86D-F20F-8F7D-7587-E8ABC01C6A2C}"/>
+              </a:ext>
+            </a:extLst>
+          </p:cNvPr>
+          <p:cNvPicPr>
+            <a:picLocks noChangeAspect="1"/>
+          </p:cNvPicPr>
+          <p:nvPr/>
+        </p:nvPicPr>
+        <p:blipFill>
+          <a:blip r:embed="rId7">
+            <a:extLst>
+              <a:ext uri="{96DAC541-7B7A-43D3-8B79-37D633B846F1}">
+                <asvg:svgBlip xmlns:asvg="http://schemas.microsoft.com/office/drawing/2016/SVG/main" r:embed="rId8"/>
+              </a:ext>
+            </a:extLst>
+          </a:blip>
+          <a:stretch>
+            <a:fillRect/>
+          </a:stretch>
+        </p:blipFill>
+        <p:spPr>
+          <a:xfrm>
+            <a:off x="10680900" y="5354200"/>
+            <a:ext cx="914400" cy="914400"/>
+          </a:xfrm>
+          <a:prstGeom prst="rect">
+            <a:avLst/>
+          </a:prstGeom>
+        </p:spPr>
+      </p:pic>
+      <p:sp>
+        <p:nvSpPr>
+          <p:cNvPr id="23" name="矢印: 右 22">
+            <a:extLst>
+              <a:ext uri="{FF2B5EF4-FFF2-40B4-BE49-F238E27FC236}">
+                <a16:creationId xmlns:a16="http://schemas.microsoft.com/office/drawing/2014/main" id="{3E77222A-284A-9B08-5F7E-268AE8BF970E}"/>
+              </a:ext>
+            </a:extLst>
+          </p:cNvPr>
+          <p:cNvSpPr/>
+          <p:nvPr/>
+        </p:nvSpPr>
+        <p:spPr>
+          <a:xfrm rot="10800000">
+            <a:off x="9470700" y="5643973"/>
+            <a:ext cx="914399" cy="321228"/>
+          </a:xfrm>
+          <a:prstGeom prst="rightArrow">
+            <a:avLst/>
+          </a:prstGeom>
+        </p:spPr>
+        <p:style>
+          <a:lnRef idx="2">
+            <a:schemeClr val="accent1">
+              <a:shade val="15000"/>
+            </a:schemeClr>
+          </a:lnRef>
+          <a:fillRef idx="1">
+            <a:schemeClr val="accent1"/>
+          </a:fillRef>
+          <a:effectRef idx="0">
+            <a:schemeClr val="accent1"/>
+          </a:effectRef>
+          <a:fontRef idx="minor">
+            <a:schemeClr val="lt1"/>
+          </a:fontRef>
+        </p:style>
+        <p:txBody>
+          <a:bodyPr rtlCol="0" anchor="ctr"/>
+          <a:lstStyle/>
+          <a:p>
+            <a:pPr algn="ctr"/>
+            <a:endParaRPr kumimoji="1" lang="ja-JP" altLang="en-US"/>
+          </a:p>
+        </p:txBody>
+      </p:sp>
+      <p:sp>
+        <p:nvSpPr>
+          <p:cNvPr id="24" name="テキスト ボックス 23">
+            <a:extLst>
+              <a:ext uri="{FF2B5EF4-FFF2-40B4-BE49-F238E27FC236}">
+                <a16:creationId xmlns:a16="http://schemas.microsoft.com/office/drawing/2014/main" id="{88F3377E-5DE2-1923-F44B-1D08078395DB}"/>
+              </a:ext>
+            </a:extLst>
+          </p:cNvPr>
+          <p:cNvSpPr txBox="1"/>
+          <p:nvPr/>
+        </p:nvSpPr>
+        <p:spPr>
+          <a:xfrm>
+            <a:off x="8888323" y="5366828"/>
+            <a:ext cx="2476805" cy="353943"/>
+          </a:xfrm>
+          <a:prstGeom prst="rect">
+            <a:avLst/>
+          </a:prstGeom>
+          <a:noFill/>
+          <a:ln>
+            <a:noFill/>
+          </a:ln>
+        </p:spPr>
+        <p:txBody>
+          <a:bodyPr wrap="square" rtlCol="0">
+            <a:spAutoFit/>
+          </a:bodyPr>
+          <a:lstStyle/>
+          <a:p>
+            <a:r>
+              <a:rPr lang="ja-JP" altLang="en-US" sz="1700" dirty="0"/>
+              <a:t>・在庫問い合わせ</a:t>
+            </a:r>
+            <a:endParaRPr lang="en-US" altLang="ja-JP" sz="1700" dirty="0"/>
+          </a:p>
+        </p:txBody>
+      </p:sp>
+      <p:sp>
+        <p:nvSpPr>
+          <p:cNvPr id="26" name="矢印: 右 25">
+            <a:extLst>
+              <a:ext uri="{FF2B5EF4-FFF2-40B4-BE49-F238E27FC236}">
+                <a16:creationId xmlns:a16="http://schemas.microsoft.com/office/drawing/2014/main" id="{81DC2449-1372-FEF0-02DC-DEBAB21E5799}"/>
+              </a:ext>
+            </a:extLst>
+          </p:cNvPr>
+          <p:cNvSpPr/>
+          <p:nvPr/>
+        </p:nvSpPr>
+        <p:spPr>
+          <a:xfrm>
+            <a:off x="9534308" y="5918293"/>
+            <a:ext cx="914399" cy="321228"/>
+          </a:xfrm>
+          <a:prstGeom prst="rightArrow">
+            <a:avLst/>
+          </a:prstGeom>
+        </p:spPr>
+        <p:style>
+          <a:lnRef idx="2">
+            <a:schemeClr val="accent1">
+              <a:shade val="15000"/>
+            </a:schemeClr>
+          </a:lnRef>
+          <a:fillRef idx="1">
+            <a:schemeClr val="accent1"/>
+          </a:fillRef>
+          <a:effectRef idx="0">
+            <a:schemeClr val="accent1"/>
+          </a:effectRef>
+          <a:fontRef idx="minor">
+            <a:schemeClr val="lt1"/>
+          </a:fontRef>
+        </p:style>
+        <p:txBody>
+          <a:bodyPr rtlCol="0" anchor="ctr"/>
+          <a:lstStyle/>
+          <a:p>
+            <a:pPr algn="ctr"/>
+            <a:endParaRPr kumimoji="1" lang="ja-JP" altLang="en-US"/>
+          </a:p>
+        </p:txBody>
+      </p:sp>
+      <p:sp>
+        <p:nvSpPr>
+          <p:cNvPr id="27" name="テキスト ボックス 26">
+            <a:extLst>
+              <a:ext uri="{FF2B5EF4-FFF2-40B4-BE49-F238E27FC236}">
+                <a16:creationId xmlns:a16="http://schemas.microsoft.com/office/drawing/2014/main" id="{56B387FA-A704-BFB0-2C48-1F2321E56A87}"/>
+              </a:ext>
+            </a:extLst>
+          </p:cNvPr>
+          <p:cNvSpPr txBox="1"/>
+          <p:nvPr/>
+        </p:nvSpPr>
+        <p:spPr>
+          <a:xfrm>
+            <a:off x="8961990" y="6185149"/>
+            <a:ext cx="2476805" cy="353943"/>
+          </a:xfrm>
+          <a:prstGeom prst="rect">
+            <a:avLst/>
+          </a:prstGeom>
+          <a:noFill/>
+          <a:ln>
+            <a:noFill/>
+          </a:ln>
+        </p:spPr>
+        <p:txBody>
+          <a:bodyPr wrap="square" rtlCol="0">
+            <a:spAutoFit/>
+          </a:bodyPr>
+          <a:lstStyle/>
+          <a:p>
+            <a:r>
+              <a:rPr lang="ja-JP" altLang="en-US" sz="1700" dirty="0"/>
+              <a:t>・問い合わせ回答</a:t>
+            </a:r>
+            <a:endParaRPr lang="en-US" altLang="ja-JP" sz="1700" dirty="0"/>
+          </a:p>
+        </p:txBody>
+      </p:sp>
+    </p:spTree>
+    <p:extLst>
+      <p:ext uri="{BB962C8B-B14F-4D97-AF65-F5344CB8AC3E}">
+        <p14:creationId xmlns:p14="http://schemas.microsoft.com/office/powerpoint/2010/main" val="981384713"/>
+      </p:ext>
+    </p:extLst>
+  </p:cSld>
+  <p:clrMapOvr>
+    <a:masterClrMapping/>
+  </p:clrMapOvr>
+</p:sld>
+</file>
+
+<file path=ppt/slides/slide14.xml><?xml version="1.0" encoding="utf-8"?>
 <p:sld xmlns:a="http://schemas.openxmlformats.org/drawingml/2006/main" xmlns:r="http://schemas.openxmlformats.org/officeDocument/2006/relationships" xmlns:p="http://schemas.openxmlformats.org/presentationml/2006/main">
   <p:cSld>
     <p:spTree>
@@ -13171,7 +15560,7 @@
             <a:fld id="{00000000-1234-1234-1234-123412341234}" type="slidenum">
               <a:rPr lang="en-US" altLang="ja" smtClean="0"/>
               <a:pPr/>
-              <a:t>13</a:t>
+              <a:t>14</a:t>
             </a:fld>
             <a:endParaRPr lang="ja" altLang="en-US"/>
           </a:p>
@@ -13190,7 +15579,7 @@
 </p:sld>
 </file>
 
-<file path=ppt/slides/slide14.xml><?xml version="1.0" encoding="utf-8"?>
+<file path=ppt/slides/slide15.xml><?xml version="1.0" encoding="utf-8"?>
 <p:sld xmlns:a="http://schemas.openxmlformats.org/drawingml/2006/main" xmlns:r="http://schemas.openxmlformats.org/officeDocument/2006/relationships" xmlns:p="http://schemas.openxmlformats.org/presentationml/2006/main">
   <p:cSld>
     <p:spTree>
@@ -14818,7 +17207,7 @@
             <a:fld id="{00000000-1234-1234-1234-123412341234}" type="slidenum">
               <a:rPr lang="en-US" altLang="ja" smtClean="0"/>
               <a:pPr/>
-              <a:t>14</a:t>
+              <a:t>15</a:t>
             </a:fld>
             <a:endParaRPr lang="ja" altLang="en-US"/>
           </a:p>
@@ -14918,14 +17307,14 @@
           <p:nvPr>
             <p:extLst>
               <p:ext uri="{D42A27DB-BD31-4B8C-83A1-F6EECF244321}">
-                <p14:modId xmlns:p14="http://schemas.microsoft.com/office/powerpoint/2010/main" val="1139480734"/>
+                <p14:modId xmlns:p14="http://schemas.microsoft.com/office/powerpoint/2010/main" val="985966044"/>
               </p:ext>
             </p:extLst>
           </p:nvPr>
         </p:nvGraphicFramePr>
         <p:xfrm>
           <a:off x="997527" y="1734820"/>
-          <a:ext cx="10815783" cy="4028440"/>
+          <a:ext cx="10815783" cy="4302760"/>
         </p:xfrm>
         <a:graphic>
           <a:graphicData uri="http://schemas.openxmlformats.org/drawingml/2006/table">
@@ -15759,7 +18148,7 @@
                       <a:r>
                         <a:rPr kumimoji="1" lang="ja-JP" altLang="en-US" dirty="0">
                           <a:solidFill>
-                            <a:srgbClr val="FF0000"/>
+                            <a:schemeClr val="tx1"/>
                           </a:solidFill>
                         </a:rPr>
                         <a:t>ハイパーユーザ</a:t>
@@ -15820,7 +18209,7 @@
                       <a:r>
                         <a:rPr kumimoji="1" lang="ja-JP" altLang="en-US" dirty="0">
                           <a:solidFill>
-                            <a:srgbClr val="FF0000"/>
+                            <a:schemeClr val="tx1"/>
                           </a:solidFill>
                         </a:rPr>
                         <a:t>サイト管理者用のアカウント管理</a:t>
@@ -15828,7 +18217,7 @@
                       <a:r>
                         <a:rPr kumimoji="1" lang="en-US" altLang="ja-JP" dirty="0">
                           <a:solidFill>
-                            <a:srgbClr val="FF0000"/>
+                            <a:schemeClr val="tx1"/>
                           </a:solidFill>
                         </a:rPr>
                         <a:t>(</a:t>
@@ -15836,7 +18225,7 @@
                       <a:r>
                         <a:rPr kumimoji="1" lang="ja-JP" altLang="en-US" dirty="0">
                           <a:solidFill>
-                            <a:srgbClr val="FF0000"/>
+                            <a:schemeClr val="tx1"/>
                           </a:solidFill>
                         </a:rPr>
                         <a:t>追加・削除・権限付与</a:t>
@@ -15844,7 +18233,7 @@
                       <a:r>
                         <a:rPr kumimoji="1" lang="en-US" altLang="ja-JP" dirty="0">
                           <a:solidFill>
-                            <a:srgbClr val="FF0000"/>
+                            <a:schemeClr val="tx1"/>
                           </a:solidFill>
                         </a:rPr>
                         <a:t>)</a:t>
@@ -15852,14 +18241,33 @@
                       <a:r>
                         <a:rPr kumimoji="1" lang="ja-JP" altLang="en-US" dirty="0">
                           <a:solidFill>
-                            <a:srgbClr val="FF0000"/>
+                            <a:schemeClr val="tx1"/>
                           </a:solidFill>
                         </a:rPr>
                         <a:t>を担う</a:t>
                       </a:r>
                       <a:endParaRPr kumimoji="1" lang="en-US" altLang="ja-JP" dirty="0">
                         <a:solidFill>
-                          <a:srgbClr val="FF0000"/>
+                          <a:schemeClr val="tx1"/>
+                        </a:solidFill>
+                      </a:endParaRPr>
+                    </a:p>
+                    <a:p>
+                      <a:pPr marL="285750" indent="-285750">
+                        <a:buFont typeface="Arial" panose="020B0604020202020204" pitchFamily="34" charset="0"/>
+                        <a:buChar char="•"/>
+                      </a:pPr>
+                      <a:r>
+                        <a:rPr kumimoji="1" lang="ja-JP" altLang="en-US" dirty="0">
+                          <a:solidFill>
+                            <a:schemeClr val="tx1"/>
+                          </a:solidFill>
+                        </a:rPr>
+                        <a:t>全ての権限を担う</a:t>
+                      </a:r>
+                      <a:endParaRPr kumimoji="1" lang="en-US" altLang="ja-JP" dirty="0">
+                        <a:solidFill>
+                          <a:schemeClr val="tx1"/>
                         </a:solidFill>
                       </a:endParaRPr>
                     </a:p>
@@ -16086,18 +18494,10 @@
           <a:lstStyle/>
           <a:p>
             <a:r>
-              <a:rPr lang="ja-JP" altLang="en-US" sz="3200" dirty="0">
-                <a:solidFill>
-                  <a:srgbClr val="FF0000"/>
-                </a:solidFill>
-              </a:rPr>
+              <a:rPr lang="ja-JP" altLang="en-US" sz="3200" dirty="0"/>
               <a:t>商品閲覧</a:t>
             </a:r>
-            <a:endParaRPr sz="3200" dirty="0">
-              <a:solidFill>
-                <a:srgbClr val="FF0000"/>
-              </a:solidFill>
-            </a:endParaRPr>
+            <a:endParaRPr sz="3200" dirty="0"/>
           </a:p>
         </p:txBody>
       </p:sp>
@@ -16818,18 +19218,10 @@
           <a:lstStyle/>
           <a:p>
             <a:r>
-              <a:rPr lang="ja-JP" altLang="en-US" sz="3200" dirty="0">
-                <a:solidFill>
-                  <a:srgbClr val="FF0000"/>
-                </a:solidFill>
-              </a:rPr>
+              <a:rPr lang="ja-JP" altLang="en-US" sz="3200" dirty="0"/>
               <a:t>商品の注文、キャンセル、配送</a:t>
             </a:r>
-            <a:endParaRPr sz="3200" dirty="0">
-              <a:solidFill>
-                <a:srgbClr val="FF0000"/>
-              </a:solidFill>
-            </a:endParaRPr>
+            <a:endParaRPr sz="3200" dirty="0"/>
           </a:p>
         </p:txBody>
       </p:sp>
@@ -18310,18 +20702,10 @@
           <a:lstStyle/>
           <a:p>
             <a:r>
-              <a:rPr lang="ja-JP" altLang="en-US" sz="3200" dirty="0">
-                <a:solidFill>
-                  <a:srgbClr val="FF0000"/>
-                </a:solidFill>
-              </a:rPr>
+              <a:rPr lang="ja-JP" altLang="en-US" sz="3200" dirty="0"/>
               <a:t>キャンペーン</a:t>
             </a:r>
-            <a:endParaRPr sz="3200" dirty="0">
-              <a:solidFill>
-                <a:srgbClr val="FF0000"/>
-              </a:solidFill>
-            </a:endParaRPr>
+            <a:endParaRPr sz="3200" dirty="0"/>
           </a:p>
         </p:txBody>
       </p:sp>
@@ -19409,18 +21793,10 @@
           <a:lstStyle/>
           <a:p>
             <a:r>
-              <a:rPr lang="ja-JP" altLang="en-US" sz="3200" dirty="0">
-                <a:solidFill>
-                  <a:srgbClr val="FF0000"/>
-                </a:solidFill>
-              </a:rPr>
+              <a:rPr lang="ja-JP" altLang="en-US" sz="3200" dirty="0"/>
               <a:t>マイページ</a:t>
             </a:r>
-            <a:endParaRPr sz="3200" dirty="0">
-              <a:solidFill>
-                <a:srgbClr val="FF0000"/>
-              </a:solidFill>
-            </a:endParaRPr>
+            <a:endParaRPr sz="3200" dirty="0"/>
           </a:p>
         </p:txBody>
       </p:sp>
@@ -20640,7 +23016,7 @@
         <p:spPr>
           <a:xfrm>
             <a:off x="3745339" y="3442227"/>
-            <a:ext cx="2068944" cy="877163"/>
+            <a:ext cx="2068944" cy="1138773"/>
           </a:xfrm>
           <a:prstGeom prst="rect">
             <a:avLst/>
@@ -20666,6 +23042,13 @@
             <a:r>
               <a:rPr lang="ja-JP" altLang="en-US" sz="1700" dirty="0"/>
               <a:t>・商品削除</a:t>
+            </a:r>
+            <a:endParaRPr lang="en-US" altLang="ja-JP" sz="1700" dirty="0"/>
+          </a:p>
+          <a:p>
+            <a:r>
+              <a:rPr lang="ja-JP" altLang="en-US" sz="1700" dirty="0"/>
+              <a:t>・商品参照</a:t>
             </a:r>
             <a:endParaRPr lang="en-US" altLang="ja-JP" sz="1700" dirty="0"/>
           </a:p>
@@ -21118,7 +23501,7 @@
         <p:spPr>
           <a:xfrm>
             <a:off x="203165" y="840648"/>
-            <a:ext cx="11785670" cy="1138773"/>
+            <a:ext cx="11785670" cy="1400383"/>
           </a:xfrm>
           <a:prstGeom prst="rect">
             <a:avLst/>
@@ -21160,7 +23543,7 @@
             </a:r>
             <a:r>
               <a:rPr lang="ja-JP" altLang="en-US" sz="1700" dirty="0"/>
-              <a:t>する機能</a:t>
+              <a:t>・参照する機能</a:t>
             </a:r>
             <a:endParaRPr lang="ja-JP" altLang="ja-JP" sz="1700" dirty="0"/>
           </a:p>
@@ -21190,6 +23573,13 @@
             <a:r>
               <a:rPr lang="ja-JP" altLang="en-US" sz="1700" dirty="0"/>
               <a:t>する機能を有する</a:t>
+            </a:r>
+            <a:endParaRPr lang="en-US" altLang="ja-JP" sz="1700" dirty="0"/>
+          </a:p>
+          <a:p>
+            <a:r>
+              <a:rPr lang="ja-JP" altLang="en-US" sz="1700" dirty="0"/>
+              <a:t>商品一覧や、顧客側のページで掲載している商品情報を参照することができる</a:t>
             </a:r>
             <a:endParaRPr lang="en-US" altLang="ja-JP" sz="1700" dirty="0"/>
           </a:p>
